--- a/week01/Lab01.pptx
+++ b/week01/Lab01.pptx
@@ -5,47 +5,47 @@
     <p:sldMasterId id="2147483648" r:id="rId1"/>
   </p:sldMasterIdLst>
   <p:notesMasterIdLst>
-    <p:notesMasterId r:id="rId40"/>
+    <p:notesMasterId r:id="rId21"/>
   </p:notesMasterIdLst>
   <p:sldIdLst>
-    <p:sldId id="256" r:id="rId2"/>
-    <p:sldId id="477" r:id="rId3"/>
-    <p:sldId id="618" r:id="rId4"/>
-    <p:sldId id="619" r:id="rId5"/>
-    <p:sldId id="495" r:id="rId6"/>
-    <p:sldId id="539" r:id="rId7"/>
-    <p:sldId id="620" r:id="rId8"/>
-    <p:sldId id="616" r:id="rId9"/>
-    <p:sldId id="540" r:id="rId10"/>
-    <p:sldId id="519" r:id="rId11"/>
-    <p:sldId id="621" r:id="rId12"/>
-    <p:sldId id="622" r:id="rId13"/>
-    <p:sldId id="520" r:id="rId14"/>
-    <p:sldId id="623" r:id="rId15"/>
-    <p:sldId id="624" r:id="rId16"/>
-    <p:sldId id="625" r:id="rId17"/>
-    <p:sldId id="626" r:id="rId18"/>
-    <p:sldId id="627" r:id="rId19"/>
-    <p:sldId id="628" r:id="rId20"/>
-    <p:sldId id="631" r:id="rId21"/>
-    <p:sldId id="632" r:id="rId22"/>
-    <p:sldId id="633" r:id="rId23"/>
-    <p:sldId id="634" r:id="rId24"/>
-    <p:sldId id="635" r:id="rId25"/>
-    <p:sldId id="636" r:id="rId26"/>
-    <p:sldId id="637" r:id="rId27"/>
-    <p:sldId id="638" r:id="rId28"/>
-    <p:sldId id="639" r:id="rId29"/>
-    <p:sldId id="640" r:id="rId30"/>
-    <p:sldId id="641" r:id="rId31"/>
-    <p:sldId id="642" r:id="rId32"/>
-    <p:sldId id="643" r:id="rId33"/>
-    <p:sldId id="644" r:id="rId34"/>
-    <p:sldId id="645" r:id="rId35"/>
-    <p:sldId id="646" r:id="rId36"/>
-    <p:sldId id="647" r:id="rId37"/>
-    <p:sldId id="312" r:id="rId38"/>
-    <p:sldId id="615" r:id="rId39"/>
+    <p:sldId id="256" r:id="rId3"/>
+    <p:sldId id="477" r:id="rId4"/>
+    <p:sldId id="618" r:id="rId5"/>
+    <p:sldId id="619" r:id="rId6"/>
+    <p:sldId id="495" r:id="rId7"/>
+    <p:sldId id="539" r:id="rId8"/>
+    <p:sldId id="620" r:id="rId9"/>
+    <p:sldId id="616" r:id="rId10"/>
+    <p:sldId id="540" r:id="rId11"/>
+    <p:sldId id="519" r:id="rId12"/>
+    <p:sldId id="621" r:id="rId13"/>
+    <p:sldId id="622" r:id="rId14"/>
+    <p:sldId id="520" r:id="rId15"/>
+    <p:sldId id="623" r:id="rId16"/>
+    <p:sldId id="624" r:id="rId17"/>
+    <p:sldId id="625" r:id="rId18"/>
+    <p:sldId id="626" r:id="rId19"/>
+    <p:sldId id="627" r:id="rId20"/>
+    <p:sldId id="628" r:id="rId22"/>
+    <p:sldId id="631" r:id="rId23"/>
+    <p:sldId id="632" r:id="rId24"/>
+    <p:sldId id="633" r:id="rId25"/>
+    <p:sldId id="634" r:id="rId26"/>
+    <p:sldId id="635" r:id="rId27"/>
+    <p:sldId id="636" r:id="rId28"/>
+    <p:sldId id="637" r:id="rId29"/>
+    <p:sldId id="638" r:id="rId30"/>
+    <p:sldId id="639" r:id="rId31"/>
+    <p:sldId id="640" r:id="rId32"/>
+    <p:sldId id="641" r:id="rId33"/>
+    <p:sldId id="642" r:id="rId34"/>
+    <p:sldId id="643" r:id="rId35"/>
+    <p:sldId id="644" r:id="rId36"/>
+    <p:sldId id="645" r:id="rId37"/>
+    <p:sldId id="646" r:id="rId38"/>
+    <p:sldId id="647" r:id="rId39"/>
+    <p:sldId id="312" r:id="rId40"/>
+    <p:sldId id="615" r:id="rId41"/>
   </p:sldIdLst>
   <p:sldSz cx="12192000" cy="6858000"/>
   <p:notesSz cx="6858000" cy="9144000"/>
@@ -144,11 +144,6 @@
       </a:defRPr>
     </a:lvl9pPr>
   </p:defaultTextStyle>
-  <p:extLst>
-    <p:ext uri="{EFAFB233-063F-42B5-8137-9DF3F51BA10A}">
-      <p15:sldGuideLst xmlns:p15="http://schemas.microsoft.com/office/powerpoint/2012/main"/>
-    </p:ext>
-  </p:extLst>
 </p:presentation>
 </file>
 
@@ -234,7 +229,6 @@
           <a:p>
             <a:fld id="{40D9677D-AFDD-4D13-A50E-0F3357730A11}" type="datetimeFigureOut">
               <a:rPr lang="zh-CN" altLang="en-US" smtClean="0"/>
-              <a:t>2024/2/20</a:t>
             </a:fld>
             <a:endParaRPr lang="zh-CN" altLang="en-US"/>
           </a:p>
@@ -301,6 +295,7 @@
               <a:rPr lang="zh-CN" altLang="en-US"/>
               <a:t>单击此处编辑母版文本样式</a:t>
             </a:r>
+            <a:endParaRPr lang="zh-CN" altLang="en-US"/>
           </a:p>
           <a:p>
             <a:pPr lvl="1"/>
@@ -308,6 +303,7 @@
               <a:rPr lang="zh-CN" altLang="en-US"/>
               <a:t>二级</a:t>
             </a:r>
+            <a:endParaRPr lang="zh-CN" altLang="en-US"/>
           </a:p>
           <a:p>
             <a:pPr lvl="2"/>
@@ -315,6 +311,7 @@
               <a:rPr lang="zh-CN" altLang="en-US"/>
               <a:t>三级</a:t>
             </a:r>
+            <a:endParaRPr lang="zh-CN" altLang="en-US"/>
           </a:p>
           <a:p>
             <a:pPr lvl="3"/>
@@ -322,6 +319,7 @@
               <a:rPr lang="zh-CN" altLang="en-US"/>
               <a:t>四级</a:t>
             </a:r>
+            <a:endParaRPr lang="zh-CN" altLang="en-US"/>
           </a:p>
           <a:p>
             <a:pPr lvl="4"/>
@@ -329,6 +327,7 @@
               <a:rPr lang="zh-CN" altLang="en-US"/>
               <a:t>五级</a:t>
             </a:r>
+            <a:endParaRPr lang="zh-CN" altLang="en-US"/>
           </a:p>
         </p:txBody>
       </p:sp>
@@ -392,7 +391,6 @@
           <a:p>
             <a:fld id="{44A4C0DF-083E-486D-A298-AE3293F0662C}" type="slidenum">
               <a:rPr lang="zh-CN" altLang="en-US" smtClean="0"/>
-              <a:t>‹#›</a:t>
             </a:fld>
             <a:endParaRPr lang="zh-CN" altLang="en-US"/>
           </a:p>
@@ -602,7 +600,6 @@
                   <a:prstClr val="black"/>
                 </a:solidFill>
               </a:rPr>
-              <a:t>18</a:t>
             </a:fld>
             <a:endParaRPr lang="en-US" altLang="zh-CN">
               <a:solidFill>
@@ -722,7 +719,6 @@
                   <a:prstClr val="black"/>
                 </a:solidFill>
               </a:rPr>
-              <a:t>34</a:t>
             </a:fld>
             <a:endParaRPr lang="en-US" altLang="zh-CN">
               <a:solidFill>
@@ -842,7 +838,6 @@
                   <a:prstClr val="black"/>
                 </a:solidFill>
               </a:rPr>
-              <a:t>36</a:t>
             </a:fld>
             <a:endParaRPr lang="en-US" altLang="zh-CN">
               <a:solidFill>
@@ -966,7 +961,6 @@
                   <a:prstClr val="black"/>
                 </a:solidFill>
               </a:rPr>
-              <a:t>37</a:t>
             </a:fld>
             <a:endParaRPr lang="en-US" altLang="zh-CN">
               <a:solidFill>
@@ -1090,7 +1084,6 @@
                   <a:prstClr val="black"/>
                 </a:solidFill>
               </a:rPr>
-              <a:t>38</a:t>
             </a:fld>
             <a:endParaRPr lang="en-US" altLang="zh-CN">
               <a:solidFill>
@@ -1153,6 +1146,7 @@
               <a:rPr lang="zh-CN" altLang="en-US"/>
               <a:t>单击此处编辑母版标题样式</a:t>
             </a:r>
+            <a:endParaRPr lang="zh-CN" altLang="en-US"/>
           </a:p>
         </p:txBody>
       </p:sp>
@@ -1217,6 +1211,7 @@
               <a:rPr lang="zh-CN" altLang="en-US" dirty="0"/>
               <a:t>单击此处编辑母版副标题样式</a:t>
             </a:r>
+            <a:endParaRPr lang="zh-CN" altLang="en-US" dirty="0"/>
           </a:p>
         </p:txBody>
       </p:sp>
@@ -1237,7 +1232,6 @@
           <a:p>
             <a:fld id="{FC19A4FA-3D9A-4114-B0D5-759CBD56F1AB}" type="datetimeFigureOut">
               <a:rPr lang="zh-CN" altLang="en-US" smtClean="0"/>
-              <a:t>2024/2/20</a:t>
             </a:fld>
             <a:endParaRPr lang="zh-CN" altLang="en-US"/>
           </a:p>
@@ -1279,7 +1273,6 @@
           <a:p>
             <a:fld id="{506F4176-339E-4C4B-80E4-BBE9C4467EFE}" type="slidenum">
               <a:rPr lang="zh-CN" altLang="en-US" smtClean="0"/>
-              <a:t>‹#›</a:t>
             </a:fld>
             <a:endParaRPr lang="zh-CN" altLang="en-US"/>
           </a:p>
@@ -1360,6 +1353,7 @@
               <a:rPr lang="zh-CN" altLang="en-US"/>
               <a:t>单击此处编辑母版标题样式</a:t>
             </a:r>
+            <a:endParaRPr lang="zh-CN" altLang="en-US"/>
           </a:p>
         </p:txBody>
       </p:sp>
@@ -1383,6 +1377,7 @@
               <a:rPr lang="zh-CN" altLang="en-US"/>
               <a:t>单击此处编辑母版文本样式</a:t>
             </a:r>
+            <a:endParaRPr lang="zh-CN" altLang="en-US"/>
           </a:p>
           <a:p>
             <a:pPr lvl="1"/>
@@ -1390,6 +1385,7 @@
               <a:rPr lang="zh-CN" altLang="en-US"/>
               <a:t>第二级</a:t>
             </a:r>
+            <a:endParaRPr lang="zh-CN" altLang="en-US"/>
           </a:p>
           <a:p>
             <a:pPr lvl="2"/>
@@ -1397,6 +1393,7 @@
               <a:rPr lang="zh-CN" altLang="en-US"/>
               <a:t>第三级</a:t>
             </a:r>
+            <a:endParaRPr lang="zh-CN" altLang="en-US"/>
           </a:p>
           <a:p>
             <a:pPr lvl="3"/>
@@ -1404,6 +1401,7 @@
               <a:rPr lang="zh-CN" altLang="en-US"/>
               <a:t>第四级</a:t>
             </a:r>
+            <a:endParaRPr lang="zh-CN" altLang="en-US"/>
           </a:p>
           <a:p>
             <a:pPr lvl="4"/>
@@ -1411,6 +1409,7 @@
               <a:rPr lang="zh-CN" altLang="en-US"/>
               <a:t>第五级</a:t>
             </a:r>
+            <a:endParaRPr lang="zh-CN" altLang="en-US"/>
           </a:p>
         </p:txBody>
       </p:sp>
@@ -1431,7 +1430,6 @@
           <a:p>
             <a:fld id="{FC19A4FA-3D9A-4114-B0D5-759CBD56F1AB}" type="datetimeFigureOut">
               <a:rPr lang="zh-CN" altLang="en-US" smtClean="0"/>
-              <a:t>2024/2/20</a:t>
             </a:fld>
             <a:endParaRPr lang="zh-CN" altLang="en-US"/>
           </a:p>
@@ -1473,7 +1471,6 @@
           <a:p>
             <a:fld id="{506F4176-339E-4C4B-80E4-BBE9C4467EFE}" type="slidenum">
               <a:rPr lang="zh-CN" altLang="en-US" smtClean="0"/>
-              <a:t>‹#›</a:t>
             </a:fld>
             <a:endParaRPr lang="zh-CN" altLang="en-US"/>
           </a:p>
@@ -1528,6 +1525,7 @@
               <a:rPr lang="zh-CN" altLang="en-US"/>
               <a:t>单击此处编辑母版标题样式</a:t>
             </a:r>
+            <a:endParaRPr lang="zh-CN" altLang="en-US"/>
           </a:p>
         </p:txBody>
       </p:sp>
@@ -1556,6 +1554,7 @@
               <a:rPr lang="zh-CN" altLang="en-US"/>
               <a:t>单击此处编辑母版文本样式</a:t>
             </a:r>
+            <a:endParaRPr lang="zh-CN" altLang="en-US"/>
           </a:p>
           <a:p>
             <a:pPr lvl="1"/>
@@ -1563,6 +1562,7 @@
               <a:rPr lang="zh-CN" altLang="en-US"/>
               <a:t>第二级</a:t>
             </a:r>
+            <a:endParaRPr lang="zh-CN" altLang="en-US"/>
           </a:p>
           <a:p>
             <a:pPr lvl="2"/>
@@ -1570,6 +1570,7 @@
               <a:rPr lang="zh-CN" altLang="en-US"/>
               <a:t>第三级</a:t>
             </a:r>
+            <a:endParaRPr lang="zh-CN" altLang="en-US"/>
           </a:p>
           <a:p>
             <a:pPr lvl="3"/>
@@ -1577,6 +1578,7 @@
               <a:rPr lang="zh-CN" altLang="en-US"/>
               <a:t>第四级</a:t>
             </a:r>
+            <a:endParaRPr lang="zh-CN" altLang="en-US"/>
           </a:p>
           <a:p>
             <a:pPr lvl="4"/>
@@ -1584,6 +1586,7 @@
               <a:rPr lang="zh-CN" altLang="en-US"/>
               <a:t>第五级</a:t>
             </a:r>
+            <a:endParaRPr lang="zh-CN" altLang="en-US"/>
           </a:p>
         </p:txBody>
       </p:sp>
@@ -1604,7 +1607,6 @@
           <a:p>
             <a:fld id="{FC19A4FA-3D9A-4114-B0D5-759CBD56F1AB}" type="datetimeFigureOut">
               <a:rPr lang="zh-CN" altLang="en-US" smtClean="0"/>
-              <a:t>2024/2/20</a:t>
             </a:fld>
             <a:endParaRPr lang="zh-CN" altLang="en-US"/>
           </a:p>
@@ -1646,7 +1648,6 @@
           <a:p>
             <a:fld id="{506F4176-339E-4C4B-80E4-BBE9C4467EFE}" type="slidenum">
               <a:rPr lang="zh-CN" altLang="en-US" smtClean="0"/>
-              <a:t>‹#›</a:t>
             </a:fld>
             <a:endParaRPr lang="zh-CN" altLang="en-US"/>
           </a:p>
@@ -1701,6 +1702,7 @@
               <a:rPr lang="zh-CN" altLang="en-US" dirty="0"/>
               <a:t>单击此处编辑母版标题样式</a:t>
             </a:r>
+            <a:endParaRPr lang="zh-CN" altLang="en-US" dirty="0"/>
           </a:p>
         </p:txBody>
       </p:sp>
@@ -1740,6 +1742,7 @@
               <a:rPr lang="zh-CN" altLang="en-US" dirty="0"/>
               <a:t>单击此处编辑母版文本样式</a:t>
             </a:r>
+            <a:endParaRPr lang="zh-CN" altLang="en-US" dirty="0"/>
           </a:p>
           <a:p>
             <a:pPr lvl="1"/>
@@ -1747,6 +1750,7 @@
               <a:rPr lang="zh-CN" altLang="en-US" dirty="0"/>
               <a:t>第二级</a:t>
             </a:r>
+            <a:endParaRPr lang="zh-CN" altLang="en-US" dirty="0"/>
           </a:p>
           <a:p>
             <a:pPr lvl="2"/>
@@ -1754,6 +1758,7 @@
               <a:rPr lang="zh-CN" altLang="en-US" dirty="0"/>
               <a:t>第三级</a:t>
             </a:r>
+            <a:endParaRPr lang="zh-CN" altLang="en-US" dirty="0"/>
           </a:p>
           <a:p>
             <a:pPr lvl="3"/>
@@ -1761,6 +1766,7 @@
               <a:rPr lang="zh-CN" altLang="en-US" dirty="0"/>
               <a:t>第四级</a:t>
             </a:r>
+            <a:endParaRPr lang="zh-CN" altLang="en-US" dirty="0"/>
           </a:p>
           <a:p>
             <a:pPr lvl="4"/>
@@ -1768,6 +1774,7 @@
               <a:rPr lang="zh-CN" altLang="en-US" dirty="0"/>
               <a:t>第五级</a:t>
             </a:r>
+            <a:endParaRPr lang="zh-CN" altLang="en-US" dirty="0"/>
           </a:p>
         </p:txBody>
       </p:sp>
@@ -1788,7 +1795,6 @@
           <a:p>
             <a:fld id="{FC19A4FA-3D9A-4114-B0D5-759CBD56F1AB}" type="datetimeFigureOut">
               <a:rPr lang="zh-CN" altLang="en-US" smtClean="0"/>
-              <a:t>2024/2/20</a:t>
             </a:fld>
             <a:endParaRPr lang="zh-CN" altLang="en-US"/>
           </a:p>
@@ -1830,7 +1836,6 @@
           <a:p>
             <a:fld id="{506F4176-339E-4C4B-80E4-BBE9C4467EFE}" type="slidenum">
               <a:rPr lang="zh-CN" altLang="en-US" smtClean="0"/>
-              <a:t>‹#›</a:t>
             </a:fld>
             <a:endParaRPr lang="zh-CN" altLang="en-US"/>
           </a:p>
@@ -1913,6 +1918,7 @@
               <a:rPr lang="zh-CN" altLang="en-US"/>
               <a:t>单击此处编辑母版标题样式</a:t>
             </a:r>
+            <a:endParaRPr lang="zh-CN" altLang="en-US"/>
           </a:p>
         </p:txBody>
       </p:sp>
@@ -1941,6 +1947,7 @@
               <a:rPr lang="zh-CN" altLang="en-US"/>
               <a:t>单击此处编辑母版文本样式</a:t>
             </a:r>
+            <a:endParaRPr lang="zh-CN" altLang="en-US"/>
           </a:p>
           <a:p>
             <a:pPr lvl="1"/>
@@ -1948,6 +1955,7 @@
               <a:rPr lang="zh-CN" altLang="en-US"/>
               <a:t>第二级</a:t>
             </a:r>
+            <a:endParaRPr lang="zh-CN" altLang="en-US"/>
           </a:p>
           <a:p>
             <a:pPr lvl="2"/>
@@ -1955,6 +1963,7 @@
               <a:rPr lang="zh-CN" altLang="en-US"/>
               <a:t>第三级</a:t>
             </a:r>
+            <a:endParaRPr lang="zh-CN" altLang="en-US"/>
           </a:p>
           <a:p>
             <a:pPr lvl="3"/>
@@ -1962,6 +1971,7 @@
               <a:rPr lang="zh-CN" altLang="en-US"/>
               <a:t>第四级</a:t>
             </a:r>
+            <a:endParaRPr lang="zh-CN" altLang="en-US"/>
           </a:p>
           <a:p>
             <a:pPr lvl="4"/>
@@ -1969,6 +1979,7 @@
               <a:rPr lang="zh-CN" altLang="en-US"/>
               <a:t>第五级</a:t>
             </a:r>
+            <a:endParaRPr lang="zh-CN" altLang="en-US"/>
           </a:p>
         </p:txBody>
       </p:sp>
@@ -1997,6 +2008,7 @@
               <a:rPr lang="zh-CN" altLang="en-US"/>
               <a:t>单击此处编辑母版文本样式</a:t>
             </a:r>
+            <a:endParaRPr lang="zh-CN" altLang="en-US"/>
           </a:p>
           <a:p>
             <a:pPr lvl="1"/>
@@ -2004,6 +2016,7 @@
               <a:rPr lang="zh-CN" altLang="en-US"/>
               <a:t>第二级</a:t>
             </a:r>
+            <a:endParaRPr lang="zh-CN" altLang="en-US"/>
           </a:p>
           <a:p>
             <a:pPr lvl="2"/>
@@ -2011,6 +2024,7 @@
               <a:rPr lang="zh-CN" altLang="en-US"/>
               <a:t>第三级</a:t>
             </a:r>
+            <a:endParaRPr lang="zh-CN" altLang="en-US"/>
           </a:p>
           <a:p>
             <a:pPr lvl="3"/>
@@ -2018,6 +2032,7 @@
               <a:rPr lang="zh-CN" altLang="en-US"/>
               <a:t>第四级</a:t>
             </a:r>
+            <a:endParaRPr lang="zh-CN" altLang="en-US"/>
           </a:p>
           <a:p>
             <a:pPr lvl="4"/>
@@ -2025,6 +2040,7 @@
               <a:rPr lang="zh-CN" altLang="en-US"/>
               <a:t>第五级</a:t>
             </a:r>
+            <a:endParaRPr lang="zh-CN" altLang="en-US"/>
           </a:p>
         </p:txBody>
       </p:sp>
@@ -2045,7 +2061,6 @@
           <a:p>
             <a:fld id="{FC19A4FA-3D9A-4114-B0D5-759CBD56F1AB}" type="datetimeFigureOut">
               <a:rPr lang="zh-CN" altLang="en-US" smtClean="0"/>
-              <a:t>2024/2/20</a:t>
             </a:fld>
             <a:endParaRPr lang="zh-CN" altLang="en-US"/>
           </a:p>
@@ -2087,7 +2102,6 @@
           <a:p>
             <a:fld id="{506F4176-339E-4C4B-80E4-BBE9C4467EFE}" type="slidenum">
               <a:rPr lang="zh-CN" altLang="en-US" smtClean="0"/>
-              <a:t>‹#›</a:t>
             </a:fld>
             <a:endParaRPr lang="zh-CN" altLang="en-US"/>
           </a:p>
@@ -2170,6 +2184,7 @@
               <a:rPr lang="zh-CN" altLang="en-US"/>
               <a:t>单击此处编辑母版标题样式</a:t>
             </a:r>
+            <a:endParaRPr lang="zh-CN" altLang="en-US"/>
           </a:p>
         </p:txBody>
       </p:sp>
@@ -2235,6 +2250,7 @@
               <a:rPr lang="zh-CN" altLang="en-US"/>
               <a:t>单击此处编辑母版文本样式</a:t>
             </a:r>
+            <a:endParaRPr lang="zh-CN" altLang="en-US"/>
           </a:p>
         </p:txBody>
       </p:sp>
@@ -2263,6 +2279,7 @@
               <a:rPr lang="zh-CN" altLang="en-US"/>
               <a:t>单击此处编辑母版文本样式</a:t>
             </a:r>
+            <a:endParaRPr lang="zh-CN" altLang="en-US"/>
           </a:p>
           <a:p>
             <a:pPr lvl="1"/>
@@ -2270,6 +2287,7 @@
               <a:rPr lang="zh-CN" altLang="en-US"/>
               <a:t>第二级</a:t>
             </a:r>
+            <a:endParaRPr lang="zh-CN" altLang="en-US"/>
           </a:p>
           <a:p>
             <a:pPr lvl="2"/>
@@ -2277,6 +2295,7 @@
               <a:rPr lang="zh-CN" altLang="en-US"/>
               <a:t>第三级</a:t>
             </a:r>
+            <a:endParaRPr lang="zh-CN" altLang="en-US"/>
           </a:p>
           <a:p>
             <a:pPr lvl="3"/>
@@ -2284,6 +2303,7 @@
               <a:rPr lang="zh-CN" altLang="en-US"/>
               <a:t>第四级</a:t>
             </a:r>
+            <a:endParaRPr lang="zh-CN" altLang="en-US"/>
           </a:p>
           <a:p>
             <a:pPr lvl="4"/>
@@ -2291,6 +2311,7 @@
               <a:rPr lang="zh-CN" altLang="en-US"/>
               <a:t>第五级</a:t>
             </a:r>
+            <a:endParaRPr lang="zh-CN" altLang="en-US"/>
           </a:p>
         </p:txBody>
       </p:sp>
@@ -2356,6 +2377,7 @@
               <a:rPr lang="zh-CN" altLang="en-US"/>
               <a:t>单击此处编辑母版文本样式</a:t>
             </a:r>
+            <a:endParaRPr lang="zh-CN" altLang="en-US"/>
           </a:p>
         </p:txBody>
       </p:sp>
@@ -2384,6 +2406,7 @@
               <a:rPr lang="zh-CN" altLang="en-US"/>
               <a:t>单击此处编辑母版文本样式</a:t>
             </a:r>
+            <a:endParaRPr lang="zh-CN" altLang="en-US"/>
           </a:p>
           <a:p>
             <a:pPr lvl="1"/>
@@ -2391,6 +2414,7 @@
               <a:rPr lang="zh-CN" altLang="en-US"/>
               <a:t>第二级</a:t>
             </a:r>
+            <a:endParaRPr lang="zh-CN" altLang="en-US"/>
           </a:p>
           <a:p>
             <a:pPr lvl="2"/>
@@ -2398,6 +2422,7 @@
               <a:rPr lang="zh-CN" altLang="en-US"/>
               <a:t>第三级</a:t>
             </a:r>
+            <a:endParaRPr lang="zh-CN" altLang="en-US"/>
           </a:p>
           <a:p>
             <a:pPr lvl="3"/>
@@ -2405,6 +2430,7 @@
               <a:rPr lang="zh-CN" altLang="en-US"/>
               <a:t>第四级</a:t>
             </a:r>
+            <a:endParaRPr lang="zh-CN" altLang="en-US"/>
           </a:p>
           <a:p>
             <a:pPr lvl="4"/>
@@ -2412,6 +2438,7 @@
               <a:rPr lang="zh-CN" altLang="en-US"/>
               <a:t>第五级</a:t>
             </a:r>
+            <a:endParaRPr lang="zh-CN" altLang="en-US"/>
           </a:p>
         </p:txBody>
       </p:sp>
@@ -2432,7 +2459,6 @@
           <a:p>
             <a:fld id="{FC19A4FA-3D9A-4114-B0D5-759CBD56F1AB}" type="datetimeFigureOut">
               <a:rPr lang="zh-CN" altLang="en-US" smtClean="0"/>
-              <a:t>2024/2/20</a:t>
             </a:fld>
             <a:endParaRPr lang="zh-CN" altLang="en-US"/>
           </a:p>
@@ -2474,7 +2500,6 @@
           <a:p>
             <a:fld id="{506F4176-339E-4C4B-80E4-BBE9C4467EFE}" type="slidenum">
               <a:rPr lang="zh-CN" altLang="en-US" smtClean="0"/>
-              <a:t>‹#›</a:t>
             </a:fld>
             <a:endParaRPr lang="zh-CN" altLang="en-US"/>
           </a:p>
@@ -2561,6 +2586,7 @@
               <a:rPr lang="zh-CN" altLang="en-US"/>
               <a:t>单击此处编辑母版标题样式</a:t>
             </a:r>
+            <a:endParaRPr lang="zh-CN" altLang="en-US"/>
           </a:p>
         </p:txBody>
       </p:sp>
@@ -2680,6 +2706,7 @@
               <a:rPr lang="zh-CN" altLang="en-US"/>
               <a:t>单击此处编辑母版文本样式</a:t>
             </a:r>
+            <a:endParaRPr lang="zh-CN" altLang="en-US"/>
           </a:p>
         </p:txBody>
       </p:sp>
@@ -2700,7 +2727,6 @@
           <a:p>
             <a:fld id="{FC19A4FA-3D9A-4114-B0D5-759CBD56F1AB}" type="datetimeFigureOut">
               <a:rPr lang="zh-CN" altLang="en-US" smtClean="0"/>
-              <a:t>2024/2/20</a:t>
             </a:fld>
             <a:endParaRPr lang="zh-CN" altLang="en-US"/>
           </a:p>
@@ -2742,7 +2768,6 @@
           <a:p>
             <a:fld id="{506F4176-339E-4C4B-80E4-BBE9C4467EFE}" type="slidenum">
               <a:rPr lang="zh-CN" altLang="en-US" smtClean="0"/>
-              <a:t>‹#›</a:t>
             </a:fld>
             <a:endParaRPr lang="zh-CN" altLang="en-US"/>
           </a:p>
@@ -2820,6 +2845,7 @@
               <a:rPr lang="zh-CN" altLang="en-US"/>
               <a:t>单击此处编辑母版标题样式</a:t>
             </a:r>
+            <a:endParaRPr lang="zh-CN" altLang="en-US"/>
           </a:p>
         </p:txBody>
       </p:sp>
@@ -2840,7 +2866,6 @@
           <a:p>
             <a:fld id="{FC19A4FA-3D9A-4114-B0D5-759CBD56F1AB}" type="datetimeFigureOut">
               <a:rPr lang="zh-CN" altLang="en-US" smtClean="0"/>
-              <a:t>2024/2/20</a:t>
             </a:fld>
             <a:endParaRPr lang="zh-CN" altLang="en-US"/>
           </a:p>
@@ -2882,7 +2907,6 @@
           <a:p>
             <a:fld id="{506F4176-339E-4C4B-80E4-BBE9C4467EFE}" type="slidenum">
               <a:rPr lang="zh-CN" altLang="en-US" smtClean="0"/>
-              <a:t>‹#›</a:t>
             </a:fld>
             <a:endParaRPr lang="zh-CN" altLang="en-US"/>
           </a:p>
@@ -2930,7 +2954,6 @@
           <a:p>
             <a:fld id="{FC19A4FA-3D9A-4114-B0D5-759CBD56F1AB}" type="datetimeFigureOut">
               <a:rPr lang="zh-CN" altLang="en-US" smtClean="0"/>
-              <a:t>2024/2/20</a:t>
             </a:fld>
             <a:endParaRPr lang="zh-CN" altLang="en-US"/>
           </a:p>
@@ -2972,7 +2995,6 @@
           <a:p>
             <a:fld id="{506F4176-339E-4C4B-80E4-BBE9C4467EFE}" type="slidenum">
               <a:rPr lang="zh-CN" altLang="en-US" smtClean="0"/>
-              <a:t>‹#›</a:t>
             </a:fld>
             <a:endParaRPr lang="zh-CN" altLang="en-US"/>
           </a:p>
@@ -3031,6 +3053,7 @@
               <a:rPr lang="zh-CN" altLang="en-US"/>
               <a:t>单击此处编辑母版标题样式</a:t>
             </a:r>
+            <a:endParaRPr lang="zh-CN" altLang="en-US"/>
           </a:p>
         </p:txBody>
       </p:sp>
@@ -3087,6 +3110,7 @@
               <a:rPr lang="zh-CN" altLang="en-US"/>
               <a:t>单击此处编辑母版文本样式</a:t>
             </a:r>
+            <a:endParaRPr lang="zh-CN" altLang="en-US"/>
           </a:p>
           <a:p>
             <a:pPr lvl="1"/>
@@ -3094,6 +3118,7 @@
               <a:rPr lang="zh-CN" altLang="en-US"/>
               <a:t>第二级</a:t>
             </a:r>
+            <a:endParaRPr lang="zh-CN" altLang="en-US"/>
           </a:p>
           <a:p>
             <a:pPr lvl="2"/>
@@ -3101,6 +3126,7 @@
               <a:rPr lang="zh-CN" altLang="en-US"/>
               <a:t>第三级</a:t>
             </a:r>
+            <a:endParaRPr lang="zh-CN" altLang="en-US"/>
           </a:p>
           <a:p>
             <a:pPr lvl="3"/>
@@ -3108,6 +3134,7 @@
               <a:rPr lang="zh-CN" altLang="en-US"/>
               <a:t>第四级</a:t>
             </a:r>
+            <a:endParaRPr lang="zh-CN" altLang="en-US"/>
           </a:p>
           <a:p>
             <a:pPr lvl="4"/>
@@ -3115,6 +3142,7 @@
               <a:rPr lang="zh-CN" altLang="en-US"/>
               <a:t>第五级</a:t>
             </a:r>
+            <a:endParaRPr lang="zh-CN" altLang="en-US"/>
           </a:p>
         </p:txBody>
       </p:sp>
@@ -3180,6 +3208,7 @@
               <a:rPr lang="zh-CN" altLang="en-US"/>
               <a:t>单击此处编辑母版文本样式</a:t>
             </a:r>
+            <a:endParaRPr lang="zh-CN" altLang="en-US"/>
           </a:p>
         </p:txBody>
       </p:sp>
@@ -3200,7 +3229,6 @@
           <a:p>
             <a:fld id="{FC19A4FA-3D9A-4114-B0D5-759CBD56F1AB}" type="datetimeFigureOut">
               <a:rPr lang="zh-CN" altLang="en-US" smtClean="0"/>
-              <a:t>2024/2/20</a:t>
             </a:fld>
             <a:endParaRPr lang="zh-CN" altLang="en-US"/>
           </a:p>
@@ -3242,7 +3270,6 @@
           <a:p>
             <a:fld id="{506F4176-339E-4C4B-80E4-BBE9C4467EFE}" type="slidenum">
               <a:rPr lang="zh-CN" altLang="en-US" smtClean="0"/>
-              <a:t>‹#›</a:t>
             </a:fld>
             <a:endParaRPr lang="zh-CN" altLang="en-US"/>
           </a:p>
@@ -3301,6 +3328,7 @@
               <a:rPr lang="zh-CN" altLang="en-US"/>
               <a:t>单击此处编辑母版标题样式</a:t>
             </a:r>
+            <a:endParaRPr lang="zh-CN" altLang="en-US"/>
           </a:p>
         </p:txBody>
       </p:sp>
@@ -3427,6 +3455,7 @@
               <a:rPr lang="zh-CN" altLang="en-US"/>
               <a:t>单击此处编辑母版文本样式</a:t>
             </a:r>
+            <a:endParaRPr lang="zh-CN" altLang="en-US"/>
           </a:p>
         </p:txBody>
       </p:sp>
@@ -3447,7 +3476,6 @@
           <a:p>
             <a:fld id="{FC19A4FA-3D9A-4114-B0D5-759CBD56F1AB}" type="datetimeFigureOut">
               <a:rPr lang="zh-CN" altLang="en-US" smtClean="0"/>
-              <a:t>2024/2/20</a:t>
             </a:fld>
             <a:endParaRPr lang="zh-CN" altLang="en-US"/>
           </a:p>
@@ -3489,7 +3517,6 @@
           <a:p>
             <a:fld id="{506F4176-339E-4C4B-80E4-BBE9C4467EFE}" type="slidenum">
               <a:rPr lang="zh-CN" altLang="en-US" smtClean="0"/>
-              <a:t>‹#›</a:t>
             </a:fld>
             <a:endParaRPr lang="zh-CN" altLang="en-US"/>
           </a:p>
@@ -3554,6 +3581,7 @@
               <a:rPr lang="zh-CN" altLang="en-US" dirty="0"/>
               <a:t>单击此处编辑母版标题样式</a:t>
             </a:r>
+            <a:endParaRPr lang="zh-CN" altLang="en-US" dirty="0"/>
           </a:p>
         </p:txBody>
       </p:sp>
@@ -3587,6 +3615,7 @@
               <a:rPr lang="zh-CN" altLang="en-US" dirty="0"/>
               <a:t>单击此处编辑母版文本样式</a:t>
             </a:r>
+            <a:endParaRPr lang="zh-CN" altLang="en-US" dirty="0"/>
           </a:p>
           <a:p>
             <a:pPr lvl="1"/>
@@ -3594,6 +3623,7 @@
               <a:rPr lang="zh-CN" altLang="en-US" dirty="0"/>
               <a:t>第二级</a:t>
             </a:r>
+            <a:endParaRPr lang="zh-CN" altLang="en-US" dirty="0"/>
           </a:p>
           <a:p>
             <a:pPr lvl="2"/>
@@ -3601,6 +3631,7 @@
               <a:rPr lang="zh-CN" altLang="en-US" dirty="0"/>
               <a:t>第三级</a:t>
             </a:r>
+            <a:endParaRPr lang="zh-CN" altLang="en-US" dirty="0"/>
           </a:p>
           <a:p>
             <a:pPr lvl="3"/>
@@ -3608,6 +3639,7 @@
               <a:rPr lang="zh-CN" altLang="en-US" dirty="0"/>
               <a:t>第四级</a:t>
             </a:r>
+            <a:endParaRPr lang="zh-CN" altLang="en-US" dirty="0"/>
           </a:p>
           <a:p>
             <a:pPr lvl="4"/>
@@ -3615,6 +3647,7 @@
               <a:rPr lang="zh-CN" altLang="en-US" dirty="0"/>
               <a:t>第五级</a:t>
             </a:r>
+            <a:endParaRPr lang="zh-CN" altLang="en-US" dirty="0"/>
           </a:p>
         </p:txBody>
       </p:sp>
@@ -3653,7 +3686,6 @@
           <a:p>
             <a:fld id="{FC19A4FA-3D9A-4114-B0D5-759CBD56F1AB}" type="datetimeFigureOut">
               <a:rPr lang="zh-CN" altLang="en-US" smtClean="0"/>
-              <a:t>2024/2/20</a:t>
             </a:fld>
             <a:endParaRPr lang="zh-CN" altLang="en-US"/>
           </a:p>
@@ -3731,7 +3763,6 @@
           <a:p>
             <a:fld id="{506F4176-339E-4C4B-80E4-BBE9C4467EFE}" type="slidenum">
               <a:rPr lang="zh-CN" altLang="en-US" smtClean="0"/>
-              <a:t>‹#›</a:t>
             </a:fld>
             <a:endParaRPr lang="zh-CN" altLang="en-US"/>
           </a:p>
@@ -3746,7 +3777,7 @@
           <p:nvPr userDrawn="1"/>
         </p:nvPicPr>
         <p:blipFill>
-          <a:blip r:embed="rId13" cstate="print">
+          <a:blip r:embed="rId12" cstate="print">
             <a:extLst>
               <a:ext uri="{28A0092B-C50C-407E-A947-70E740481C1C}">
                 <a14:useLocalDpi xmlns:a14="http://schemas.microsoft.com/office/drawing/2010/main" val="0"/>
@@ -4120,21 +4151,9 @@
               <a:rPr lang="en-US" altLang="zh-CN" b="1" dirty="0">
                 <a:latin typeface="Franklin Gothic Demi" panose="020B0703020102020204" pitchFamily="34" charset="0"/>
               </a:rPr>
-              <a:t>C/C++</a:t>
-            </a:r>
-            <a:r>
-              <a:rPr lang="zh-CN" altLang="en-US" b="1" dirty="0">
-                <a:latin typeface="Franklin Gothic Demi" panose="020B0703020102020204" pitchFamily="34" charset="0"/>
-              </a:rPr>
-              <a:t> </a:t>
-            </a:r>
-            <a:r>
-              <a:rPr lang="en-US" altLang="zh-CN" b="1" dirty="0">
-                <a:latin typeface="Franklin Gothic Demi" panose="020B0703020102020204" pitchFamily="34" charset="0"/>
-              </a:rPr>
-              <a:t>Program Design</a:t>
-            </a:r>
-            <a:endParaRPr lang="zh-CN" altLang="en-US" b="1" dirty="0">
+              <a:t>Advanced Programming</a:t>
+            </a:r>
+            <a:endParaRPr lang="en-US" altLang="zh-CN" b="1" dirty="0">
               <a:latin typeface="Franklin Gothic Demi" panose="020B0703020102020204" pitchFamily="34" charset="0"/>
             </a:endParaRPr>
           </a:p>
@@ -4167,7 +4186,21 @@
                 <a:latin typeface="Franklin Gothic Medium" panose="020B0603020102020204" pitchFamily="34" charset="0"/>
                 <a:sym typeface="+mn-ea"/>
               </a:rPr>
-              <a:t>Lab 1, environment configuration</a:t>
+              <a:t>Lab 1, </a:t>
+            </a:r>
+            <a:r>
+              <a:rPr lang="en-US" altLang="zh-CN" sz="3600" b="1" dirty="0">
+                <a:latin typeface="Franklin Gothic Demi" panose="020B0703020102020204" pitchFamily="34" charset="0"/>
+                <a:sym typeface="+mn-ea"/>
+              </a:rPr>
+              <a:t>C/C++ </a:t>
+            </a:r>
+            <a:r>
+              <a:rPr lang="en-US" altLang="zh-CN" sz="3600" dirty="0">
+                <a:latin typeface="Franklin Gothic Medium" panose="020B0603020102020204" pitchFamily="34" charset="0"/>
+                <a:sym typeface="+mn-ea"/>
+              </a:rPr>
+              <a:t>environment configuration</a:t>
             </a:r>
             <a:endParaRPr lang="en-US" altLang="zh-CN" sz="3600" dirty="0">
               <a:latin typeface="Franklin Gothic Medium" panose="020B0603020102020204" pitchFamily="34" charset="0"/>
@@ -4287,6 +4320,18 @@
               </a:rPr>
               <a:t>1.1 Install WSL on Windows 10(cont.)</a:t>
             </a:r>
+            <a:endParaRPr lang="en-US" sz="3600" b="1" dirty="0">
+              <a:solidFill>
+                <a:srgbClr val="464646"/>
+              </a:solidFill>
+              <a:effectLst>
+                <a:outerShdw blurRad="31750" dist="25400" dir="5400000" algn="tl" rotWithShape="0">
+                  <a:srgbClr val="000000">
+                    <a:alpha val="25000"/>
+                  </a:srgbClr>
+                </a:outerShdw>
+              </a:effectLst>
+            </a:endParaRPr>
           </a:p>
         </p:txBody>
       </p:sp>
@@ -4333,6 +4378,7 @@
               <a:rPr lang="en-US" altLang="zh-CN" dirty="0"/>
               <a:t>pdate WSL kernel </a:t>
             </a:r>
+            <a:endParaRPr lang="en-US" altLang="zh-CN" dirty="0"/>
           </a:p>
           <a:p>
             <a:pPr algn="l"/>
@@ -4340,6 +4386,7 @@
               <a:rPr lang="en-US" altLang="zh-CN" dirty="0"/>
               <a:t>Download the latest package and run the update package</a:t>
             </a:r>
+            <a:endParaRPr lang="en-US" altLang="zh-CN" dirty="0"/>
           </a:p>
           <a:p>
             <a:pPr marL="0" indent="0" algn="l">
@@ -4347,7 +4394,7 @@
             </a:pPr>
             <a:r>
               <a:rPr lang="en-US" altLang="zh-CN" dirty="0">
-                <a:hlinkClick r:id="rId2"/>
+                <a:hlinkClick r:id="rId1"/>
               </a:rPr>
               <a:t>https://wslstorestorage.blob.core.windows.net/wslblob/wsl_update_x64.msi</a:t>
             </a:r>
@@ -4369,6 +4416,7 @@
               <a:rPr lang="en-US" altLang="zh-CN" dirty="0"/>
               <a:t> instead.</a:t>
             </a:r>
+            <a:endParaRPr lang="en-US" altLang="zh-CN" dirty="0"/>
           </a:p>
           <a:p>
             <a:pPr marL="0" indent="0">
@@ -4376,7 +4424,7 @@
             </a:pPr>
             <a:r>
               <a:rPr lang="en-US" altLang="zh-CN" dirty="0">
-                <a:hlinkClick r:id="rId3"/>
+                <a:hlinkClick r:id="rId2"/>
               </a:rPr>
               <a:t>https://wslstorestorage.blob.core.windows.net/wslblob/wsl_update_arm64.msi</a:t>
             </a:r>
@@ -4424,20 +4472,14 @@
       </p:sp>
       <p:pic>
         <p:nvPicPr>
-          <p:cNvPr id="9" name="图片 8">
-            <a:extLst>
-              <a:ext uri="{FF2B5EF4-FFF2-40B4-BE49-F238E27FC236}">
-                <a16:creationId xmlns:a16="http://schemas.microsoft.com/office/drawing/2014/main" id="{432C0C2D-3CB8-41CA-BB00-56ECDA6C2709}"/>
-              </a:ext>
-            </a:extLst>
-          </p:cNvPr>
+          <p:cNvPr id="9" name="图片 8"/>
           <p:cNvPicPr>
             <a:picLocks noChangeAspect="1"/>
           </p:cNvPicPr>
           <p:nvPr/>
         </p:nvPicPr>
         <p:blipFill>
-          <a:blip r:embed="rId4"/>
+          <a:blip r:embed="rId3"/>
           <a:stretch>
             <a:fillRect/>
           </a:stretch>
@@ -4454,20 +4496,14 @@
       </p:pic>
       <p:pic>
         <p:nvPicPr>
-          <p:cNvPr id="11" name="图片 10">
-            <a:extLst>
-              <a:ext uri="{FF2B5EF4-FFF2-40B4-BE49-F238E27FC236}">
-                <a16:creationId xmlns:a16="http://schemas.microsoft.com/office/drawing/2014/main" id="{8FEB18A5-61EF-4526-AF13-CA7DC0406AE0}"/>
-              </a:ext>
-            </a:extLst>
-          </p:cNvPr>
+          <p:cNvPr id="11" name="图片 10"/>
           <p:cNvPicPr>
             <a:picLocks noChangeAspect="1"/>
           </p:cNvPicPr>
           <p:nvPr/>
         </p:nvPicPr>
         <p:blipFill>
-          <a:blip r:embed="rId5"/>
+          <a:blip r:embed="rId4"/>
           <a:stretch>
             <a:fillRect/>
           </a:stretch>
@@ -4484,20 +4520,14 @@
       </p:pic>
       <p:pic>
         <p:nvPicPr>
-          <p:cNvPr id="13" name="图片 12">
-            <a:extLst>
-              <a:ext uri="{FF2B5EF4-FFF2-40B4-BE49-F238E27FC236}">
-                <a16:creationId xmlns:a16="http://schemas.microsoft.com/office/drawing/2014/main" id="{1A6D47FE-D72E-43EB-99CD-745C0F9874DF}"/>
-              </a:ext>
-            </a:extLst>
-          </p:cNvPr>
+          <p:cNvPr id="13" name="图片 12"/>
           <p:cNvPicPr>
             <a:picLocks noChangeAspect="1"/>
           </p:cNvPicPr>
           <p:nvPr/>
         </p:nvPicPr>
         <p:blipFill>
-          <a:blip r:embed="rId6"/>
+          <a:blip r:embed="rId5"/>
           <a:stretch>
             <a:fillRect/>
           </a:stretch>
@@ -4514,13 +4544,7 @@
       </p:pic>
       <p:sp>
         <p:nvSpPr>
-          <p:cNvPr id="12" name="矩形 11">
-            <a:extLst>
-              <a:ext uri="{FF2B5EF4-FFF2-40B4-BE49-F238E27FC236}">
-                <a16:creationId xmlns:a16="http://schemas.microsoft.com/office/drawing/2014/main" id="{80B57EF6-E397-4C9C-87A7-C7D2BCBB045A}"/>
-              </a:ext>
-            </a:extLst>
-          </p:cNvPr>
+          <p:cNvPr id="12" name="矩形 11"/>
           <p:cNvSpPr/>
           <p:nvPr/>
         </p:nvSpPr>
@@ -4566,13 +4590,7 @@
       </p:sp>
       <p:sp>
         <p:nvSpPr>
-          <p:cNvPr id="14" name="矩形 13">
-            <a:extLst>
-              <a:ext uri="{FF2B5EF4-FFF2-40B4-BE49-F238E27FC236}">
-                <a16:creationId xmlns:a16="http://schemas.microsoft.com/office/drawing/2014/main" id="{EA4A7196-2542-466D-9FB5-1151C01038BF}"/>
-              </a:ext>
-            </a:extLst>
-          </p:cNvPr>
+          <p:cNvPr id="14" name="矩形 13"/>
           <p:cNvSpPr/>
           <p:nvPr/>
         </p:nvSpPr>
@@ -4618,13 +4636,7 @@
       </p:sp>
       <p:sp>
         <p:nvSpPr>
-          <p:cNvPr id="15" name="矩形 14">
-            <a:extLst>
-              <a:ext uri="{FF2B5EF4-FFF2-40B4-BE49-F238E27FC236}">
-                <a16:creationId xmlns:a16="http://schemas.microsoft.com/office/drawing/2014/main" id="{389F90CA-B4CF-47DE-85BB-03F30265ADE8}"/>
-              </a:ext>
-            </a:extLst>
-          </p:cNvPr>
+          <p:cNvPr id="15" name="矩形 14"/>
           <p:cNvSpPr/>
           <p:nvPr/>
         </p:nvSpPr>
@@ -4669,11 +4681,6 @@
         </p:txBody>
       </p:sp>
     </p:spTree>
-    <p:extLst>
-      <p:ext uri="{BB962C8B-B14F-4D97-AF65-F5344CB8AC3E}">
-        <p14:creationId xmlns:p14="http://schemas.microsoft.com/office/powerpoint/2010/main" val="1471334629"/>
-      </p:ext>
-    </p:extLst>
   </p:cSld>
   <p:clrMapOvr>
     <a:masterClrMapping/>
@@ -5005,20 +5012,14 @@
       </p:grpSpPr>
       <p:pic>
         <p:nvPicPr>
-          <p:cNvPr id="13" name="图片 12">
-            <a:extLst>
-              <a:ext uri="{FF2B5EF4-FFF2-40B4-BE49-F238E27FC236}">
-                <a16:creationId xmlns:a16="http://schemas.microsoft.com/office/drawing/2014/main" id="{F357051D-3D5F-8CA9-8471-D70B4F06F9F3}"/>
-              </a:ext>
-            </a:extLst>
-          </p:cNvPr>
+          <p:cNvPr id="13" name="图片 12"/>
           <p:cNvPicPr>
             <a:picLocks noChangeAspect="1"/>
           </p:cNvPicPr>
           <p:nvPr/>
         </p:nvPicPr>
         <p:blipFill>
-          <a:blip r:embed="rId2"/>
+          <a:blip r:embed="rId1"/>
           <a:stretch>
             <a:fillRect/>
           </a:stretch>
@@ -5070,6 +5071,18 @@
               </a:rPr>
               <a:t>1.1 Install WSL on Windows 10(cont.)</a:t>
             </a:r>
+            <a:endParaRPr lang="en-US" sz="3600" b="1" dirty="0">
+              <a:solidFill>
+                <a:srgbClr val="464646"/>
+              </a:solidFill>
+              <a:effectLst>
+                <a:outerShdw blurRad="31750" dist="25400" dir="5400000" algn="tl" rotWithShape="0">
+                  <a:srgbClr val="000000">
+                    <a:alpha val="25000"/>
+                  </a:srgbClr>
+                </a:outerShdw>
+              </a:effectLst>
+            </a:endParaRPr>
           </a:p>
         </p:txBody>
       </p:sp>
@@ -5116,6 +5129,7 @@
               <a:rPr lang="en-US" altLang="zh-CN" dirty="0"/>
               <a:t>Set WSL version as 2</a:t>
             </a:r>
+            <a:endParaRPr lang="en-US" altLang="zh-CN" dirty="0"/>
           </a:p>
           <a:p>
             <a:pPr algn="l"/>
@@ -5169,13 +5183,7 @@
       </p:sp>
       <p:sp>
         <p:nvSpPr>
-          <p:cNvPr id="7" name="矩形 6">
-            <a:extLst>
-              <a:ext uri="{FF2B5EF4-FFF2-40B4-BE49-F238E27FC236}">
-                <a16:creationId xmlns:a16="http://schemas.microsoft.com/office/drawing/2014/main" id="{BA7B0EE4-8425-44A6-9BA1-60427095B542}"/>
-              </a:ext>
-            </a:extLst>
-          </p:cNvPr>
+          <p:cNvPr id="7" name="矩形 6"/>
           <p:cNvSpPr/>
           <p:nvPr/>
         </p:nvSpPr>
@@ -5221,13 +5229,7 @@
       </p:sp>
       <p:grpSp>
         <p:nvGrpSpPr>
-          <p:cNvPr id="14" name="组合 13">
-            <a:extLst>
-              <a:ext uri="{FF2B5EF4-FFF2-40B4-BE49-F238E27FC236}">
-                <a16:creationId xmlns:a16="http://schemas.microsoft.com/office/drawing/2014/main" id="{D9CAE4EC-4C40-C32A-A698-BF61A8B36E9B}"/>
-              </a:ext>
-            </a:extLst>
-          </p:cNvPr>
+          <p:cNvPr id="14" name="组合 13"/>
           <p:cNvGrpSpPr/>
           <p:nvPr/>
         </p:nvGrpSpPr>
@@ -5241,13 +5243,7 @@
         </p:grpSpPr>
         <p:sp>
           <p:nvSpPr>
-            <p:cNvPr id="15" name="矩形 14">
-              <a:extLst>
-                <a:ext uri="{FF2B5EF4-FFF2-40B4-BE49-F238E27FC236}">
-                  <a16:creationId xmlns:a16="http://schemas.microsoft.com/office/drawing/2014/main" id="{FABE554B-DB38-D64A-BE27-9FABB268FA3B}"/>
-                </a:ext>
-              </a:extLst>
-            </p:cNvPr>
+            <p:cNvPr id="15" name="矩形 14"/>
             <p:cNvSpPr/>
             <p:nvPr/>
           </p:nvSpPr>
@@ -5293,13 +5289,7 @@
         </p:sp>
         <p:sp>
           <p:nvSpPr>
-            <p:cNvPr id="16" name="对话气泡: 圆角矩形 2">
-              <a:extLst>
-                <a:ext uri="{FF2B5EF4-FFF2-40B4-BE49-F238E27FC236}">
-                  <a16:creationId xmlns:a16="http://schemas.microsoft.com/office/drawing/2014/main" id="{147E99DA-C660-8FEF-0A22-7A26C57D6FEF}"/>
-                </a:ext>
-              </a:extLst>
-            </p:cNvPr>
+            <p:cNvPr id="16" name="对话气泡: 圆角矩形 2"/>
             <p:cNvSpPr/>
             <p:nvPr/>
           </p:nvSpPr>
@@ -5348,13 +5338,7 @@
       </p:grpSp>
       <p:sp>
         <p:nvSpPr>
-          <p:cNvPr id="17" name="矩形 16">
-            <a:extLst>
-              <a:ext uri="{FF2B5EF4-FFF2-40B4-BE49-F238E27FC236}">
-                <a16:creationId xmlns:a16="http://schemas.microsoft.com/office/drawing/2014/main" id="{144521A0-A18E-496A-5D39-3B3FEAF0154A}"/>
-              </a:ext>
-            </a:extLst>
-          </p:cNvPr>
+          <p:cNvPr id="17" name="矩形 16"/>
           <p:cNvSpPr/>
           <p:nvPr/>
         </p:nvSpPr>
@@ -5399,11 +5383,6 @@
         </p:txBody>
       </p:sp>
     </p:spTree>
-    <p:extLst>
-      <p:ext uri="{BB962C8B-B14F-4D97-AF65-F5344CB8AC3E}">
-        <p14:creationId xmlns:p14="http://schemas.microsoft.com/office/powerpoint/2010/main" val="886118940"/>
-      </p:ext>
-    </p:extLst>
   </p:cSld>
   <p:clrMapOvr>
     <a:masterClrMapping/>
@@ -5679,6 +5658,18 @@
               </a:rPr>
               <a:t>1.2 Install GCC on WSL</a:t>
             </a:r>
+            <a:endParaRPr lang="en-US" sz="4000" b="1" dirty="0">
+              <a:solidFill>
+                <a:srgbClr val="464646"/>
+              </a:solidFill>
+              <a:effectLst>
+                <a:outerShdw blurRad="31750" dist="25400" dir="5400000" algn="tl" rotWithShape="0">
+                  <a:srgbClr val="000000">
+                    <a:alpha val="25000"/>
+                  </a:srgbClr>
+                </a:outerShdw>
+              </a:effectLst>
+            </a:endParaRPr>
           </a:p>
         </p:txBody>
       </p:sp>
@@ -5708,12 +5699,14 @@
               <a:rPr lang="en-US" altLang="zh-CN" sz="2400" dirty="0"/>
               <a:t>Once you finished the installation of Ubuntu 20.04 LTS, you can find it on your start menu.</a:t>
             </a:r>
+            <a:endParaRPr lang="en-US" altLang="zh-CN" sz="2400" dirty="0"/>
           </a:p>
           <a:p>
             <a:r>
               <a:rPr lang="en-US" altLang="zh-CN" sz="2400" dirty="0"/>
               <a:t>Open it and you will see a Terminal for Linux</a:t>
             </a:r>
+            <a:endParaRPr lang="en-US" altLang="zh-CN" sz="2400" dirty="0"/>
           </a:p>
           <a:p>
             <a:r>
@@ -5750,7 +5743,7 @@
           <p:nvPr/>
         </p:nvPicPr>
         <p:blipFill>
-          <a:blip r:embed="rId2"/>
+          <a:blip r:embed="rId1"/>
           <a:stretch>
             <a:fillRect/>
           </a:stretch>
@@ -5813,16 +5806,8 @@
       </p:sp>
       <p:sp>
         <p:nvSpPr>
-          <p:cNvPr id="5" name="内容占位符 3">
-            <a:extLst>
-              <a:ext uri="{FF2B5EF4-FFF2-40B4-BE49-F238E27FC236}">
-                <a16:creationId xmlns:a16="http://schemas.microsoft.com/office/drawing/2014/main" id="{3A8470AE-2D9B-CD91-A3BC-5489B92D8B78}"/>
-              </a:ext>
-            </a:extLst>
-          </p:cNvPr>
-          <p:cNvSpPr txBox="1">
-            <a:spLocks/>
-          </p:cNvSpPr>
+          <p:cNvPr id="5" name="内容占位符 3"/>
+          <p:cNvSpPr txBox="1"/>
           <p:nvPr/>
         </p:nvSpPr>
         <p:spPr>
@@ -6015,6 +6000,7 @@
               <a:rPr lang="en-US" altLang="zh-CN" sz="2500" dirty="0"/>
               <a:t> you can use below to install, too)</a:t>
             </a:r>
+            <a:endParaRPr lang="en-US" altLang="zh-CN" sz="2500" dirty="0"/>
           </a:p>
           <a:p>
             <a:pPr lvl="1"/>
@@ -6380,20 +6366,14 @@
       </p:grpSpPr>
       <p:pic>
         <p:nvPicPr>
-          <p:cNvPr id="6" name="图片 5">
-            <a:extLst>
-              <a:ext uri="{FF2B5EF4-FFF2-40B4-BE49-F238E27FC236}">
-                <a16:creationId xmlns:a16="http://schemas.microsoft.com/office/drawing/2014/main" id="{C62AA69F-EB06-BF57-3B5C-D89B1EBC5883}"/>
-              </a:ext>
-            </a:extLst>
-          </p:cNvPr>
+          <p:cNvPr id="6" name="图片 5"/>
           <p:cNvPicPr>
             <a:picLocks noChangeAspect="1"/>
           </p:cNvPicPr>
           <p:nvPr/>
         </p:nvPicPr>
         <p:blipFill>
-          <a:blip r:embed="rId2">
+          <a:blip r:embed="rId1">
             <a:extLst>
               <a:ext uri="{28A0092B-C50C-407E-A947-70E740481C1C}">
                 <a14:useLocalDpi xmlns:a14="http://schemas.microsoft.com/office/drawing/2010/main" val="0"/>
@@ -6416,13 +6396,7 @@
       </p:pic>
       <p:grpSp>
         <p:nvGrpSpPr>
-          <p:cNvPr id="7" name="组合 6">
-            <a:extLst>
-              <a:ext uri="{FF2B5EF4-FFF2-40B4-BE49-F238E27FC236}">
-                <a16:creationId xmlns:a16="http://schemas.microsoft.com/office/drawing/2014/main" id="{349EB2DB-E8E6-47D0-4AF2-57A1C68A8127}"/>
-              </a:ext>
-            </a:extLst>
-          </p:cNvPr>
+          <p:cNvPr id="7" name="组合 6"/>
           <p:cNvGrpSpPr/>
           <p:nvPr/>
         </p:nvGrpSpPr>
@@ -6436,13 +6410,7 @@
         </p:grpSpPr>
         <p:sp>
           <p:nvSpPr>
-            <p:cNvPr id="4" name="矩形 3">
-              <a:extLst>
-                <a:ext uri="{FF2B5EF4-FFF2-40B4-BE49-F238E27FC236}">
-                  <a16:creationId xmlns:a16="http://schemas.microsoft.com/office/drawing/2014/main" id="{EE957C02-3AEF-437C-9DA6-236E09B38A62}"/>
-                </a:ext>
-              </a:extLst>
-            </p:cNvPr>
+            <p:cNvPr id="4" name="矩形 3"/>
             <p:cNvSpPr/>
             <p:nvPr/>
           </p:nvSpPr>
@@ -6492,13 +6460,7 @@
         </p:sp>
         <p:sp>
           <p:nvSpPr>
-            <p:cNvPr id="5" name="对话气泡: 圆角矩形 2">
-              <a:extLst>
-                <a:ext uri="{FF2B5EF4-FFF2-40B4-BE49-F238E27FC236}">
-                  <a16:creationId xmlns:a16="http://schemas.microsoft.com/office/drawing/2014/main" id="{FDCE6DB4-B64B-41B6-B3E7-862C2CC38EA6}"/>
-                </a:ext>
-              </a:extLst>
-            </p:cNvPr>
+            <p:cNvPr id="5" name="对话气泡: 圆角矩形 2"/>
             <p:cNvSpPr/>
             <p:nvPr/>
           </p:nvSpPr>
@@ -6554,11 +6516,6 @@
         </p:sp>
       </p:grpSp>
     </p:spTree>
-    <p:extLst>
-      <p:ext uri="{BB962C8B-B14F-4D97-AF65-F5344CB8AC3E}">
-        <p14:creationId xmlns:p14="http://schemas.microsoft.com/office/powerpoint/2010/main" val="2151526323"/>
-      </p:ext>
-    </p:extLst>
   </p:cSld>
   <p:clrMapOvr>
     <a:masterClrMapping/>
@@ -6660,20 +6617,14 @@
       </p:grpSpPr>
       <p:pic>
         <p:nvPicPr>
-          <p:cNvPr id="6" name="图片 5">
-            <a:extLst>
-              <a:ext uri="{FF2B5EF4-FFF2-40B4-BE49-F238E27FC236}">
-                <a16:creationId xmlns:a16="http://schemas.microsoft.com/office/drawing/2014/main" id="{FC070337-67E7-1127-449F-16D4863EF00B}"/>
-              </a:ext>
-            </a:extLst>
-          </p:cNvPr>
+          <p:cNvPr id="6" name="图片 5"/>
           <p:cNvPicPr>
             <a:picLocks noChangeAspect="1"/>
           </p:cNvPicPr>
           <p:nvPr/>
         </p:nvPicPr>
         <p:blipFill>
-          <a:blip r:embed="rId2">
+          <a:blip r:embed="rId1">
             <a:extLst>
               <a:ext uri="{28A0092B-C50C-407E-A947-70E740481C1C}">
                 <a14:useLocalDpi xmlns:a14="http://schemas.microsoft.com/office/drawing/2010/main" val="0"/>
@@ -6696,13 +6647,7 @@
       </p:pic>
       <p:grpSp>
         <p:nvGrpSpPr>
-          <p:cNvPr id="7" name="组合 6">
-            <a:extLst>
-              <a:ext uri="{FF2B5EF4-FFF2-40B4-BE49-F238E27FC236}">
-                <a16:creationId xmlns:a16="http://schemas.microsoft.com/office/drawing/2014/main" id="{1CECE287-DE66-0C9C-1861-5D6A6AFCA1B5}"/>
-              </a:ext>
-            </a:extLst>
-          </p:cNvPr>
+          <p:cNvPr id="7" name="组合 6"/>
           <p:cNvGrpSpPr/>
           <p:nvPr/>
         </p:nvGrpSpPr>
@@ -6716,13 +6661,7 @@
         </p:grpSpPr>
         <p:sp>
           <p:nvSpPr>
-            <p:cNvPr id="4" name="矩形 3">
-              <a:extLst>
-                <a:ext uri="{FF2B5EF4-FFF2-40B4-BE49-F238E27FC236}">
-                  <a16:creationId xmlns:a16="http://schemas.microsoft.com/office/drawing/2014/main" id="{34EF29F6-9C53-4CB9-B6EE-5519543CE478}"/>
-                </a:ext>
-              </a:extLst>
-            </p:cNvPr>
+            <p:cNvPr id="4" name="矩形 3"/>
             <p:cNvSpPr/>
             <p:nvPr/>
           </p:nvSpPr>
@@ -6772,13 +6711,7 @@
         </p:sp>
         <p:sp>
           <p:nvSpPr>
-            <p:cNvPr id="5" name="对话气泡: 圆角矩形 2">
-              <a:extLst>
-                <a:ext uri="{FF2B5EF4-FFF2-40B4-BE49-F238E27FC236}">
-                  <a16:creationId xmlns:a16="http://schemas.microsoft.com/office/drawing/2014/main" id="{8D2CD285-F777-418D-9F91-058EADD5BA77}"/>
-                </a:ext>
-              </a:extLst>
-            </p:cNvPr>
+            <p:cNvPr id="5" name="对话气泡: 圆角矩形 2"/>
             <p:cNvSpPr/>
             <p:nvPr/>
           </p:nvSpPr>
@@ -6834,11 +6767,6 @@
         </p:sp>
       </p:grpSp>
     </p:spTree>
-    <p:extLst>
-      <p:ext uri="{BB962C8B-B14F-4D97-AF65-F5344CB8AC3E}">
-        <p14:creationId xmlns:p14="http://schemas.microsoft.com/office/powerpoint/2010/main" val="1770449154"/>
-      </p:ext>
-    </p:extLst>
   </p:cSld>
   <p:clrMapOvr>
     <a:masterClrMapping/>
@@ -6940,20 +6868,14 @@
       </p:grpSpPr>
       <p:pic>
         <p:nvPicPr>
-          <p:cNvPr id="10" name="图片 9">
-            <a:extLst>
-              <a:ext uri="{FF2B5EF4-FFF2-40B4-BE49-F238E27FC236}">
-                <a16:creationId xmlns:a16="http://schemas.microsoft.com/office/drawing/2014/main" id="{9192CFCF-CC42-8B43-386F-EAA8BB9FD0C3}"/>
-              </a:ext>
-            </a:extLst>
-          </p:cNvPr>
+          <p:cNvPr id="10" name="图片 9"/>
           <p:cNvPicPr>
             <a:picLocks noChangeAspect="1"/>
           </p:cNvPicPr>
           <p:nvPr/>
         </p:nvPicPr>
         <p:blipFill>
-          <a:blip r:embed="rId2"/>
+          <a:blip r:embed="rId1"/>
           <a:stretch>
             <a:fillRect/>
           </a:stretch>
@@ -7005,6 +6927,18 @@
               </a:rPr>
               <a:t>1.3 Verify GCC on WSL</a:t>
             </a:r>
+            <a:endParaRPr lang="en-US" sz="4000" b="1" dirty="0">
+              <a:solidFill>
+                <a:srgbClr val="464646"/>
+              </a:solidFill>
+              <a:effectLst>
+                <a:outerShdw blurRad="31750" dist="25400" dir="5400000" algn="tl" rotWithShape="0">
+                  <a:srgbClr val="000000">
+                    <a:alpha val="25000"/>
+                  </a:srgbClr>
+                </a:outerShdw>
+              </a:effectLst>
+            </a:endParaRPr>
           </a:p>
         </p:txBody>
       </p:sp>
@@ -7072,18 +7006,13 @@
               <a:rPr lang="en-US" altLang="zh-CN" sz="2400" dirty="0"/>
               <a:t> to check whether the GCC is installed well</a:t>
             </a:r>
+            <a:endParaRPr lang="en-US" altLang="zh-CN" sz="2400" dirty="0"/>
           </a:p>
         </p:txBody>
       </p:sp>
       <p:grpSp>
         <p:nvGrpSpPr>
-          <p:cNvPr id="11" name="组合 10">
-            <a:extLst>
-              <a:ext uri="{FF2B5EF4-FFF2-40B4-BE49-F238E27FC236}">
-                <a16:creationId xmlns:a16="http://schemas.microsoft.com/office/drawing/2014/main" id="{0ADFF231-C2A0-5D5E-1DEF-FE891DF6D9F8}"/>
-              </a:ext>
-            </a:extLst>
-          </p:cNvPr>
+          <p:cNvPr id="11" name="组合 10"/>
           <p:cNvGrpSpPr/>
           <p:nvPr/>
         </p:nvGrpSpPr>
@@ -7097,13 +7026,7 @@
         </p:grpSpPr>
         <p:sp>
           <p:nvSpPr>
-            <p:cNvPr id="6" name="矩形 5">
-              <a:extLst>
-                <a:ext uri="{FF2B5EF4-FFF2-40B4-BE49-F238E27FC236}">
-                  <a16:creationId xmlns:a16="http://schemas.microsoft.com/office/drawing/2014/main" id="{9D028EC9-CA2E-4D5D-A4EB-97345A55F7EC}"/>
-                </a:ext>
-              </a:extLst>
-            </p:cNvPr>
+            <p:cNvPr id="6" name="矩形 5"/>
             <p:cNvSpPr/>
             <p:nvPr/>
           </p:nvSpPr>
@@ -7149,13 +7072,7 @@
         </p:sp>
         <p:sp>
           <p:nvSpPr>
-            <p:cNvPr id="7" name="对话气泡: 圆角矩形 2">
-              <a:extLst>
-                <a:ext uri="{FF2B5EF4-FFF2-40B4-BE49-F238E27FC236}">
-                  <a16:creationId xmlns:a16="http://schemas.microsoft.com/office/drawing/2014/main" id="{787F7C30-4FC6-4553-9685-D484F9982E08}"/>
-                </a:ext>
-              </a:extLst>
-            </p:cNvPr>
+            <p:cNvPr id="7" name="对话气泡: 圆角矩形 2"/>
             <p:cNvSpPr/>
             <p:nvPr/>
           </p:nvSpPr>
@@ -7446,6 +7363,18 @@
               </a:rPr>
               <a:t> Command Line Tool) on macOS</a:t>
             </a:r>
+            <a:endParaRPr lang="en-US" sz="3200" b="1" dirty="0">
+              <a:solidFill>
+                <a:srgbClr val="464646"/>
+              </a:solidFill>
+              <a:effectLst>
+                <a:outerShdw blurRad="31750" dist="25400" dir="5400000" algn="tl" rotWithShape="0">
+                  <a:srgbClr val="000000">
+                    <a:alpha val="25000"/>
+                  </a:srgbClr>
+                </a:outerShdw>
+              </a:effectLst>
+            </a:endParaRPr>
           </a:p>
         </p:txBody>
       </p:sp>
@@ -7484,76 +7413,6 @@
               </a:rPr>
               <a:t>Open the Terminal on your Mac</a:t>
             </a:r>
-          </a:p>
-          <a:p>
-            <a:pPr>
-              <a:lnSpc>
-                <a:spcPct val="120000"/>
-              </a:lnSpc>
-            </a:pPr>
-            <a:r>
-              <a:rPr lang="en-US" altLang="zh-CN" dirty="0">
-                <a:solidFill>
-                  <a:schemeClr val="tx1"/>
-                </a:solidFill>
-              </a:rPr>
-              <a:t>Input </a:t>
-            </a:r>
-            <a:r>
-              <a:rPr lang="en-US" altLang="zh-CN" dirty="0">
-                <a:solidFill>
-                  <a:srgbClr val="00B0F0"/>
-                </a:solidFill>
-              </a:rPr>
-              <a:t>g++ </a:t>
-            </a:r>
-            <a:r>
-              <a:rPr lang="en-US" altLang="zh-CN" dirty="0">
-                <a:solidFill>
-                  <a:schemeClr val="tx1"/>
-                </a:solidFill>
-              </a:rPr>
-              <a:t>to check whether the CLT or GCC is installed</a:t>
-            </a:r>
-          </a:p>
-          <a:p>
-            <a:pPr>
-              <a:lnSpc>
-                <a:spcPct val="120000"/>
-              </a:lnSpc>
-            </a:pPr>
-            <a:r>
-              <a:rPr lang="en-US" altLang="zh-CN" dirty="0">
-                <a:solidFill>
-                  <a:schemeClr val="tx1"/>
-                </a:solidFill>
-              </a:rPr>
-              <a:t>If not, the system will guide you to install CLT</a:t>
-            </a:r>
-          </a:p>
-          <a:p>
-            <a:pPr>
-              <a:lnSpc>
-                <a:spcPct val="120000"/>
-              </a:lnSpc>
-            </a:pPr>
-            <a:r>
-              <a:rPr lang="en-US" altLang="zh-CN" dirty="0">
-                <a:solidFill>
-                  <a:schemeClr val="tx1"/>
-                </a:solidFill>
-              </a:rPr>
-              <a:t>You can also install CLT by package provided by Apple: </a:t>
-            </a:r>
-            <a:r>
-              <a:rPr lang="en-US" altLang="zh-CN" dirty="0">
-                <a:solidFill>
-                  <a:schemeClr val="tx1"/>
-                </a:solidFill>
-                <a:hlinkClick r:id="rId2"/>
-              </a:rPr>
-              <a:t>https://developer.apple.com/download/more/</a:t>
-            </a:r>
             <a:endParaRPr lang="en-US" altLang="zh-CN" dirty="0">
               <a:solidFill>
                 <a:schemeClr val="tx1"/>
@@ -7567,12 +7426,97 @@
               </a:lnSpc>
             </a:pPr>
             <a:r>
+              <a:rPr lang="en-US" altLang="zh-CN" dirty="0">
+                <a:solidFill>
+                  <a:schemeClr val="tx1"/>
+                </a:solidFill>
+              </a:rPr>
+              <a:t>Input </a:t>
+            </a:r>
+            <a:r>
+              <a:rPr lang="en-US" altLang="zh-CN" dirty="0">
+                <a:solidFill>
+                  <a:srgbClr val="00B0F0"/>
+                </a:solidFill>
+              </a:rPr>
+              <a:t>g++ </a:t>
+            </a:r>
+            <a:r>
+              <a:rPr lang="en-US" altLang="zh-CN" dirty="0">
+                <a:solidFill>
+                  <a:schemeClr val="tx1"/>
+                </a:solidFill>
+              </a:rPr>
+              <a:t>to check whether the CLT or GCC is installed</a:t>
+            </a:r>
+            <a:endParaRPr lang="en-US" altLang="zh-CN" dirty="0">
+              <a:solidFill>
+                <a:schemeClr val="tx1"/>
+              </a:solidFill>
+            </a:endParaRPr>
+          </a:p>
+          <a:p>
+            <a:pPr>
+              <a:lnSpc>
+                <a:spcPct val="120000"/>
+              </a:lnSpc>
+            </a:pPr>
+            <a:r>
+              <a:rPr lang="en-US" altLang="zh-CN" dirty="0">
+                <a:solidFill>
+                  <a:schemeClr val="tx1"/>
+                </a:solidFill>
+              </a:rPr>
+              <a:t>If not, the system will guide you to install CLT</a:t>
+            </a:r>
+            <a:endParaRPr lang="en-US" altLang="zh-CN" dirty="0">
+              <a:solidFill>
+                <a:schemeClr val="tx1"/>
+              </a:solidFill>
+            </a:endParaRPr>
+          </a:p>
+          <a:p>
+            <a:pPr>
+              <a:lnSpc>
+                <a:spcPct val="120000"/>
+              </a:lnSpc>
+            </a:pPr>
+            <a:r>
+              <a:rPr lang="en-US" altLang="zh-CN" dirty="0">
+                <a:solidFill>
+                  <a:schemeClr val="tx1"/>
+                </a:solidFill>
+              </a:rPr>
+              <a:t>You can also install CLT by package provided by Apple: </a:t>
+            </a:r>
+            <a:r>
+              <a:rPr lang="en-US" altLang="zh-CN" dirty="0">
+                <a:solidFill>
+                  <a:schemeClr val="tx1"/>
+                </a:solidFill>
+                <a:hlinkClick r:id="rId1"/>
+              </a:rPr>
+              <a:t>https://developer.apple.com/download/more/</a:t>
+            </a:r>
+            <a:endParaRPr lang="en-US" altLang="zh-CN" dirty="0">
+              <a:solidFill>
+                <a:schemeClr val="tx1"/>
+              </a:solidFill>
+            </a:endParaRPr>
+          </a:p>
+          <a:p>
+            <a:pPr>
+              <a:lnSpc>
+                <a:spcPct val="120000"/>
+              </a:lnSpc>
+            </a:pPr>
+            <a:r>
               <a:rPr lang="en-US" altLang="zh-CN" dirty="0"/>
               <a:t>For more info regarding the CLT installation you can refer to </a:t>
             </a:r>
             <a:r>
               <a:rPr lang="en-US" altLang="zh-CN" dirty="0">
-                <a:hlinkClick r:id="rId3"/>
+                <a:hlinkClick r:id="rId2"/>
               </a:rPr>
               <a:t>https://www.easeus.com/computer-instruction/install-xcode-command-line-tools-on-mac.html</a:t>
             </a:r>
@@ -7590,13 +7534,7 @@
       </p:sp>
       <p:sp>
         <p:nvSpPr>
-          <p:cNvPr id="5" name="标题 1">
-            <a:extLst>
-              <a:ext uri="{FF2B5EF4-FFF2-40B4-BE49-F238E27FC236}">
-                <a16:creationId xmlns:a16="http://schemas.microsoft.com/office/drawing/2014/main" id="{E01EEF68-5599-405E-A092-07D06564C082}"/>
-              </a:ext>
-            </a:extLst>
-          </p:cNvPr>
+          <p:cNvPr id="5" name="标题 1"/>
           <p:cNvSpPr>
             <a:spLocks noGrp="1"/>
           </p:cNvSpPr>
@@ -7650,6 +7588,18 @@
               </a:rPr>
               <a:t>2 Download and install LLVM on macOS</a:t>
             </a:r>
+            <a:endParaRPr lang="en-US" sz="3600" b="1" dirty="0">
+              <a:solidFill>
+                <a:srgbClr val="464646"/>
+              </a:solidFill>
+              <a:effectLst>
+                <a:outerShdw blurRad="31750" dist="25400" dir="5400000" algn="tl" rotWithShape="0">
+                  <a:srgbClr val="000000">
+                    <a:alpha val="25000"/>
+                  </a:srgbClr>
+                </a:outerShdw>
+              </a:effectLst>
+            </a:endParaRPr>
           </a:p>
         </p:txBody>
       </p:sp>
@@ -7710,6 +7660,18 @@
               </a:rPr>
               <a:t>2.2 Verify LLVM on macOS</a:t>
             </a:r>
+            <a:endParaRPr lang="en-US" sz="4000" b="1" dirty="0">
+              <a:solidFill>
+                <a:srgbClr val="464646"/>
+              </a:solidFill>
+              <a:effectLst>
+                <a:outerShdw blurRad="31750" dist="25400" dir="5400000" algn="tl" rotWithShape="0">
+                  <a:srgbClr val="000000">
+                    <a:alpha val="25000"/>
+                  </a:srgbClr>
+                </a:outerShdw>
+              </a:effectLst>
+            </a:endParaRPr>
           </a:p>
         </p:txBody>
       </p:sp>
@@ -7751,6 +7713,11 @@
               </a:rPr>
               <a:t>g++ --version</a:t>
             </a:r>
+            <a:endParaRPr lang="en-US" altLang="zh-CN" dirty="0">
+              <a:solidFill>
+                <a:srgbClr val="00B0F0"/>
+              </a:solidFill>
+            </a:endParaRPr>
           </a:p>
         </p:txBody>
       </p:sp>
@@ -7763,7 +7730,7 @@
           <p:nvPr/>
         </p:nvPicPr>
         <p:blipFill>
-          <a:blip r:embed="rId2"/>
+          <a:blip r:embed="rId1"/>
           <a:stretch>
             <a:fillRect/>
           </a:stretch>
@@ -7839,7 +7806,7 @@
             </a:r>
             <a:r>
               <a:rPr lang="en-US" altLang="zh-CN" sz="2000" dirty="0">
-                <a:hlinkClick r:id="rId3" action="ppaction://hlinkfile"/>
+                <a:hlinkClick r:id="rId1" action="ppaction://hlinkfile"/>
               </a:rPr>
               <a:t>https://code.visualstudio.com/</a:t>
             </a:r>
@@ -7847,6 +7814,7 @@
               <a:rPr lang="en-US" altLang="zh-CN" sz="2000" dirty="0"/>
               <a:t> to download the package for your platform (Linux, Windows or macOS).</a:t>
             </a:r>
+            <a:endParaRPr lang="en-US" altLang="zh-CN" sz="2000" dirty="0"/>
           </a:p>
           <a:p>
             <a:endParaRPr lang="en-US" altLang="zh-CN" sz="2000" dirty="0"/>
@@ -7864,18 +7832,21 @@
               <a:rPr lang="en-US" altLang="zh-CN" sz="2000" dirty="0"/>
               <a:t>, you need to install two plugins at least to support your development:</a:t>
             </a:r>
+            <a:endParaRPr lang="en-US" altLang="zh-CN" sz="2000" dirty="0"/>
           </a:p>
           <a:p>
             <a:r>
               <a:rPr lang="en-US" altLang="zh-CN" sz="2000" dirty="0"/>
               <a:t>	1. C/C++ plugin</a:t>
             </a:r>
+            <a:endParaRPr lang="en-US" altLang="zh-CN" sz="2000" dirty="0"/>
           </a:p>
           <a:p>
             <a:r>
               <a:rPr lang="en-US" altLang="zh-CN" sz="2000" dirty="0"/>
               <a:t>	2. WSL plugin</a:t>
             </a:r>
+            <a:endParaRPr lang="en-US" altLang="zh-CN" sz="2000" dirty="0"/>
           </a:p>
           <a:p>
             <a:r>
@@ -7918,18 +7889,13 @@
               <a:rPr lang="en-US" altLang="zh-CN" sz="2000" dirty="0"/>
               <a:t> key words respectively to find the two plugins.</a:t>
             </a:r>
+            <a:endParaRPr lang="en-US" altLang="zh-CN" sz="2000" dirty="0"/>
           </a:p>
         </p:txBody>
       </p:sp>
       <p:grpSp>
         <p:nvGrpSpPr>
-          <p:cNvPr id="4" name="组合 3">
-            <a:extLst>
-              <a:ext uri="{FF2B5EF4-FFF2-40B4-BE49-F238E27FC236}">
-                <a16:creationId xmlns:a16="http://schemas.microsoft.com/office/drawing/2014/main" id="{026D805A-D075-C968-6D6C-02BDBFDCF60E}"/>
-              </a:ext>
-            </a:extLst>
-          </p:cNvPr>
+          <p:cNvPr id="4" name="组合 3"/>
           <p:cNvGrpSpPr/>
           <p:nvPr/>
         </p:nvGrpSpPr>
@@ -7943,20 +7909,14 @@
         </p:grpSpPr>
         <p:pic>
           <p:nvPicPr>
-            <p:cNvPr id="12" name="图片 11">
-              <a:extLst>
-                <a:ext uri="{FF2B5EF4-FFF2-40B4-BE49-F238E27FC236}">
-                  <a16:creationId xmlns:a16="http://schemas.microsoft.com/office/drawing/2014/main" id="{7C4248D7-9069-4B02-F45D-4A0BCFF6DA7C}"/>
-                </a:ext>
-              </a:extLst>
-            </p:cNvPr>
+            <p:cNvPr id="12" name="图片 11"/>
             <p:cNvPicPr>
               <a:picLocks noChangeAspect="1"/>
             </p:cNvPicPr>
             <p:nvPr/>
           </p:nvPicPr>
           <p:blipFill>
-            <a:blip r:embed="rId4"/>
+            <a:blip r:embed="rId2"/>
             <a:stretch>
               <a:fillRect/>
             </a:stretch>
@@ -7973,13 +7933,7 @@
         </p:pic>
         <p:sp>
           <p:nvSpPr>
-            <p:cNvPr id="6" name="矩形 5">
-              <a:extLst>
-                <a:ext uri="{FF2B5EF4-FFF2-40B4-BE49-F238E27FC236}">
-                  <a16:creationId xmlns:a16="http://schemas.microsoft.com/office/drawing/2014/main" id="{7338CE77-330D-4BA0-99EB-75B7F89EA80D}"/>
-                </a:ext>
-              </a:extLst>
-            </p:cNvPr>
+            <p:cNvPr id="6" name="矩形 5"/>
             <p:cNvSpPr/>
             <p:nvPr/>
           </p:nvSpPr>
@@ -8120,13 +8074,7 @@
       </p:grpSp>
       <p:grpSp>
         <p:nvGrpSpPr>
-          <p:cNvPr id="9" name="组合 8">
-            <a:extLst>
-              <a:ext uri="{FF2B5EF4-FFF2-40B4-BE49-F238E27FC236}">
-                <a16:creationId xmlns:a16="http://schemas.microsoft.com/office/drawing/2014/main" id="{0F0ED518-A08D-E868-DA77-2DA5D87F780C}"/>
-              </a:ext>
-            </a:extLst>
-          </p:cNvPr>
+          <p:cNvPr id="9" name="组合 8"/>
           <p:cNvGrpSpPr/>
           <p:nvPr/>
         </p:nvGrpSpPr>
@@ -8140,20 +8088,14 @@
         </p:grpSpPr>
         <p:pic>
           <p:nvPicPr>
-            <p:cNvPr id="14" name="图片 13">
-              <a:extLst>
-                <a:ext uri="{FF2B5EF4-FFF2-40B4-BE49-F238E27FC236}">
-                  <a16:creationId xmlns:a16="http://schemas.microsoft.com/office/drawing/2014/main" id="{BD25B514-DBE8-4E29-543D-3EAA5313297B}"/>
-                </a:ext>
-              </a:extLst>
-            </p:cNvPr>
+            <p:cNvPr id="14" name="图片 13"/>
             <p:cNvPicPr>
               <a:picLocks noChangeAspect="1"/>
             </p:cNvPicPr>
             <p:nvPr/>
           </p:nvPicPr>
           <p:blipFill>
-            <a:blip r:embed="rId5"/>
+            <a:blip r:embed="rId3"/>
             <a:stretch>
               <a:fillRect/>
             </a:stretch>
@@ -8170,13 +8112,7 @@
         </p:pic>
         <p:sp>
           <p:nvSpPr>
-            <p:cNvPr id="7" name="矩形 6">
-              <a:extLst>
-                <a:ext uri="{FF2B5EF4-FFF2-40B4-BE49-F238E27FC236}">
-                  <a16:creationId xmlns:a16="http://schemas.microsoft.com/office/drawing/2014/main" id="{7338CE77-330D-4BA0-99EB-75B7F89EA80D}"/>
-                </a:ext>
-              </a:extLst>
-            </p:cNvPr>
+            <p:cNvPr id="7" name="矩形 6"/>
             <p:cNvSpPr/>
             <p:nvPr/>
           </p:nvSpPr>
@@ -8317,13 +8253,7 @@
       </p:grpSp>
       <p:sp>
         <p:nvSpPr>
-          <p:cNvPr id="8" name="标题 1">
-            <a:extLst>
-              <a:ext uri="{FF2B5EF4-FFF2-40B4-BE49-F238E27FC236}">
-                <a16:creationId xmlns:a16="http://schemas.microsoft.com/office/drawing/2014/main" id="{862A693E-DC85-4121-AD5B-EA8C07B9195B}"/>
-              </a:ext>
-            </a:extLst>
-          </p:cNvPr>
+          <p:cNvPr id="8" name="标题 1"/>
           <p:cNvSpPr>
             <a:spLocks noGrp="1"/>
           </p:cNvSpPr>
@@ -8351,18 +8281,17 @@
               </a:rPr>
               <a:t>3.Download and install editor </a:t>
             </a:r>
+            <a:endParaRPr lang="en-US" sz="4000" b="1" dirty="0">
+              <a:solidFill>
+                <a:srgbClr val="464646"/>
+              </a:solidFill>
+            </a:endParaRPr>
           </a:p>
         </p:txBody>
       </p:sp>
       <p:grpSp>
         <p:nvGrpSpPr>
-          <p:cNvPr id="3" name="组合 2">
-            <a:extLst>
-              <a:ext uri="{FF2B5EF4-FFF2-40B4-BE49-F238E27FC236}">
-                <a16:creationId xmlns:a16="http://schemas.microsoft.com/office/drawing/2014/main" id="{B7F0F110-61D4-F05F-C71A-45261FD0180E}"/>
-              </a:ext>
-            </a:extLst>
-          </p:cNvPr>
+          <p:cNvPr id="3" name="组合 2"/>
           <p:cNvGrpSpPr/>
           <p:nvPr/>
         </p:nvGrpSpPr>
@@ -8376,20 +8305,14 @@
         </p:grpSpPr>
         <p:pic>
           <p:nvPicPr>
-            <p:cNvPr id="5" name="图片 4">
-              <a:extLst>
-                <a:ext uri="{FF2B5EF4-FFF2-40B4-BE49-F238E27FC236}">
-                  <a16:creationId xmlns:a16="http://schemas.microsoft.com/office/drawing/2014/main" id="{27A97710-8940-85C1-E37E-9C679F882AB4}"/>
-                </a:ext>
-              </a:extLst>
-            </p:cNvPr>
+            <p:cNvPr id="5" name="图片 4"/>
             <p:cNvPicPr>
               <a:picLocks noChangeAspect="1"/>
             </p:cNvPicPr>
             <p:nvPr/>
           </p:nvPicPr>
           <p:blipFill>
-            <a:blip r:embed="rId6"/>
+            <a:blip r:embed="rId4"/>
             <a:stretch>
               <a:fillRect/>
             </a:stretch>
@@ -8406,13 +8329,7 @@
         </p:pic>
         <p:sp>
           <p:nvSpPr>
-            <p:cNvPr id="10" name="椭圆 9">
-              <a:extLst>
-                <a:ext uri="{FF2B5EF4-FFF2-40B4-BE49-F238E27FC236}">
-                  <a16:creationId xmlns:a16="http://schemas.microsoft.com/office/drawing/2014/main" id="{06FB725F-A035-CA11-F8ED-184E4A105F40}"/>
-                </a:ext>
-              </a:extLst>
-            </p:cNvPr>
+            <p:cNvPr id="10" name="椭圆 9"/>
             <p:cNvSpPr/>
             <p:nvPr/>
           </p:nvSpPr>
@@ -8791,20 +8708,14 @@
       </p:grpSpPr>
       <p:pic>
         <p:nvPicPr>
-          <p:cNvPr id="3" name="图片 2">
-            <a:extLst>
-              <a:ext uri="{FF2B5EF4-FFF2-40B4-BE49-F238E27FC236}">
-                <a16:creationId xmlns:a16="http://schemas.microsoft.com/office/drawing/2014/main" id="{540432E9-CFF6-2EC4-5709-48F8E732BE07}"/>
-              </a:ext>
-            </a:extLst>
-          </p:cNvPr>
+          <p:cNvPr id="3" name="图片 2"/>
           <p:cNvPicPr>
             <a:picLocks noChangeAspect="1"/>
           </p:cNvPicPr>
           <p:nvPr/>
         </p:nvPicPr>
         <p:blipFill>
-          <a:blip r:embed="rId2">
+          <a:blip r:embed="rId1">
             <a:extLst>
               <a:ext uri="{28A0092B-C50C-407E-A947-70E740481C1C}">
                 <a14:useLocalDpi xmlns:a14="http://schemas.microsoft.com/office/drawing/2010/main" val="0"/>
@@ -8855,6 +8766,11 @@
               </a:rPr>
               <a:t>3.Download and install editor (Cont.)</a:t>
             </a:r>
+            <a:endParaRPr lang="en-US" sz="4000" b="1" dirty="0">
+              <a:solidFill>
+                <a:srgbClr val="464646"/>
+              </a:solidFill>
+            </a:endParaRPr>
           </a:p>
         </p:txBody>
       </p:sp>
@@ -8895,6 +8811,7 @@
               <a:rPr lang="en-US" altLang="zh-CN" sz="2400" dirty="0"/>
               <a:t> to WSL system.</a:t>
             </a:r>
+            <a:endParaRPr lang="en-US" altLang="zh-CN" sz="2400" dirty="0"/>
           </a:p>
           <a:p>
             <a:pPr marL="0" indent="0">
@@ -8921,13 +8838,7 @@
       </p:sp>
       <p:sp>
         <p:nvSpPr>
-          <p:cNvPr id="7" name="矩形 6">
-            <a:extLst>
-              <a:ext uri="{FF2B5EF4-FFF2-40B4-BE49-F238E27FC236}">
-                <a16:creationId xmlns:a16="http://schemas.microsoft.com/office/drawing/2014/main" id="{99445793-E820-422E-8549-A03CD8863EA2}"/>
-              </a:ext>
-            </a:extLst>
-          </p:cNvPr>
+          <p:cNvPr id="7" name="矩形 6"/>
           <p:cNvSpPr/>
           <p:nvPr/>
         </p:nvSpPr>
@@ -8973,13 +8884,7 @@
       </p:sp>
       <p:grpSp>
         <p:nvGrpSpPr>
-          <p:cNvPr id="8" name="组合 7">
-            <a:extLst>
-              <a:ext uri="{FF2B5EF4-FFF2-40B4-BE49-F238E27FC236}">
-                <a16:creationId xmlns:a16="http://schemas.microsoft.com/office/drawing/2014/main" id="{767D68D0-77E2-8F72-6C44-D7C9249E0E22}"/>
-              </a:ext>
-            </a:extLst>
-          </p:cNvPr>
+          <p:cNvPr id="8" name="组合 7"/>
           <p:cNvGrpSpPr/>
           <p:nvPr/>
         </p:nvGrpSpPr>
@@ -8993,13 +8898,7 @@
         </p:grpSpPr>
         <p:sp>
           <p:nvSpPr>
-            <p:cNvPr id="9" name="矩形 8">
-              <a:extLst>
-                <a:ext uri="{FF2B5EF4-FFF2-40B4-BE49-F238E27FC236}">
-                  <a16:creationId xmlns:a16="http://schemas.microsoft.com/office/drawing/2014/main" id="{FEABFF95-D254-5AB0-6700-040BB430D046}"/>
-                </a:ext>
-              </a:extLst>
-            </p:cNvPr>
+            <p:cNvPr id="9" name="矩形 8"/>
             <p:cNvSpPr/>
             <p:nvPr/>
           </p:nvSpPr>
@@ -9039,19 +8938,13 @@
             <a:lstStyle/>
             <a:p>
               <a:pPr algn="ctr"/>
-              <a:endParaRPr lang="zh-CN" altLang="en-US" sz="2622"/>
+              <a:endParaRPr lang="zh-CN" altLang="en-US" sz="2620"/>
             </a:p>
           </p:txBody>
         </p:sp>
         <p:sp>
           <p:nvSpPr>
-            <p:cNvPr id="10" name="对话气泡: 圆角矩形 9">
-              <a:extLst>
-                <a:ext uri="{FF2B5EF4-FFF2-40B4-BE49-F238E27FC236}">
-                  <a16:creationId xmlns:a16="http://schemas.microsoft.com/office/drawing/2014/main" id="{00FEDBE1-172E-DDE0-9CC6-903F807ECCD2}"/>
-                </a:ext>
-              </a:extLst>
-            </p:cNvPr>
+            <p:cNvPr id="10" name="对话气泡: 圆角矩形 9"/>
             <p:cNvSpPr/>
             <p:nvPr/>
           </p:nvSpPr>
@@ -9310,9 +9203,13 @@
           <a:p>
             <a:r>
               <a:rPr lang="en-US" altLang="zh-CN" dirty="0"/>
-              <a:t>Environment Configuration</a:t>
-            </a:r>
-            <a:endParaRPr lang="zh-CN" altLang="en-US" dirty="0"/>
+              <a:t>T</a:t>
+            </a:r>
+            <a:r>
+              <a:rPr lang="en-US" altLang="zh-CN" dirty="0"/>
+              <a:t>opics</a:t>
+            </a:r>
+            <a:endParaRPr lang="en-US" altLang="zh-CN" dirty="0"/>
           </a:p>
         </p:txBody>
       </p:sp>
@@ -9344,7 +9241,7 @@
               <a:rPr lang="en-US" altLang="zh-CN" dirty="0">
                 <a:sym typeface="+mn-ea"/>
               </a:rPr>
-              <a:t>Download </a:t>
+              <a:t>1. Download </a:t>
             </a:r>
             <a:r>
               <a:rPr lang="en-US" altLang="zh-CN" sz="2800" dirty="0"/>
@@ -9363,11 +9260,11 @@
               <a:rPr lang="en-US" altLang="zh-CN" dirty="0">
                 <a:sym typeface="+mn-ea"/>
               </a:rPr>
-              <a:t>Download and </a:t>
+              <a:t>2. Download and </a:t>
             </a:r>
             <a:r>
               <a:rPr lang="en-US" altLang="zh-CN" sz="2800" dirty="0"/>
-              <a:t>install LLVM on macOS</a:t>
+              <a:t>install LLVM on macOS(Optional, based on the OS)</a:t>
             </a:r>
             <a:endParaRPr lang="en-US" altLang="zh-CN" dirty="0">
               <a:sym typeface="+mn-ea"/>
@@ -9379,7 +9276,7 @@
               <a:rPr lang="en-US" altLang="zh-CN" dirty="0">
                 <a:sym typeface="+mn-ea"/>
               </a:rPr>
-              <a:t>Download and </a:t>
+              <a:t>3. Download and </a:t>
             </a:r>
             <a:r>
               <a:rPr lang="en-US" altLang="zh-CN" sz="2800" dirty="0"/>
@@ -9404,7 +9301,7 @@
               <a:rPr lang="en-US" altLang="zh-CN" dirty="0">
                 <a:sym typeface="+mn-ea"/>
               </a:rPr>
-              <a:t>Compile, </a:t>
+              <a:t>4. Compile, </a:t>
             </a:r>
             <a:r>
               <a:rPr lang="en-US" altLang="zh-CN" sz="2800" dirty="0"/>
@@ -9421,7 +9318,22 @@
               <a:rPr lang="en-US" altLang="zh-CN" dirty="0">
                 <a:sym typeface="+mn-ea"/>
               </a:rPr>
-              <a:t>Set output format</a:t>
+              <a:t>5. Set output format</a:t>
+            </a:r>
+            <a:endParaRPr lang="en-US" altLang="zh-CN" dirty="0">
+              <a:sym typeface="+mn-ea"/>
+            </a:endParaRPr>
+          </a:p>
+          <a:p>
+            <a:pPr marL="285750" indent="-285750">
+              <a:buFont typeface="Arial" panose="020B0604020202020204" pitchFamily="34" charset="0"/>
+              <a:buChar char="•"/>
+            </a:pPr>
+            <a:r>
+              <a:rPr lang="en-US" altLang="zh-CN" dirty="0">
+                <a:sym typeface="+mn-ea"/>
+              </a:rPr>
+              <a:t>6. Practices</a:t>
             </a:r>
             <a:endParaRPr lang="en-US" altLang="zh-CN" dirty="0"/>
           </a:p>
@@ -9460,16 +9372,8 @@
       </p:grpSpPr>
       <p:sp>
         <p:nvSpPr>
-          <p:cNvPr id="4" name="内容占位符 5">
-            <a:extLst>
-              <a:ext uri="{FF2B5EF4-FFF2-40B4-BE49-F238E27FC236}">
-                <a16:creationId xmlns:a16="http://schemas.microsoft.com/office/drawing/2014/main" id="{F514E56C-777F-968B-614D-14562957668F}"/>
-              </a:ext>
-            </a:extLst>
-          </p:cNvPr>
-          <p:cNvSpPr txBox="1">
-            <a:spLocks/>
-          </p:cNvSpPr>
+          <p:cNvPr id="4" name="内容占位符 5"/>
+          <p:cNvSpPr txBox="1"/>
           <p:nvPr/>
         </p:nvSpPr>
         <p:spPr>
@@ -9665,18 +9569,13 @@
               <a:rPr lang="en-US" altLang="zh-CN" sz="2000" dirty="0"/>
               <a:t> Folder…” menu item.</a:t>
             </a:r>
+            <a:endParaRPr lang="en-US" altLang="zh-CN" sz="2000" dirty="0"/>
           </a:p>
         </p:txBody>
       </p:sp>
       <p:grpSp>
         <p:nvGrpSpPr>
-          <p:cNvPr id="9" name="组合 8">
-            <a:extLst>
-              <a:ext uri="{FF2B5EF4-FFF2-40B4-BE49-F238E27FC236}">
-                <a16:creationId xmlns:a16="http://schemas.microsoft.com/office/drawing/2014/main" id="{D0E9FF3E-0C2E-D4E6-6116-7134CD484FC4}"/>
-              </a:ext>
-            </a:extLst>
-          </p:cNvPr>
+          <p:cNvPr id="9" name="组合 8"/>
           <p:cNvGrpSpPr/>
           <p:nvPr/>
         </p:nvGrpSpPr>
@@ -9690,20 +9589,14 @@
         </p:grpSpPr>
         <p:pic>
           <p:nvPicPr>
-            <p:cNvPr id="3" name="图片 2">
-              <a:extLst>
-                <a:ext uri="{FF2B5EF4-FFF2-40B4-BE49-F238E27FC236}">
-                  <a16:creationId xmlns:a16="http://schemas.microsoft.com/office/drawing/2014/main" id="{2FDF0B0D-2492-FDD8-4C10-BA563C9864AD}"/>
-                </a:ext>
-              </a:extLst>
-            </p:cNvPr>
+            <p:cNvPr id="3" name="图片 2"/>
             <p:cNvPicPr>
               <a:picLocks noChangeAspect="1"/>
             </p:cNvPicPr>
             <p:nvPr/>
           </p:nvPicPr>
           <p:blipFill>
-            <a:blip r:embed="rId2">
+            <a:blip r:embed="rId1">
               <a:extLst>
                 <a:ext uri="{28A0092B-C50C-407E-A947-70E740481C1C}">
                   <a14:useLocalDpi xmlns:a14="http://schemas.microsoft.com/office/drawing/2010/main" val="0"/>
@@ -9726,13 +9619,7 @@
         </p:pic>
         <p:sp>
           <p:nvSpPr>
-            <p:cNvPr id="5" name="矩形 4">
-              <a:extLst>
-                <a:ext uri="{FF2B5EF4-FFF2-40B4-BE49-F238E27FC236}">
-                  <a16:creationId xmlns:a16="http://schemas.microsoft.com/office/drawing/2014/main" id="{35D1632B-862B-74F3-27BC-9A9695648B51}"/>
-                </a:ext>
-              </a:extLst>
-            </p:cNvPr>
+            <p:cNvPr id="5" name="矩形 4"/>
             <p:cNvSpPr/>
             <p:nvPr/>
           </p:nvSpPr>
@@ -9779,13 +9666,7 @@
       </p:grpSp>
       <p:sp>
         <p:nvSpPr>
-          <p:cNvPr id="7" name="矩形 6">
-            <a:extLst>
-              <a:ext uri="{FF2B5EF4-FFF2-40B4-BE49-F238E27FC236}">
-                <a16:creationId xmlns:a16="http://schemas.microsoft.com/office/drawing/2014/main" id="{7699DF05-854F-9D0F-D8BB-E444E4595A9B}"/>
-              </a:ext>
-            </a:extLst>
-          </p:cNvPr>
+          <p:cNvPr id="7" name="矩形 6"/>
           <p:cNvSpPr/>
           <p:nvPr/>
         </p:nvSpPr>
@@ -9925,13 +9806,7 @@
       </p:sp>
       <p:grpSp>
         <p:nvGrpSpPr>
-          <p:cNvPr id="10" name="组合 9">
-            <a:extLst>
-              <a:ext uri="{FF2B5EF4-FFF2-40B4-BE49-F238E27FC236}">
-                <a16:creationId xmlns:a16="http://schemas.microsoft.com/office/drawing/2014/main" id="{14DE9C6E-ABED-0554-5182-7285DDAC025F}"/>
-              </a:ext>
-            </a:extLst>
-          </p:cNvPr>
+          <p:cNvPr id="10" name="组合 9"/>
           <p:cNvGrpSpPr/>
           <p:nvPr/>
         </p:nvGrpSpPr>
@@ -9945,13 +9820,7 @@
         </p:grpSpPr>
         <p:sp>
           <p:nvSpPr>
-            <p:cNvPr id="6" name="矩形 5">
-              <a:extLst>
-                <a:ext uri="{FF2B5EF4-FFF2-40B4-BE49-F238E27FC236}">
-                  <a16:creationId xmlns:a16="http://schemas.microsoft.com/office/drawing/2014/main" id="{42EC9D9F-6801-A28A-A236-522688E3C898}"/>
-                </a:ext>
-              </a:extLst>
-            </p:cNvPr>
+            <p:cNvPr id="6" name="矩形 5"/>
             <p:cNvSpPr/>
             <p:nvPr/>
           </p:nvSpPr>
@@ -9997,13 +9866,7 @@
         </p:sp>
         <p:sp>
           <p:nvSpPr>
-            <p:cNvPr id="8" name="椭圆 7">
-              <a:extLst>
-                <a:ext uri="{FF2B5EF4-FFF2-40B4-BE49-F238E27FC236}">
-                  <a16:creationId xmlns:a16="http://schemas.microsoft.com/office/drawing/2014/main" id="{6718A014-98FE-6BBF-BDB2-F90517294A24}"/>
-                </a:ext>
-              </a:extLst>
-            </p:cNvPr>
+            <p:cNvPr id="8" name="椭圆 7"/>
             <p:cNvSpPr/>
             <p:nvPr/>
           </p:nvSpPr>
@@ -10049,11 +9912,6 @@
         </p:sp>
       </p:grpSp>
     </p:spTree>
-    <p:extLst>
-      <p:ext uri="{BB962C8B-B14F-4D97-AF65-F5344CB8AC3E}">
-        <p14:creationId xmlns:p14="http://schemas.microsoft.com/office/powerpoint/2010/main" val="2795558684"/>
-      </p:ext>
-    </p:extLst>
   </p:cSld>
   <p:clrMapOvr>
     <a:masterClrMapping/>
@@ -10248,13 +10106,7 @@
       </p:grpSpPr>
       <p:grpSp>
         <p:nvGrpSpPr>
-          <p:cNvPr id="9" name="组合 8">
-            <a:extLst>
-              <a:ext uri="{FF2B5EF4-FFF2-40B4-BE49-F238E27FC236}">
-                <a16:creationId xmlns:a16="http://schemas.microsoft.com/office/drawing/2014/main" id="{F3EE209E-E32A-FB8F-36A0-CCFBD84671CF}"/>
-              </a:ext>
-            </a:extLst>
-          </p:cNvPr>
+          <p:cNvPr id="9" name="组合 8"/>
           <p:cNvGrpSpPr/>
           <p:nvPr/>
         </p:nvGrpSpPr>
@@ -10268,20 +10120,14 @@
         </p:grpSpPr>
         <p:pic>
           <p:nvPicPr>
-            <p:cNvPr id="3" name="图片 2">
-              <a:extLst>
-                <a:ext uri="{FF2B5EF4-FFF2-40B4-BE49-F238E27FC236}">
-                  <a16:creationId xmlns:a16="http://schemas.microsoft.com/office/drawing/2014/main" id="{1CA82DB2-FBC8-E4C0-EA49-29F6670218AC}"/>
-                </a:ext>
-              </a:extLst>
-            </p:cNvPr>
+            <p:cNvPr id="3" name="图片 2"/>
             <p:cNvPicPr>
               <a:picLocks noChangeAspect="1"/>
             </p:cNvPicPr>
             <p:nvPr/>
           </p:nvPicPr>
           <p:blipFill>
-            <a:blip r:embed="rId2">
+            <a:blip r:embed="rId1">
               <a:extLst>
                 <a:ext uri="{28A0092B-C50C-407E-A947-70E740481C1C}">
                   <a14:useLocalDpi xmlns:a14="http://schemas.microsoft.com/office/drawing/2010/main" val="0"/>
@@ -10304,13 +10150,7 @@
         </p:pic>
         <p:sp>
           <p:nvSpPr>
-            <p:cNvPr id="7" name="矩形 6">
-              <a:extLst>
-                <a:ext uri="{FF2B5EF4-FFF2-40B4-BE49-F238E27FC236}">
-                  <a16:creationId xmlns:a16="http://schemas.microsoft.com/office/drawing/2014/main" id="{4BA49911-43C8-DF3F-0DAF-85473CF89669}"/>
-                </a:ext>
-              </a:extLst>
-            </p:cNvPr>
+            <p:cNvPr id="7" name="矩形 6"/>
             <p:cNvSpPr/>
             <p:nvPr/>
           </p:nvSpPr>
@@ -10451,13 +10291,7 @@
       </p:grpSp>
       <p:sp>
         <p:nvSpPr>
-          <p:cNvPr id="6" name="矩形 5">
-            <a:extLst>
-              <a:ext uri="{FF2B5EF4-FFF2-40B4-BE49-F238E27FC236}">
-                <a16:creationId xmlns:a16="http://schemas.microsoft.com/office/drawing/2014/main" id="{679B2301-29AD-6761-E38D-987BEFD4FDFC}"/>
-              </a:ext>
-            </a:extLst>
-          </p:cNvPr>
+          <p:cNvPr id="6" name="矩形 5"/>
           <p:cNvSpPr/>
           <p:nvPr/>
         </p:nvSpPr>
@@ -10597,13 +10431,7 @@
       </p:sp>
       <p:grpSp>
         <p:nvGrpSpPr>
-          <p:cNvPr id="10" name="组合 9">
-            <a:extLst>
-              <a:ext uri="{FF2B5EF4-FFF2-40B4-BE49-F238E27FC236}">
-                <a16:creationId xmlns:a16="http://schemas.microsoft.com/office/drawing/2014/main" id="{FB81DFA2-7E95-3BC7-462A-A8F0AFACECA9}"/>
-              </a:ext>
-            </a:extLst>
-          </p:cNvPr>
+          <p:cNvPr id="10" name="组合 9"/>
           <p:cNvGrpSpPr/>
           <p:nvPr/>
         </p:nvGrpSpPr>
@@ -10617,13 +10445,7 @@
         </p:grpSpPr>
         <p:sp>
           <p:nvSpPr>
-            <p:cNvPr id="11" name="矩形 10">
-              <a:extLst>
-                <a:ext uri="{FF2B5EF4-FFF2-40B4-BE49-F238E27FC236}">
-                  <a16:creationId xmlns:a16="http://schemas.microsoft.com/office/drawing/2014/main" id="{C576B810-628D-CE25-80A7-22F156928627}"/>
-                </a:ext>
-              </a:extLst>
-            </p:cNvPr>
+            <p:cNvPr id="11" name="矩形 10"/>
             <p:cNvSpPr/>
             <p:nvPr/>
           </p:nvSpPr>
@@ -10673,13 +10495,7 @@
         </p:sp>
         <p:sp>
           <p:nvSpPr>
-            <p:cNvPr id="12" name="圆角矩形标注 3">
-              <a:extLst>
-                <a:ext uri="{FF2B5EF4-FFF2-40B4-BE49-F238E27FC236}">
-                  <a16:creationId xmlns:a16="http://schemas.microsoft.com/office/drawing/2014/main" id="{D15407EE-0602-FA57-8B41-8E61D6CA0FFC}"/>
-                </a:ext>
-              </a:extLst>
-            </p:cNvPr>
+            <p:cNvPr id="12" name="圆角矩形标注 3"/>
             <p:cNvSpPr/>
             <p:nvPr/>
           </p:nvSpPr>
@@ -10751,13 +10567,7 @@
       </p:grpSp>
       <p:grpSp>
         <p:nvGrpSpPr>
-          <p:cNvPr id="13" name="组合 12">
-            <a:extLst>
-              <a:ext uri="{FF2B5EF4-FFF2-40B4-BE49-F238E27FC236}">
-                <a16:creationId xmlns:a16="http://schemas.microsoft.com/office/drawing/2014/main" id="{6CF9B3E7-0B1D-136E-439C-645939D7108D}"/>
-              </a:ext>
-            </a:extLst>
-          </p:cNvPr>
+          <p:cNvPr id="13" name="组合 12"/>
           <p:cNvGrpSpPr/>
           <p:nvPr/>
         </p:nvGrpSpPr>
@@ -10771,13 +10581,7 @@
         </p:grpSpPr>
         <p:sp>
           <p:nvSpPr>
-            <p:cNvPr id="14" name="矩形 13">
-              <a:extLst>
-                <a:ext uri="{FF2B5EF4-FFF2-40B4-BE49-F238E27FC236}">
-                  <a16:creationId xmlns:a16="http://schemas.microsoft.com/office/drawing/2014/main" id="{07441D98-CDA5-47BD-3BEC-28E99145BACE}"/>
-                </a:ext>
-              </a:extLst>
-            </p:cNvPr>
+            <p:cNvPr id="14" name="矩形 13"/>
             <p:cNvSpPr/>
             <p:nvPr/>
           </p:nvSpPr>
@@ -10827,13 +10631,7 @@
         </p:sp>
         <p:sp>
           <p:nvSpPr>
-            <p:cNvPr id="15" name="圆角矩形标注 3">
-              <a:extLst>
-                <a:ext uri="{FF2B5EF4-FFF2-40B4-BE49-F238E27FC236}">
-                  <a16:creationId xmlns:a16="http://schemas.microsoft.com/office/drawing/2014/main" id="{425BEF19-E35E-125C-FB92-7212FBCAD2BB}"/>
-                </a:ext>
-              </a:extLst>
-            </p:cNvPr>
+            <p:cNvPr id="15" name="圆角矩形标注 3"/>
             <p:cNvSpPr/>
             <p:nvPr/>
           </p:nvSpPr>
@@ -10888,11 +10686,6 @@
         </p:sp>
       </p:grpSp>
     </p:spTree>
-    <p:extLst>
-      <p:ext uri="{BB962C8B-B14F-4D97-AF65-F5344CB8AC3E}">
-        <p14:creationId xmlns:p14="http://schemas.microsoft.com/office/powerpoint/2010/main" val="3255711569"/>
-      </p:ext>
-    </p:extLst>
   </p:cSld>
   <p:clrMapOvr>
     <a:masterClrMapping/>
@@ -11087,20 +10880,14 @@
       </p:grpSpPr>
       <p:pic>
         <p:nvPicPr>
-          <p:cNvPr id="5" name="图片 4">
-            <a:extLst>
-              <a:ext uri="{FF2B5EF4-FFF2-40B4-BE49-F238E27FC236}">
-                <a16:creationId xmlns:a16="http://schemas.microsoft.com/office/drawing/2014/main" id="{C41AD242-A311-6E06-E4DF-5A12180D7F54}"/>
-              </a:ext>
-            </a:extLst>
-          </p:cNvPr>
+          <p:cNvPr id="5" name="图片 4"/>
           <p:cNvPicPr>
             <a:picLocks noChangeAspect="1"/>
           </p:cNvPicPr>
           <p:nvPr/>
         </p:nvPicPr>
         <p:blipFill>
-          <a:blip r:embed="rId2">
+          <a:blip r:embed="rId1">
             <a:extLst>
               <a:ext uri="{28A0092B-C50C-407E-A947-70E740481C1C}">
                 <a14:useLocalDpi xmlns:a14="http://schemas.microsoft.com/office/drawing/2010/main" val="0"/>
@@ -11123,13 +10910,7 @@
       </p:pic>
       <p:sp>
         <p:nvSpPr>
-          <p:cNvPr id="6" name="矩形 5">
-            <a:extLst>
-              <a:ext uri="{FF2B5EF4-FFF2-40B4-BE49-F238E27FC236}">
-                <a16:creationId xmlns:a16="http://schemas.microsoft.com/office/drawing/2014/main" id="{7ADB955D-68DA-5BE8-CBE5-003B0536DF13}"/>
-              </a:ext>
-            </a:extLst>
-          </p:cNvPr>
+          <p:cNvPr id="6" name="矩形 5"/>
           <p:cNvSpPr/>
           <p:nvPr/>
         </p:nvSpPr>
@@ -11269,13 +11050,7 @@
       </p:sp>
       <p:sp>
         <p:nvSpPr>
-          <p:cNvPr id="7" name="矩形 6">
-            <a:extLst>
-              <a:ext uri="{FF2B5EF4-FFF2-40B4-BE49-F238E27FC236}">
-                <a16:creationId xmlns:a16="http://schemas.microsoft.com/office/drawing/2014/main" id="{F97E8D24-D0CF-BA20-0FB6-393C223C2EF6}"/>
-              </a:ext>
-            </a:extLst>
-          </p:cNvPr>
+          <p:cNvPr id="7" name="矩形 6"/>
           <p:cNvSpPr/>
           <p:nvPr/>
         </p:nvSpPr>
@@ -11414,11 +11189,6 @@
         </p:txBody>
       </p:sp>
     </p:spTree>
-    <p:extLst>
-      <p:ext uri="{BB962C8B-B14F-4D97-AF65-F5344CB8AC3E}">
-        <p14:creationId xmlns:p14="http://schemas.microsoft.com/office/powerpoint/2010/main" val="3544553028"/>
-      </p:ext>
-    </p:extLst>
   </p:cSld>
   <p:clrMapOvr>
     <a:masterClrMapping/>
@@ -11445,20 +11215,14 @@
       </p:grpSpPr>
       <p:pic>
         <p:nvPicPr>
-          <p:cNvPr id="3" name="图片 2">
-            <a:extLst>
-              <a:ext uri="{FF2B5EF4-FFF2-40B4-BE49-F238E27FC236}">
-                <a16:creationId xmlns:a16="http://schemas.microsoft.com/office/drawing/2014/main" id="{1E6E4EE0-BBCC-4C4A-17CD-23780547FD51}"/>
-              </a:ext>
-            </a:extLst>
-          </p:cNvPr>
+          <p:cNvPr id="3" name="图片 2"/>
           <p:cNvPicPr>
             <a:picLocks noChangeAspect="1"/>
           </p:cNvPicPr>
           <p:nvPr/>
         </p:nvPicPr>
         <p:blipFill>
-          <a:blip r:embed="rId2">
+          <a:blip r:embed="rId1">
             <a:extLst>
               <a:ext uri="{28A0092B-C50C-407E-A947-70E740481C1C}">
                 <a14:useLocalDpi xmlns:a14="http://schemas.microsoft.com/office/drawing/2010/main" val="0"/>
@@ -11481,13 +11245,7 @@
       </p:pic>
       <p:sp>
         <p:nvSpPr>
-          <p:cNvPr id="4" name="矩形 3">
-            <a:extLst>
-              <a:ext uri="{FF2B5EF4-FFF2-40B4-BE49-F238E27FC236}">
-                <a16:creationId xmlns:a16="http://schemas.microsoft.com/office/drawing/2014/main" id="{7CCAC31B-68CD-FD11-9A46-C68CA83131C6}"/>
-              </a:ext>
-            </a:extLst>
-          </p:cNvPr>
+          <p:cNvPr id="4" name="矩形 3"/>
           <p:cNvSpPr/>
           <p:nvPr/>
         </p:nvSpPr>
@@ -11627,13 +11385,7 @@
       </p:sp>
       <p:grpSp>
         <p:nvGrpSpPr>
-          <p:cNvPr id="5" name="组合 4">
-            <a:extLst>
-              <a:ext uri="{FF2B5EF4-FFF2-40B4-BE49-F238E27FC236}">
-                <a16:creationId xmlns:a16="http://schemas.microsoft.com/office/drawing/2014/main" id="{C7C905A7-7FC6-5B23-F700-9D4C97B513EB}"/>
-              </a:ext>
-            </a:extLst>
-          </p:cNvPr>
+          <p:cNvPr id="5" name="组合 4"/>
           <p:cNvGrpSpPr/>
           <p:nvPr/>
         </p:nvGrpSpPr>
@@ -11647,13 +11399,7 @@
         </p:grpSpPr>
         <p:sp>
           <p:nvSpPr>
-            <p:cNvPr id="6" name="矩形 5">
-              <a:extLst>
-                <a:ext uri="{FF2B5EF4-FFF2-40B4-BE49-F238E27FC236}">
-                  <a16:creationId xmlns:a16="http://schemas.microsoft.com/office/drawing/2014/main" id="{1F67FE0B-97FE-3D0A-502F-43FA96717513}"/>
-                </a:ext>
-              </a:extLst>
-            </p:cNvPr>
+            <p:cNvPr id="6" name="矩形 5"/>
             <p:cNvSpPr/>
             <p:nvPr/>
           </p:nvSpPr>
@@ -11693,19 +11439,13 @@
             <a:lstStyle/>
             <a:p>
               <a:pPr algn="ctr"/>
-              <a:endParaRPr lang="zh-CN" altLang="en-US" sz="2622"/>
+              <a:endParaRPr lang="zh-CN" altLang="en-US" sz="2620"/>
             </a:p>
           </p:txBody>
         </p:sp>
         <p:sp>
           <p:nvSpPr>
-            <p:cNvPr id="7" name="对话气泡: 圆角矩形 6">
-              <a:extLst>
-                <a:ext uri="{FF2B5EF4-FFF2-40B4-BE49-F238E27FC236}">
-                  <a16:creationId xmlns:a16="http://schemas.microsoft.com/office/drawing/2014/main" id="{B623FB03-353D-6FB1-5AF3-93B98DFF0ECF}"/>
-                </a:ext>
-              </a:extLst>
-            </p:cNvPr>
+            <p:cNvPr id="7" name="对话气泡: 圆角矩形 6"/>
             <p:cNvSpPr/>
             <p:nvPr/>
           </p:nvSpPr>
@@ -11770,13 +11510,7 @@
       </p:grpSp>
       <p:grpSp>
         <p:nvGrpSpPr>
-          <p:cNvPr id="8" name="组合 7">
-            <a:extLst>
-              <a:ext uri="{FF2B5EF4-FFF2-40B4-BE49-F238E27FC236}">
-                <a16:creationId xmlns:a16="http://schemas.microsoft.com/office/drawing/2014/main" id="{9817206E-721F-86A1-F479-6FE1BCCDE287}"/>
-              </a:ext>
-            </a:extLst>
-          </p:cNvPr>
+          <p:cNvPr id="8" name="组合 7"/>
           <p:cNvGrpSpPr/>
           <p:nvPr/>
         </p:nvGrpSpPr>
@@ -11790,13 +11524,7 @@
         </p:grpSpPr>
         <p:sp>
           <p:nvSpPr>
-            <p:cNvPr id="9" name="矩形 8">
-              <a:extLst>
-                <a:ext uri="{FF2B5EF4-FFF2-40B4-BE49-F238E27FC236}">
-                  <a16:creationId xmlns:a16="http://schemas.microsoft.com/office/drawing/2014/main" id="{3DE995CB-217A-4B96-ABCE-B8C2AFBFF2E2}"/>
-                </a:ext>
-              </a:extLst>
-            </p:cNvPr>
+            <p:cNvPr id="9" name="矩形 8"/>
             <p:cNvSpPr/>
             <p:nvPr/>
           </p:nvSpPr>
@@ -11836,19 +11564,13 @@
             <a:lstStyle/>
             <a:p>
               <a:pPr algn="ctr"/>
-              <a:endParaRPr lang="zh-CN" altLang="en-US" sz="2622"/>
+              <a:endParaRPr lang="zh-CN" altLang="en-US" sz="2620"/>
             </a:p>
           </p:txBody>
         </p:sp>
         <p:sp>
           <p:nvSpPr>
-            <p:cNvPr id="10" name="对话气泡: 圆角矩形 9">
-              <a:extLst>
-                <a:ext uri="{FF2B5EF4-FFF2-40B4-BE49-F238E27FC236}">
-                  <a16:creationId xmlns:a16="http://schemas.microsoft.com/office/drawing/2014/main" id="{AED32693-B01F-861F-BD98-7969C8A36D79}"/>
-                </a:ext>
-              </a:extLst>
-            </p:cNvPr>
+            <p:cNvPr id="10" name="对话气泡: 圆角矩形 9"/>
             <p:cNvSpPr/>
             <p:nvPr/>
           </p:nvSpPr>
@@ -11896,11 +11618,6 @@
         </p:sp>
       </p:grpSp>
     </p:spTree>
-    <p:extLst>
-      <p:ext uri="{BB962C8B-B14F-4D97-AF65-F5344CB8AC3E}">
-        <p14:creationId xmlns:p14="http://schemas.microsoft.com/office/powerpoint/2010/main" val="2696327138"/>
-      </p:ext>
-    </p:extLst>
   </p:cSld>
   <p:clrMapOvr>
     <a:masterClrMapping/>
@@ -12054,7 +11771,7 @@
           <p:nvPr/>
         </p:nvPicPr>
         <p:blipFill>
-          <a:blip r:embed="rId2">
+          <a:blip r:embed="rId1">
             <a:extLst>
               <a:ext uri="{28A0092B-C50C-407E-A947-70E740481C1C}">
                 <a14:useLocalDpi xmlns:a14="http://schemas.microsoft.com/office/drawing/2010/main" val="0"/>
@@ -12139,7 +11856,7 @@
                 <a:solidFill>
                   <a:prstClr val="black"/>
                 </a:solidFill>
-                <a:latin typeface="Calibri"/>
+                <a:latin typeface="Calibri" panose="020F0502020204030204"/>
                 <a:ea typeface="宋体" panose="02010600030101010101" pitchFamily="2" charset="-122"/>
               </a:rPr>
               <a:t>4.1 The program compilation process</a:t>
@@ -12148,7 +11865,7 @@
               <a:solidFill>
                 <a:prstClr val="black"/>
               </a:solidFill>
-              <a:latin typeface="Calibri"/>
+              <a:latin typeface="Calibri" panose="020F0502020204030204"/>
               <a:ea typeface="宋体" panose="02010600030101010101" pitchFamily="2" charset="-122"/>
             </a:endParaRPr>
           </a:p>
@@ -12156,16 +11873,8 @@
       </p:sp>
       <p:sp>
         <p:nvSpPr>
-          <p:cNvPr id="4" name="Title 1">
-            <a:extLst>
-              <a:ext uri="{FF2B5EF4-FFF2-40B4-BE49-F238E27FC236}">
-                <a16:creationId xmlns:a16="http://schemas.microsoft.com/office/drawing/2014/main" id="{8D2EFE19-3288-4308-8592-984F43A39EAA}"/>
-              </a:ext>
-            </a:extLst>
-          </p:cNvPr>
-          <p:cNvSpPr txBox="1">
-            <a:spLocks/>
-          </p:cNvSpPr>
+          <p:cNvPr id="4" name="Title 1"/>
+          <p:cNvSpPr txBox="1"/>
           <p:nvPr/>
         </p:nvSpPr>
         <p:spPr>
@@ -12205,15 +11914,11 @@
               <a:rPr lang="en-US" altLang="zh-CN" sz="4000" b="1" dirty="0"/>
               <a:t>4 Compile, Link and Run C/C++ Programs</a:t>
             </a:r>
+            <a:endParaRPr lang="en-US" altLang="zh-CN" sz="4000" b="1" dirty="0"/>
           </a:p>
         </p:txBody>
       </p:sp>
     </p:spTree>
-    <p:extLst>
-      <p:ext uri="{BB962C8B-B14F-4D97-AF65-F5344CB8AC3E}">
-        <p14:creationId xmlns:p14="http://schemas.microsoft.com/office/powerpoint/2010/main" val="4091385472"/>
-      </p:ext>
-    </p:extLst>
   </p:cSld>
   <p:clrMapOvr>
     <a:masterClrMapping/>
@@ -12240,13 +11945,7 @@
       </p:grpSpPr>
       <p:grpSp>
         <p:nvGrpSpPr>
-          <p:cNvPr id="9" name="组合 8">
-            <a:extLst>
-              <a:ext uri="{FF2B5EF4-FFF2-40B4-BE49-F238E27FC236}">
-                <a16:creationId xmlns:a16="http://schemas.microsoft.com/office/drawing/2014/main" id="{80AC9C23-5BF5-33F3-69A8-E0D5E9D9C3DA}"/>
-              </a:ext>
-            </a:extLst>
-          </p:cNvPr>
+          <p:cNvPr id="9" name="组合 8"/>
           <p:cNvGrpSpPr/>
           <p:nvPr/>
         </p:nvGrpSpPr>
@@ -12260,20 +11959,14 @@
         </p:grpSpPr>
         <p:pic>
           <p:nvPicPr>
-            <p:cNvPr id="4" name="图片 3">
-              <a:extLst>
-                <a:ext uri="{FF2B5EF4-FFF2-40B4-BE49-F238E27FC236}">
-                  <a16:creationId xmlns:a16="http://schemas.microsoft.com/office/drawing/2014/main" id="{326E6AFB-A1A1-999A-73DD-F92803A3758E}"/>
-                </a:ext>
-              </a:extLst>
-            </p:cNvPr>
+            <p:cNvPr id="4" name="图片 3"/>
             <p:cNvPicPr>
               <a:picLocks noChangeAspect="1"/>
             </p:cNvPicPr>
             <p:nvPr/>
           </p:nvPicPr>
           <p:blipFill>
-            <a:blip r:embed="rId2">
+            <a:blip r:embed="rId1">
               <a:extLst>
                 <a:ext uri="{28A0092B-C50C-407E-A947-70E740481C1C}">
                   <a14:useLocalDpi xmlns:a14="http://schemas.microsoft.com/office/drawing/2010/main" val="0"/>
@@ -12296,13 +11989,7 @@
         </p:pic>
         <p:sp>
           <p:nvSpPr>
-            <p:cNvPr id="12" name="矩形 11">
-              <a:extLst>
-                <a:ext uri="{FF2B5EF4-FFF2-40B4-BE49-F238E27FC236}">
-                  <a16:creationId xmlns:a16="http://schemas.microsoft.com/office/drawing/2014/main" id="{7338CE77-330D-4BA0-99EB-75B7F89EA80D}"/>
-                </a:ext>
-              </a:extLst>
-            </p:cNvPr>
+            <p:cNvPr id="12" name="矩形 11"/>
             <p:cNvSpPr/>
             <p:nvPr/>
           </p:nvSpPr>
@@ -12471,7 +12158,7 @@
                 <a:solidFill>
                   <a:prstClr val="black"/>
                 </a:solidFill>
-                <a:latin typeface="Calibri"/>
+                <a:latin typeface="Calibri" panose="020F0502020204030204"/>
                 <a:ea typeface="宋体" panose="02010600030101010101" pitchFamily="2" charset="-122"/>
               </a:rPr>
               <a:t>4.2 Compile, Link and Run C programs </a:t>
@@ -12480,7 +12167,7 @@
               <a:solidFill>
                 <a:prstClr val="black"/>
               </a:solidFill>
-              <a:latin typeface="Calibri"/>
+              <a:latin typeface="Calibri" panose="020F0502020204030204"/>
               <a:ea typeface="宋体" panose="02010600030101010101" pitchFamily="2" charset="-122"/>
             </a:endParaRPr>
           </a:p>
@@ -12516,7 +12203,7 @@
                 <a:solidFill>
                   <a:prstClr val="black"/>
                 </a:solidFill>
-                <a:latin typeface="Calibri"/>
+                <a:latin typeface="Calibri" panose="020F0502020204030204"/>
                 <a:ea typeface="宋体" panose="02010600030101010101" pitchFamily="2" charset="-122"/>
               </a:rPr>
               <a:t>Compile/Link/Run a simple C program – </a:t>
@@ -12526,7 +12213,7 @@
                 <a:solidFill>
                   <a:prstClr val="black"/>
                 </a:solidFill>
-                <a:latin typeface="Calibri"/>
+                <a:latin typeface="Calibri" panose="020F0502020204030204"/>
                 <a:ea typeface="宋体" panose="02010600030101010101" pitchFamily="2" charset="-122"/>
               </a:rPr>
               <a:t>hello.c</a:t>
@@ -12535,7 +12222,7 @@
               <a:solidFill>
                 <a:prstClr val="black"/>
               </a:solidFill>
-              <a:latin typeface="Calibri"/>
+              <a:latin typeface="Calibri" panose="020F0502020204030204"/>
               <a:ea typeface="宋体" panose="02010600030101010101" pitchFamily="2" charset="-122"/>
             </a:endParaRPr>
           </a:p>
@@ -12543,13 +12230,7 @@
       </p:sp>
       <p:grpSp>
         <p:nvGrpSpPr>
-          <p:cNvPr id="17" name="组合 16">
-            <a:extLst>
-              <a:ext uri="{FF2B5EF4-FFF2-40B4-BE49-F238E27FC236}">
-                <a16:creationId xmlns:a16="http://schemas.microsoft.com/office/drawing/2014/main" id="{394CDF8F-6C4D-4331-9358-EBAB18A80099}"/>
-              </a:ext>
-            </a:extLst>
-          </p:cNvPr>
+          <p:cNvPr id="17" name="组合 16"/>
           <p:cNvGrpSpPr/>
           <p:nvPr/>
         </p:nvGrpSpPr>
@@ -12563,13 +12244,7 @@
         </p:grpSpPr>
         <p:sp>
           <p:nvSpPr>
-            <p:cNvPr id="18" name="矩形 17">
-              <a:extLst>
-                <a:ext uri="{FF2B5EF4-FFF2-40B4-BE49-F238E27FC236}">
-                  <a16:creationId xmlns:a16="http://schemas.microsoft.com/office/drawing/2014/main" id="{303103EC-261F-4D87-9C93-42E3FC8223FF}"/>
-                </a:ext>
-              </a:extLst>
-            </p:cNvPr>
+            <p:cNvPr id="18" name="矩形 17"/>
             <p:cNvSpPr/>
             <p:nvPr/>
           </p:nvSpPr>
@@ -12619,13 +12294,7 @@
         </p:sp>
         <p:sp>
           <p:nvSpPr>
-            <p:cNvPr id="19" name="圆角矩形标注 3">
-              <a:extLst>
-                <a:ext uri="{FF2B5EF4-FFF2-40B4-BE49-F238E27FC236}">
-                  <a16:creationId xmlns:a16="http://schemas.microsoft.com/office/drawing/2014/main" id="{0CF057B3-4BA3-4774-BDEF-6670924BE30D}"/>
-                </a:ext>
-              </a:extLst>
-            </p:cNvPr>
+            <p:cNvPr id="19" name="圆角矩形标注 3"/>
             <p:cNvSpPr/>
             <p:nvPr/>
           </p:nvSpPr>
@@ -12696,11 +12365,6 @@
         </p:sp>
       </p:grpSp>
     </p:spTree>
-    <p:extLst>
-      <p:ext uri="{BB962C8B-B14F-4D97-AF65-F5344CB8AC3E}">
-        <p14:creationId xmlns:p14="http://schemas.microsoft.com/office/powerpoint/2010/main" val="1585908665"/>
-      </p:ext>
-    </p:extLst>
   </p:cSld>
   <p:clrMapOvr>
     <a:masterClrMapping/>
@@ -12847,20 +12511,14 @@
       </p:grpSpPr>
       <p:pic>
         <p:nvPicPr>
-          <p:cNvPr id="7" name="图片 6">
-            <a:extLst>
-              <a:ext uri="{FF2B5EF4-FFF2-40B4-BE49-F238E27FC236}">
-                <a16:creationId xmlns:a16="http://schemas.microsoft.com/office/drawing/2014/main" id="{53697B72-7327-BB70-A197-9C511CF284C6}"/>
-              </a:ext>
-            </a:extLst>
-          </p:cNvPr>
+          <p:cNvPr id="7" name="图片 6"/>
           <p:cNvPicPr>
             <a:picLocks noChangeAspect="1"/>
           </p:cNvPicPr>
           <p:nvPr/>
         </p:nvPicPr>
         <p:blipFill>
-          <a:blip r:embed="rId2">
+          <a:blip r:embed="rId1">
             <a:extLst>
               <a:ext uri="{28A0092B-C50C-407E-A947-70E740481C1C}">
                 <a14:useLocalDpi xmlns:a14="http://schemas.microsoft.com/office/drawing/2010/main" val="0"/>
@@ -12883,13 +12541,7 @@
       </p:pic>
       <p:grpSp>
         <p:nvGrpSpPr>
-          <p:cNvPr id="8" name="组合 7">
-            <a:extLst>
-              <a:ext uri="{FF2B5EF4-FFF2-40B4-BE49-F238E27FC236}">
-                <a16:creationId xmlns:a16="http://schemas.microsoft.com/office/drawing/2014/main" id="{9CA1125C-5AAD-DED5-13B4-AA5583461629}"/>
-              </a:ext>
-            </a:extLst>
-          </p:cNvPr>
+          <p:cNvPr id="8" name="组合 7"/>
           <p:cNvGrpSpPr/>
           <p:nvPr/>
         </p:nvGrpSpPr>
@@ -12903,13 +12555,7 @@
         </p:grpSpPr>
         <p:sp>
           <p:nvSpPr>
-            <p:cNvPr id="9" name="矩形 8">
-              <a:extLst>
-                <a:ext uri="{FF2B5EF4-FFF2-40B4-BE49-F238E27FC236}">
-                  <a16:creationId xmlns:a16="http://schemas.microsoft.com/office/drawing/2014/main" id="{6FFB1071-7326-0683-F799-D909168B769D}"/>
-                </a:ext>
-              </a:extLst>
-            </p:cNvPr>
+            <p:cNvPr id="9" name="矩形 8"/>
             <p:cNvSpPr/>
             <p:nvPr/>
           </p:nvSpPr>
@@ -12959,13 +12605,7 @@
         </p:sp>
         <p:sp>
           <p:nvSpPr>
-            <p:cNvPr id="10" name="圆角矩形标注 3">
-              <a:extLst>
-                <a:ext uri="{FF2B5EF4-FFF2-40B4-BE49-F238E27FC236}">
-                  <a16:creationId xmlns:a16="http://schemas.microsoft.com/office/drawing/2014/main" id="{2C949034-01A4-5D80-D6B8-C0ED3AA59027}"/>
-                </a:ext>
-              </a:extLst>
-            </p:cNvPr>
+            <p:cNvPr id="10" name="圆角矩形标注 3"/>
             <p:cNvSpPr/>
             <p:nvPr/>
           </p:nvSpPr>
@@ -13053,13 +12693,7 @@
       </p:grpSp>
       <p:sp>
         <p:nvSpPr>
-          <p:cNvPr id="11" name="椭圆 10">
-            <a:extLst>
-              <a:ext uri="{FF2B5EF4-FFF2-40B4-BE49-F238E27FC236}">
-                <a16:creationId xmlns:a16="http://schemas.microsoft.com/office/drawing/2014/main" id="{C791E9A3-29E7-660B-8B27-2DDE87B697DC}"/>
-              </a:ext>
-            </a:extLst>
-          </p:cNvPr>
+          <p:cNvPr id="11" name="椭圆 10"/>
           <p:cNvSpPr/>
           <p:nvPr/>
         </p:nvSpPr>
@@ -13104,11 +12738,6 @@
         </p:txBody>
       </p:sp>
     </p:spTree>
-    <p:extLst>
-      <p:ext uri="{BB962C8B-B14F-4D97-AF65-F5344CB8AC3E}">
-        <p14:creationId xmlns:p14="http://schemas.microsoft.com/office/powerpoint/2010/main" val="821575793"/>
-      </p:ext>
-    </p:extLst>
   </p:cSld>
   <p:clrMapOvr>
     <a:masterClrMapping/>
@@ -13258,20 +12887,14 @@
       </p:grpSpPr>
       <p:pic>
         <p:nvPicPr>
-          <p:cNvPr id="10" name="图片 9">
-            <a:extLst>
-              <a:ext uri="{FF2B5EF4-FFF2-40B4-BE49-F238E27FC236}">
-                <a16:creationId xmlns:a16="http://schemas.microsoft.com/office/drawing/2014/main" id="{DA2994B9-52B9-6A58-D919-FD598701AE11}"/>
-              </a:ext>
-            </a:extLst>
-          </p:cNvPr>
+          <p:cNvPr id="10" name="图片 9"/>
           <p:cNvPicPr>
             <a:picLocks noChangeAspect="1"/>
           </p:cNvPicPr>
           <p:nvPr/>
         </p:nvPicPr>
         <p:blipFill>
-          <a:blip r:embed="rId2">
+          <a:blip r:embed="rId1">
             <a:extLst>
               <a:ext uri="{28A0092B-C50C-407E-A947-70E740481C1C}">
                 <a14:useLocalDpi xmlns:a14="http://schemas.microsoft.com/office/drawing/2010/main" val="0"/>
@@ -13294,13 +12917,7 @@
       </p:pic>
       <p:grpSp>
         <p:nvGrpSpPr>
-          <p:cNvPr id="11" name="组合 10">
-            <a:extLst>
-              <a:ext uri="{FF2B5EF4-FFF2-40B4-BE49-F238E27FC236}">
-                <a16:creationId xmlns:a16="http://schemas.microsoft.com/office/drawing/2014/main" id="{45FC33B3-11C3-8991-6BD3-79060D55810C}"/>
-              </a:ext>
-            </a:extLst>
-          </p:cNvPr>
+          <p:cNvPr id="11" name="组合 10"/>
           <p:cNvGrpSpPr/>
           <p:nvPr/>
         </p:nvGrpSpPr>
@@ -13314,13 +12931,7 @@
         </p:grpSpPr>
         <p:sp>
           <p:nvSpPr>
-            <p:cNvPr id="12" name="矩形 11">
-              <a:extLst>
-                <a:ext uri="{FF2B5EF4-FFF2-40B4-BE49-F238E27FC236}">
-                  <a16:creationId xmlns:a16="http://schemas.microsoft.com/office/drawing/2014/main" id="{C6F786E1-EF84-BCB0-39A3-CF14781D8703}"/>
-                </a:ext>
-              </a:extLst>
-            </p:cNvPr>
+            <p:cNvPr id="12" name="矩形 11"/>
             <p:cNvSpPr/>
             <p:nvPr/>
           </p:nvSpPr>
@@ -13370,13 +12981,7 @@
         </p:sp>
         <p:sp>
           <p:nvSpPr>
-            <p:cNvPr id="13" name="圆角矩形标注 3">
-              <a:extLst>
-                <a:ext uri="{FF2B5EF4-FFF2-40B4-BE49-F238E27FC236}">
-                  <a16:creationId xmlns:a16="http://schemas.microsoft.com/office/drawing/2014/main" id="{4B25691F-EF5B-C7C7-F621-643FF6F30FD0}"/>
-                </a:ext>
-              </a:extLst>
-            </p:cNvPr>
+            <p:cNvPr id="13" name="圆角矩形标注 3"/>
             <p:cNvSpPr/>
             <p:nvPr/>
           </p:nvSpPr>
@@ -13447,11 +13052,6 @@
         </p:sp>
       </p:grpSp>
     </p:spTree>
-    <p:extLst>
-      <p:ext uri="{BB962C8B-B14F-4D97-AF65-F5344CB8AC3E}">
-        <p14:creationId xmlns:p14="http://schemas.microsoft.com/office/powerpoint/2010/main" val="1316219471"/>
-      </p:ext>
-    </p:extLst>
   </p:cSld>
   <p:clrMapOvr>
     <a:masterClrMapping/>
@@ -13553,20 +13153,14 @@
       </p:grpSpPr>
       <p:pic>
         <p:nvPicPr>
-          <p:cNvPr id="8" name="图片 7">
-            <a:extLst>
-              <a:ext uri="{FF2B5EF4-FFF2-40B4-BE49-F238E27FC236}">
-                <a16:creationId xmlns:a16="http://schemas.microsoft.com/office/drawing/2014/main" id="{413A145F-885D-3171-C859-E6B882F6E850}"/>
-              </a:ext>
-            </a:extLst>
-          </p:cNvPr>
+          <p:cNvPr id="8" name="图片 7"/>
           <p:cNvPicPr>
             <a:picLocks noChangeAspect="1"/>
           </p:cNvPicPr>
           <p:nvPr/>
         </p:nvPicPr>
         <p:blipFill>
-          <a:blip r:embed="rId2">
+          <a:blip r:embed="rId1">
             <a:extLst>
               <a:ext uri="{28A0092B-C50C-407E-A947-70E740481C1C}">
                 <a14:useLocalDpi xmlns:a14="http://schemas.microsoft.com/office/drawing/2010/main" val="0"/>
@@ -13589,13 +13183,7 @@
       </p:pic>
       <p:grpSp>
         <p:nvGrpSpPr>
-          <p:cNvPr id="9" name="组合 8">
-            <a:extLst>
-              <a:ext uri="{FF2B5EF4-FFF2-40B4-BE49-F238E27FC236}">
-                <a16:creationId xmlns:a16="http://schemas.microsoft.com/office/drawing/2014/main" id="{E871C4A7-B533-260C-C4BF-7464A49B1197}"/>
-              </a:ext>
-            </a:extLst>
-          </p:cNvPr>
+          <p:cNvPr id="9" name="组合 8"/>
           <p:cNvGrpSpPr/>
           <p:nvPr/>
         </p:nvGrpSpPr>
@@ -13609,13 +13197,7 @@
         </p:grpSpPr>
         <p:sp>
           <p:nvSpPr>
-            <p:cNvPr id="10" name="椭圆 9">
-              <a:extLst>
-                <a:ext uri="{FF2B5EF4-FFF2-40B4-BE49-F238E27FC236}">
-                  <a16:creationId xmlns:a16="http://schemas.microsoft.com/office/drawing/2014/main" id="{46D2AED6-4DB3-40D1-E244-9EA831F7822B}"/>
-                </a:ext>
-              </a:extLst>
-            </p:cNvPr>
+            <p:cNvPr id="10" name="椭圆 9"/>
             <p:cNvSpPr/>
             <p:nvPr/>
           </p:nvSpPr>
@@ -13671,13 +13253,7 @@
         </p:sp>
         <p:sp>
           <p:nvSpPr>
-            <p:cNvPr id="11" name="矩形 10">
-              <a:extLst>
-                <a:ext uri="{FF2B5EF4-FFF2-40B4-BE49-F238E27FC236}">
-                  <a16:creationId xmlns:a16="http://schemas.microsoft.com/office/drawing/2014/main" id="{266CBF25-1C8C-3394-4F0D-CB467B0E447B}"/>
-                </a:ext>
-              </a:extLst>
-            </p:cNvPr>
+            <p:cNvPr id="11" name="矩形 10"/>
             <p:cNvSpPr/>
             <p:nvPr/>
           </p:nvSpPr>
@@ -13731,13 +13307,7 @@
         </p:sp>
         <p:sp>
           <p:nvSpPr>
-            <p:cNvPr id="12" name="TextBox 9">
-              <a:extLst>
-                <a:ext uri="{FF2B5EF4-FFF2-40B4-BE49-F238E27FC236}">
-                  <a16:creationId xmlns:a16="http://schemas.microsoft.com/office/drawing/2014/main" id="{D13BCF33-6610-984B-A8EB-C5586D1B4A91}"/>
-                </a:ext>
-              </a:extLst>
-            </p:cNvPr>
+            <p:cNvPr id="12" name="TextBox 9"/>
             <p:cNvSpPr txBox="1"/>
             <p:nvPr/>
           </p:nvSpPr>
@@ -13782,16 +13352,8 @@
         </p:sp>
         <p:cxnSp>
           <p:nvCxnSpPr>
-            <p:cNvPr id="13" name="直接箭头连接符 12">
-              <a:extLst>
-                <a:ext uri="{FF2B5EF4-FFF2-40B4-BE49-F238E27FC236}">
-                  <a16:creationId xmlns:a16="http://schemas.microsoft.com/office/drawing/2014/main" id="{3660E94C-443B-C77D-15E7-2F446633B006}"/>
-                </a:ext>
-              </a:extLst>
-            </p:cNvPr>
-            <p:cNvCxnSpPr>
-              <a:cxnSpLocks/>
-            </p:cNvCxnSpPr>
+            <p:cNvPr id="13" name="直接箭头连接符 12"/>
+            <p:cNvCxnSpPr/>
             <p:nvPr/>
           </p:nvCxnSpPr>
           <p:spPr>
@@ -13827,13 +13389,7 @@
       </p:grpSp>
       <p:grpSp>
         <p:nvGrpSpPr>
-          <p:cNvPr id="14" name="组合 13">
-            <a:extLst>
-              <a:ext uri="{FF2B5EF4-FFF2-40B4-BE49-F238E27FC236}">
-                <a16:creationId xmlns:a16="http://schemas.microsoft.com/office/drawing/2014/main" id="{27E99B06-FFDB-BD0F-EBB5-210087D35931}"/>
-              </a:ext>
-            </a:extLst>
-          </p:cNvPr>
+          <p:cNvPr id="14" name="组合 13"/>
           <p:cNvGrpSpPr/>
           <p:nvPr/>
         </p:nvGrpSpPr>
@@ -13847,13 +13403,7 @@
         </p:grpSpPr>
         <p:sp>
           <p:nvSpPr>
-            <p:cNvPr id="15" name="椭圆 14">
-              <a:extLst>
-                <a:ext uri="{FF2B5EF4-FFF2-40B4-BE49-F238E27FC236}">
-                  <a16:creationId xmlns:a16="http://schemas.microsoft.com/office/drawing/2014/main" id="{E8F61593-9111-2B1A-CE36-6A85E678B39E}"/>
-                </a:ext>
-              </a:extLst>
-            </p:cNvPr>
+            <p:cNvPr id="15" name="椭圆 14"/>
             <p:cNvSpPr/>
             <p:nvPr/>
           </p:nvSpPr>
@@ -13909,13 +13459,7 @@
         </p:sp>
         <p:sp>
           <p:nvSpPr>
-            <p:cNvPr id="16" name="矩形 15">
-              <a:extLst>
-                <a:ext uri="{FF2B5EF4-FFF2-40B4-BE49-F238E27FC236}">
-                  <a16:creationId xmlns:a16="http://schemas.microsoft.com/office/drawing/2014/main" id="{DA8A4014-97F4-E139-E6E2-6DB7F60E07F4}"/>
-                </a:ext>
-              </a:extLst>
-            </p:cNvPr>
+            <p:cNvPr id="16" name="矩形 15"/>
             <p:cNvSpPr/>
             <p:nvPr/>
           </p:nvSpPr>
@@ -13969,13 +13513,7 @@
         </p:sp>
         <p:sp>
           <p:nvSpPr>
-            <p:cNvPr id="17" name="TextBox 13">
-              <a:extLst>
-                <a:ext uri="{FF2B5EF4-FFF2-40B4-BE49-F238E27FC236}">
-                  <a16:creationId xmlns:a16="http://schemas.microsoft.com/office/drawing/2014/main" id="{822419FD-F8F2-E801-CB0D-000A8F37BAE3}"/>
-                </a:ext>
-              </a:extLst>
-            </p:cNvPr>
+            <p:cNvPr id="17" name="TextBox 13"/>
             <p:cNvSpPr txBox="1"/>
             <p:nvPr/>
           </p:nvSpPr>
@@ -14020,16 +13558,8 @@
         </p:sp>
         <p:cxnSp>
           <p:nvCxnSpPr>
-            <p:cNvPr id="18" name="直接箭头连接符 17">
-              <a:extLst>
-                <a:ext uri="{FF2B5EF4-FFF2-40B4-BE49-F238E27FC236}">
-                  <a16:creationId xmlns:a16="http://schemas.microsoft.com/office/drawing/2014/main" id="{DD6EF81F-DCE0-2E97-FF7B-BA7765F5CC7C}"/>
-                </a:ext>
-              </a:extLst>
-            </p:cNvPr>
-            <p:cNvCxnSpPr>
-              <a:cxnSpLocks/>
-            </p:cNvCxnSpPr>
+            <p:cNvPr id="18" name="直接箭头连接符 17"/>
+            <p:cNvCxnSpPr/>
             <p:nvPr/>
           </p:nvCxnSpPr>
           <p:spPr>
@@ -14065,13 +13595,7 @@
       </p:grpSp>
       <p:grpSp>
         <p:nvGrpSpPr>
-          <p:cNvPr id="19" name="组合 18">
-            <a:extLst>
-              <a:ext uri="{FF2B5EF4-FFF2-40B4-BE49-F238E27FC236}">
-                <a16:creationId xmlns:a16="http://schemas.microsoft.com/office/drawing/2014/main" id="{3BBF54AB-245C-6E2E-917B-9645542F90BF}"/>
-              </a:ext>
-            </a:extLst>
-          </p:cNvPr>
+          <p:cNvPr id="19" name="组合 18"/>
           <p:cNvGrpSpPr/>
           <p:nvPr/>
         </p:nvGrpSpPr>
@@ -14085,13 +13609,7 @@
         </p:grpSpPr>
         <p:sp>
           <p:nvSpPr>
-            <p:cNvPr id="20" name="矩形 19">
-              <a:extLst>
-                <a:ext uri="{FF2B5EF4-FFF2-40B4-BE49-F238E27FC236}">
-                  <a16:creationId xmlns:a16="http://schemas.microsoft.com/office/drawing/2014/main" id="{4D6B2E55-F77D-8C68-9771-DC3853E59CDA}"/>
-                </a:ext>
-              </a:extLst>
-            </p:cNvPr>
+            <p:cNvPr id="20" name="矩形 19"/>
             <p:cNvSpPr/>
             <p:nvPr/>
           </p:nvSpPr>
@@ -14145,13 +13663,7 @@
         </p:sp>
         <p:sp>
           <p:nvSpPr>
-            <p:cNvPr id="21" name="TextBox 16">
-              <a:extLst>
-                <a:ext uri="{FF2B5EF4-FFF2-40B4-BE49-F238E27FC236}">
-                  <a16:creationId xmlns:a16="http://schemas.microsoft.com/office/drawing/2014/main" id="{1CD04E97-3CA1-36BD-AD3A-B0203F13E336}"/>
-                </a:ext>
-              </a:extLst>
-            </p:cNvPr>
+            <p:cNvPr id="21" name="TextBox 16"/>
             <p:cNvSpPr txBox="1"/>
             <p:nvPr/>
           </p:nvSpPr>
@@ -14197,13 +13709,7 @@
       </p:grpSp>
       <p:grpSp>
         <p:nvGrpSpPr>
-          <p:cNvPr id="22" name="组合 21">
-            <a:extLst>
-              <a:ext uri="{FF2B5EF4-FFF2-40B4-BE49-F238E27FC236}">
-                <a16:creationId xmlns:a16="http://schemas.microsoft.com/office/drawing/2014/main" id="{F9613B78-0E12-B9F9-93ED-ED8B21824502}"/>
-              </a:ext>
-            </a:extLst>
-          </p:cNvPr>
+          <p:cNvPr id="22" name="组合 21"/>
           <p:cNvGrpSpPr/>
           <p:nvPr/>
         </p:nvGrpSpPr>
@@ -14217,13 +13723,7 @@
         </p:grpSpPr>
         <p:sp>
           <p:nvSpPr>
-            <p:cNvPr id="23" name="矩形 22">
-              <a:extLst>
-                <a:ext uri="{FF2B5EF4-FFF2-40B4-BE49-F238E27FC236}">
-                  <a16:creationId xmlns:a16="http://schemas.microsoft.com/office/drawing/2014/main" id="{B53B1B7C-403B-4D45-B04A-5D334D29E6C7}"/>
-                </a:ext>
-              </a:extLst>
-            </p:cNvPr>
+            <p:cNvPr id="23" name="矩形 22"/>
             <p:cNvSpPr/>
             <p:nvPr/>
           </p:nvSpPr>
@@ -14273,13 +13773,7 @@
         </p:sp>
         <p:sp>
           <p:nvSpPr>
-            <p:cNvPr id="24" name="圆角矩形标注 3">
-              <a:extLst>
-                <a:ext uri="{FF2B5EF4-FFF2-40B4-BE49-F238E27FC236}">
-                  <a16:creationId xmlns:a16="http://schemas.microsoft.com/office/drawing/2014/main" id="{E40235CF-EBC4-1FF7-CC99-207352DE74F1}"/>
-                </a:ext>
-              </a:extLst>
-            </p:cNvPr>
+            <p:cNvPr id="24" name="圆角矩形标注 3"/>
             <p:cNvSpPr/>
             <p:nvPr/>
           </p:nvSpPr>
@@ -14351,13 +13845,7 @@
       </p:grpSp>
       <p:sp>
         <p:nvSpPr>
-          <p:cNvPr id="31" name="TextBox 1">
-            <a:extLst>
-              <a:ext uri="{FF2B5EF4-FFF2-40B4-BE49-F238E27FC236}">
-                <a16:creationId xmlns:a16="http://schemas.microsoft.com/office/drawing/2014/main" id="{28743A72-D6F9-2122-0943-192CDCB28CE1}"/>
-              </a:ext>
-            </a:extLst>
-          </p:cNvPr>
+          <p:cNvPr id="31" name="TextBox 1"/>
           <p:cNvSpPr txBox="1"/>
           <p:nvPr/>
         </p:nvSpPr>
@@ -14421,11 +13909,6 @@
         </p:txBody>
       </p:sp>
     </p:spTree>
-    <p:extLst>
-      <p:ext uri="{BB962C8B-B14F-4D97-AF65-F5344CB8AC3E}">
-        <p14:creationId xmlns:p14="http://schemas.microsoft.com/office/powerpoint/2010/main" val="2157966927"/>
-      </p:ext>
-    </p:extLst>
   </p:cSld>
   <p:clrMapOvr>
     <a:masterClrMapping/>
@@ -14707,20 +14190,14 @@
       </p:grpSpPr>
       <p:pic>
         <p:nvPicPr>
-          <p:cNvPr id="9" name="图片 8">
-            <a:extLst>
-              <a:ext uri="{FF2B5EF4-FFF2-40B4-BE49-F238E27FC236}">
-                <a16:creationId xmlns:a16="http://schemas.microsoft.com/office/drawing/2014/main" id="{2F9A94B4-F1DF-B0A2-A0BD-F179170D5D93}"/>
-              </a:ext>
-            </a:extLst>
-          </p:cNvPr>
+          <p:cNvPr id="9" name="图片 8"/>
           <p:cNvPicPr>
             <a:picLocks noChangeAspect="1"/>
           </p:cNvPicPr>
           <p:nvPr/>
         </p:nvPicPr>
         <p:blipFill>
-          <a:blip r:embed="rId2">
+          <a:blip r:embed="rId1">
             <a:extLst>
               <a:ext uri="{28A0092B-C50C-407E-A947-70E740481C1C}">
                 <a14:useLocalDpi xmlns:a14="http://schemas.microsoft.com/office/drawing/2010/main" val="0"/>
@@ -14771,7 +14248,7 @@
                 <a:solidFill>
                   <a:prstClr val="black"/>
                 </a:solidFill>
-                <a:latin typeface="Calibri"/>
+                <a:latin typeface="Calibri" panose="020F0502020204030204"/>
                 <a:ea typeface="宋体" panose="02010600030101010101" pitchFamily="2" charset="-122"/>
               </a:rPr>
               <a:t>The default output executable file is called “a.exe”(Windows) or “</a:t>
@@ -14781,7 +14258,7 @@
                 <a:solidFill>
                   <a:prstClr val="black"/>
                 </a:solidFill>
-                <a:latin typeface="Calibri"/>
+                <a:latin typeface="Calibri" panose="020F0502020204030204"/>
                 <a:ea typeface="宋体" panose="02010600030101010101" pitchFamily="2" charset="-122"/>
               </a:rPr>
               <a:t>a.out</a:t>
@@ -14791,7 +14268,7 @@
                 <a:solidFill>
                   <a:prstClr val="black"/>
                 </a:solidFill>
-                <a:latin typeface="Calibri"/>
+                <a:latin typeface="Calibri" panose="020F0502020204030204"/>
                 <a:ea typeface="宋体" panose="02010600030101010101" pitchFamily="2" charset="-122"/>
               </a:rPr>
               <a:t>”(Unix and Mac OS) if you don’t specify the name in compiling and linking step.</a:t>
@@ -14800,7 +14277,7 @@
               <a:solidFill>
                 <a:prstClr val="black"/>
               </a:solidFill>
-              <a:latin typeface="Calibri"/>
+              <a:latin typeface="Calibri" panose="020F0502020204030204"/>
               <a:ea typeface="宋体" panose="02010600030101010101" pitchFamily="2" charset="-122"/>
             </a:endParaRPr>
           </a:p>
@@ -14808,13 +14285,7 @@
       </p:sp>
       <p:grpSp>
         <p:nvGrpSpPr>
-          <p:cNvPr id="12" name="组合 11">
-            <a:extLst>
-              <a:ext uri="{FF2B5EF4-FFF2-40B4-BE49-F238E27FC236}">
-                <a16:creationId xmlns:a16="http://schemas.microsoft.com/office/drawing/2014/main" id="{1D3DE983-54F6-40E6-A242-7E418AA84A0D}"/>
-              </a:ext>
-            </a:extLst>
-          </p:cNvPr>
+          <p:cNvPr id="12" name="组合 11"/>
           <p:cNvGrpSpPr/>
           <p:nvPr/>
         </p:nvGrpSpPr>
@@ -14874,7 +14345,7 @@
                 <a:solidFill>
                   <a:prstClr val="white"/>
                 </a:solidFill>
-                <a:latin typeface="Calibri"/>
+                <a:latin typeface="Calibri" panose="020F0502020204030204"/>
                 <a:ea typeface="宋体" panose="02010600030101010101" pitchFamily="2" charset="-122"/>
               </a:endParaRPr>
             </a:p>
@@ -14910,7 +14381,7 @@
                   <a:solidFill>
                     <a:srgbClr val="FF0000"/>
                   </a:solidFill>
-                  <a:latin typeface="Calibri"/>
+                  <a:latin typeface="Calibri" panose="020F0502020204030204"/>
                   <a:ea typeface="宋体" panose="02010600030101010101" pitchFamily="2" charset="-122"/>
                 </a:rPr>
                 <a:t>compile and link</a:t>
@@ -14919,7 +14390,7 @@
                 <a:solidFill>
                   <a:srgbClr val="FF0000"/>
                 </a:solidFill>
-                <a:latin typeface="Calibri"/>
+                <a:latin typeface="Calibri" panose="020F0502020204030204"/>
                 <a:ea typeface="宋体" panose="02010600030101010101" pitchFamily="2" charset="-122"/>
               </a:endParaRPr>
             </a:p>
@@ -14973,7 +14444,7 @@
                 <a:solidFill>
                   <a:prstClr val="white"/>
                 </a:solidFill>
-                <a:latin typeface="Calibri"/>
+                <a:latin typeface="Calibri" panose="020F0502020204030204"/>
                 <a:ea typeface="宋体" panose="02010600030101010101" pitchFamily="2" charset="-122"/>
               </a:endParaRPr>
             </a:p>
@@ -14982,13 +14453,7 @@
       </p:grpSp>
       <p:grpSp>
         <p:nvGrpSpPr>
-          <p:cNvPr id="16" name="组合 15">
-            <a:extLst>
-              <a:ext uri="{FF2B5EF4-FFF2-40B4-BE49-F238E27FC236}">
-                <a16:creationId xmlns:a16="http://schemas.microsoft.com/office/drawing/2014/main" id="{A8F82A10-E51E-4871-962E-F8B6EB47C67B}"/>
-              </a:ext>
-            </a:extLst>
-          </p:cNvPr>
+          <p:cNvPr id="16" name="组合 15"/>
           <p:cNvGrpSpPr/>
           <p:nvPr/>
         </p:nvGrpSpPr>
@@ -15030,7 +14495,7 @@
                   <a:solidFill>
                     <a:srgbClr val="FF0000"/>
                   </a:solidFill>
-                  <a:latin typeface="Calibri"/>
+                  <a:latin typeface="Calibri" panose="020F0502020204030204"/>
                   <a:ea typeface="宋体" panose="02010600030101010101" pitchFamily="2" charset="-122"/>
                 </a:rPr>
                 <a:t>run </a:t>
@@ -15039,7 +14504,7 @@
                 <a:solidFill>
                   <a:srgbClr val="FF0000"/>
                 </a:solidFill>
-                <a:latin typeface="Calibri"/>
+                <a:latin typeface="Calibri" panose="020F0502020204030204"/>
                 <a:ea typeface="宋体" panose="02010600030101010101" pitchFamily="2" charset="-122"/>
               </a:endParaRPr>
             </a:p>
@@ -15093,7 +14558,7 @@
                 <a:solidFill>
                   <a:prstClr val="white"/>
                 </a:solidFill>
-                <a:latin typeface="Calibri"/>
+                <a:latin typeface="Calibri" panose="020F0502020204030204"/>
                 <a:ea typeface="宋体" panose="02010600030101010101" pitchFamily="2" charset="-122"/>
               </a:endParaRPr>
             </a:p>
@@ -15102,13 +14567,7 @@
       </p:grpSp>
       <p:grpSp>
         <p:nvGrpSpPr>
-          <p:cNvPr id="13" name="组合 12">
-            <a:extLst>
-              <a:ext uri="{FF2B5EF4-FFF2-40B4-BE49-F238E27FC236}">
-                <a16:creationId xmlns:a16="http://schemas.microsoft.com/office/drawing/2014/main" id="{F1C93030-EEB0-47F8-A310-047F83CE0616}"/>
-              </a:ext>
-            </a:extLst>
-          </p:cNvPr>
+          <p:cNvPr id="13" name="组合 12"/>
           <p:cNvGrpSpPr/>
           <p:nvPr/>
         </p:nvGrpSpPr>
@@ -15122,13 +14581,7 @@
         </p:grpSpPr>
         <p:sp>
           <p:nvSpPr>
-            <p:cNvPr id="14" name="矩形 13">
-              <a:extLst>
-                <a:ext uri="{FF2B5EF4-FFF2-40B4-BE49-F238E27FC236}">
-                  <a16:creationId xmlns:a16="http://schemas.microsoft.com/office/drawing/2014/main" id="{3CD28FFA-93ED-42E1-A9B0-636A578FA272}"/>
-                </a:ext>
-              </a:extLst>
-            </p:cNvPr>
+            <p:cNvPr id="14" name="矩形 13"/>
             <p:cNvSpPr/>
             <p:nvPr/>
           </p:nvSpPr>
@@ -15178,13 +14631,7 @@
         </p:sp>
         <p:sp>
           <p:nvSpPr>
-            <p:cNvPr id="15" name="圆角矩形标注 3">
-              <a:extLst>
-                <a:ext uri="{FF2B5EF4-FFF2-40B4-BE49-F238E27FC236}">
-                  <a16:creationId xmlns:a16="http://schemas.microsoft.com/office/drawing/2014/main" id="{DF1367F2-8BD5-4035-87A0-94A168E28672}"/>
-                </a:ext>
-              </a:extLst>
-            </p:cNvPr>
+            <p:cNvPr id="15" name="圆角矩形标注 3"/>
             <p:cNvSpPr/>
             <p:nvPr/>
           </p:nvSpPr>
@@ -15255,11 +14702,6 @@
         </p:sp>
       </p:grpSp>
     </p:spTree>
-    <p:extLst>
-      <p:ext uri="{BB962C8B-B14F-4D97-AF65-F5344CB8AC3E}">
-        <p14:creationId xmlns:p14="http://schemas.microsoft.com/office/powerpoint/2010/main" val="3845310160"/>
-      </p:ext>
-    </p:extLst>
   </p:cSld>
   <p:clrMapOvr>
     <a:masterClrMapping/>
@@ -15579,7 +15021,7 @@
         </p:spPr>
         <p:txBody>
           <a:bodyPr>
-            <a:normAutofit fontScale="97500"/>
+            <a:normAutofit/>
           </a:bodyPr>
           <a:lstStyle/>
           <a:p>
@@ -15593,8 +15035,33 @@
             </a:r>
             <a:r>
               <a:rPr lang="en-US" altLang="zh-CN" dirty="0"/>
-              <a:t>: enable the Windows Subsystem for Linux</a:t>
-            </a:r>
+              <a:t>: enable the </a:t>
+            </a:r>
+            <a:r>
+              <a:rPr lang="en-US" altLang="zh-CN" b="1" dirty="0"/>
+              <a:t>W</a:t>
+            </a:r>
+            <a:r>
+              <a:rPr lang="en-US" altLang="zh-CN" dirty="0"/>
+              <a:t>indows </a:t>
+            </a:r>
+            <a:r>
+              <a:rPr lang="en-US" altLang="zh-CN" b="1" dirty="0"/>
+              <a:t>S</a:t>
+            </a:r>
+            <a:r>
+              <a:rPr lang="en-US" altLang="zh-CN" dirty="0"/>
+              <a:t>ubsystem for </a:t>
+            </a:r>
+            <a:r>
+              <a:rPr lang="en-US" altLang="zh-CN" b="1" dirty="0"/>
+              <a:t>L</a:t>
+            </a:r>
+            <a:r>
+              <a:rPr lang="en-US" altLang="zh-CN" dirty="0"/>
+              <a:t>inux</a:t>
+            </a:r>
+            <a:endParaRPr lang="en-US" altLang="zh-CN" dirty="0"/>
           </a:p>
           <a:p>
             <a:pPr lvl="1"/>
@@ -15636,20 +15103,14 @@
       </p:sp>
       <p:pic>
         <p:nvPicPr>
-          <p:cNvPr id="4" name="图片 3">
-            <a:extLst>
-              <a:ext uri="{FF2B5EF4-FFF2-40B4-BE49-F238E27FC236}">
-                <a16:creationId xmlns:a16="http://schemas.microsoft.com/office/drawing/2014/main" id="{CCC3C484-C095-497C-B6D9-9C4973198DA4}"/>
-              </a:ext>
-            </a:extLst>
-          </p:cNvPr>
+          <p:cNvPr id="4" name="图片 3"/>
           <p:cNvPicPr>
             <a:picLocks noChangeAspect="1"/>
           </p:cNvPicPr>
           <p:nvPr/>
         </p:nvPicPr>
         <p:blipFill>
-          <a:blip r:embed="rId2"/>
+          <a:blip r:embed="rId1"/>
           <a:stretch>
             <a:fillRect/>
           </a:stretch>
@@ -15666,13 +15127,7 @@
       </p:pic>
       <p:sp>
         <p:nvSpPr>
-          <p:cNvPr id="7" name="矩形 6">
-            <a:extLst>
-              <a:ext uri="{FF2B5EF4-FFF2-40B4-BE49-F238E27FC236}">
-                <a16:creationId xmlns:a16="http://schemas.microsoft.com/office/drawing/2014/main" id="{FF590F98-CB95-4223-B360-634E548DB588}"/>
-              </a:ext>
-            </a:extLst>
-          </p:cNvPr>
+          <p:cNvPr id="7" name="矩形 6"/>
           <p:cNvSpPr/>
           <p:nvPr/>
         </p:nvSpPr>
@@ -15718,16 +15173,8 @@
       </p:sp>
       <p:sp>
         <p:nvSpPr>
-          <p:cNvPr id="9" name="Title 1">
-            <a:extLst>
-              <a:ext uri="{FF2B5EF4-FFF2-40B4-BE49-F238E27FC236}">
-                <a16:creationId xmlns:a16="http://schemas.microsoft.com/office/drawing/2014/main" id="{BC979747-4B4A-42E3-84F8-F3E93EDF107C}"/>
-              </a:ext>
-            </a:extLst>
-          </p:cNvPr>
-          <p:cNvSpPr txBox="1">
-            <a:spLocks/>
-          </p:cNvSpPr>
+          <p:cNvPr id="9" name="Title 1"/>
+          <p:cNvSpPr txBox="1"/>
           <p:nvPr/>
         </p:nvSpPr>
         <p:spPr>
@@ -15779,20 +15226,14 @@
       </p:sp>
       <p:pic>
         <p:nvPicPr>
-          <p:cNvPr id="10" name="图片 9">
-            <a:extLst>
-              <a:ext uri="{FF2B5EF4-FFF2-40B4-BE49-F238E27FC236}">
-                <a16:creationId xmlns:a16="http://schemas.microsoft.com/office/drawing/2014/main" id="{2D96595C-F4B1-4BA1-9372-7D1EF5F42DAD}"/>
-              </a:ext>
-            </a:extLst>
-          </p:cNvPr>
+          <p:cNvPr id="10" name="图片 9"/>
           <p:cNvPicPr>
             <a:picLocks noChangeAspect="1"/>
           </p:cNvPicPr>
           <p:nvPr/>
         </p:nvPicPr>
         <p:blipFill>
-          <a:blip r:embed="rId3"/>
+          <a:blip r:embed="rId2"/>
           <a:stretch>
             <a:fillRect/>
           </a:stretch>
@@ -15809,13 +15250,7 @@
       </p:pic>
       <p:sp>
         <p:nvSpPr>
-          <p:cNvPr id="11" name="矩形 10">
-            <a:extLst>
-              <a:ext uri="{FF2B5EF4-FFF2-40B4-BE49-F238E27FC236}">
-                <a16:creationId xmlns:a16="http://schemas.microsoft.com/office/drawing/2014/main" id="{B9D275C1-4714-4394-B723-0E6C0B09B99D}"/>
-              </a:ext>
-            </a:extLst>
-          </p:cNvPr>
+          <p:cNvPr id="11" name="矩形 10"/>
           <p:cNvSpPr/>
           <p:nvPr/>
         </p:nvSpPr>
@@ -16100,20 +15535,14 @@
       </p:grpSpPr>
       <p:pic>
         <p:nvPicPr>
-          <p:cNvPr id="4" name="图片 3">
-            <a:extLst>
-              <a:ext uri="{FF2B5EF4-FFF2-40B4-BE49-F238E27FC236}">
-                <a16:creationId xmlns:a16="http://schemas.microsoft.com/office/drawing/2014/main" id="{2C54D449-B634-4469-D803-B168EF2AB47B}"/>
-              </a:ext>
-            </a:extLst>
-          </p:cNvPr>
+          <p:cNvPr id="4" name="图片 3"/>
           <p:cNvPicPr>
             <a:picLocks noChangeAspect="1"/>
           </p:cNvPicPr>
           <p:nvPr/>
         </p:nvPicPr>
         <p:blipFill>
-          <a:blip r:embed="rId2">
+          <a:blip r:embed="rId1">
             <a:extLst>
               <a:ext uri="{28A0092B-C50C-407E-A947-70E740481C1C}">
                 <a14:useLocalDpi xmlns:a14="http://schemas.microsoft.com/office/drawing/2010/main" val="0"/>
@@ -16164,7 +15593,7 @@
                 <a:solidFill>
                   <a:prstClr val="black"/>
                 </a:solidFill>
-                <a:latin typeface="Calibri"/>
+                <a:latin typeface="Calibri" panose="020F0502020204030204"/>
                 <a:ea typeface="宋体" panose="02010600030101010101" pitchFamily="2" charset="-122"/>
               </a:rPr>
               <a:t>4.3 Compile, Link and Run C++ programs </a:t>
@@ -16173,7 +15602,7 @@
               <a:solidFill>
                 <a:prstClr val="black"/>
               </a:solidFill>
-              <a:latin typeface="Calibri"/>
+              <a:latin typeface="Calibri" panose="020F0502020204030204"/>
               <a:ea typeface="宋体" panose="02010600030101010101" pitchFamily="2" charset="-122"/>
             </a:endParaRPr>
           </a:p>
@@ -16209,7 +15638,7 @@
                 <a:solidFill>
                   <a:prstClr val="black"/>
                 </a:solidFill>
-                <a:latin typeface="Calibri"/>
+                <a:latin typeface="Calibri" panose="020F0502020204030204"/>
                 <a:ea typeface="宋体" panose="02010600030101010101" pitchFamily="2" charset="-122"/>
               </a:rPr>
               <a:t>Compile/Link/Run a simple C++ program – helloworld.cpp</a:t>
@@ -16218,7 +15647,7 @@
               <a:solidFill>
                 <a:prstClr val="black"/>
               </a:solidFill>
-              <a:latin typeface="Calibri"/>
+              <a:latin typeface="Calibri" panose="020F0502020204030204"/>
               <a:ea typeface="宋体" panose="02010600030101010101" pitchFamily="2" charset="-122"/>
             </a:endParaRPr>
           </a:p>
@@ -16226,13 +15655,7 @@
       </p:sp>
       <p:grpSp>
         <p:nvGrpSpPr>
-          <p:cNvPr id="7" name="组合 6">
-            <a:extLst>
-              <a:ext uri="{FF2B5EF4-FFF2-40B4-BE49-F238E27FC236}">
-                <a16:creationId xmlns:a16="http://schemas.microsoft.com/office/drawing/2014/main" id="{C31E25D4-9975-D17B-25DC-F52B760E183D}"/>
-              </a:ext>
-            </a:extLst>
-          </p:cNvPr>
+          <p:cNvPr id="7" name="组合 6"/>
           <p:cNvGrpSpPr/>
           <p:nvPr/>
         </p:nvGrpSpPr>
@@ -16246,13 +15669,7 @@
         </p:grpSpPr>
         <p:grpSp>
           <p:nvGrpSpPr>
-            <p:cNvPr id="11" name="组合 10">
-              <a:extLst>
-                <a:ext uri="{FF2B5EF4-FFF2-40B4-BE49-F238E27FC236}">
-                  <a16:creationId xmlns:a16="http://schemas.microsoft.com/office/drawing/2014/main" id="{FDA24DEB-84FE-4497-A80D-B0FF462FE498}"/>
-                </a:ext>
-              </a:extLst>
-            </p:cNvPr>
+            <p:cNvPr id="11" name="组合 10"/>
             <p:cNvGrpSpPr/>
             <p:nvPr/>
           </p:nvGrpSpPr>
@@ -16266,13 +15683,7 @@
           </p:grpSpPr>
           <p:sp>
             <p:nvSpPr>
-              <p:cNvPr id="12" name="矩形 11">
-                <a:extLst>
-                  <a:ext uri="{FF2B5EF4-FFF2-40B4-BE49-F238E27FC236}">
-                    <a16:creationId xmlns:a16="http://schemas.microsoft.com/office/drawing/2014/main" id="{91E85AE9-5D76-4FAE-B828-544622D9561B}"/>
-                  </a:ext>
-                </a:extLst>
-              </p:cNvPr>
+              <p:cNvPr id="12" name="矩形 11"/>
               <p:cNvSpPr/>
               <p:nvPr/>
             </p:nvSpPr>
@@ -16322,13 +15733,7 @@
           </p:sp>
           <p:sp>
             <p:nvSpPr>
-              <p:cNvPr id="13" name="圆角矩形标注 3">
-                <a:extLst>
-                  <a:ext uri="{FF2B5EF4-FFF2-40B4-BE49-F238E27FC236}">
-                    <a16:creationId xmlns:a16="http://schemas.microsoft.com/office/drawing/2014/main" id="{49113CE0-FBCE-48C5-894E-C5B8C505DF1B}"/>
-                  </a:ext>
-                </a:extLst>
-              </p:cNvPr>
+              <p:cNvPr id="13" name="圆角矩形标注 3"/>
               <p:cNvSpPr/>
               <p:nvPr/>
             </p:nvSpPr>
@@ -16384,13 +15789,7 @@
         </p:grpSp>
         <p:sp>
           <p:nvSpPr>
-            <p:cNvPr id="6" name="椭圆 5">
-              <a:extLst>
-                <a:ext uri="{FF2B5EF4-FFF2-40B4-BE49-F238E27FC236}">
-                  <a16:creationId xmlns:a16="http://schemas.microsoft.com/office/drawing/2014/main" id="{52486607-98A9-F91D-A2A4-8A031198953A}"/>
-                </a:ext>
-              </a:extLst>
-            </p:cNvPr>
+            <p:cNvPr id="6" name="椭圆 5"/>
             <p:cNvSpPr/>
             <p:nvPr/>
           </p:nvSpPr>
@@ -16436,11 +15835,6 @@
         </p:sp>
       </p:grpSp>
     </p:spTree>
-    <p:extLst>
-      <p:ext uri="{BB962C8B-B14F-4D97-AF65-F5344CB8AC3E}">
-        <p14:creationId xmlns:p14="http://schemas.microsoft.com/office/powerpoint/2010/main" val="854567533"/>
-      </p:ext>
-    </p:extLst>
   </p:cSld>
   <p:clrMapOvr>
     <a:masterClrMapping/>
@@ -16587,20 +15981,14 @@
       </p:grpSpPr>
       <p:pic>
         <p:nvPicPr>
-          <p:cNvPr id="10" name="图片 9">
-            <a:extLst>
-              <a:ext uri="{FF2B5EF4-FFF2-40B4-BE49-F238E27FC236}">
-                <a16:creationId xmlns:a16="http://schemas.microsoft.com/office/drawing/2014/main" id="{55E58344-21D6-F10B-A04A-9EC6FA0C4357}"/>
-              </a:ext>
-            </a:extLst>
-          </p:cNvPr>
+          <p:cNvPr id="10" name="图片 9"/>
           <p:cNvPicPr>
             <a:picLocks noChangeAspect="1"/>
           </p:cNvPicPr>
           <p:nvPr/>
         </p:nvPicPr>
         <p:blipFill>
-          <a:blip r:embed="rId2">
+          <a:blip r:embed="rId1">
             <a:extLst>
               <a:ext uri="{28A0092B-C50C-407E-A947-70E740481C1C}">
                 <a14:useLocalDpi xmlns:a14="http://schemas.microsoft.com/office/drawing/2010/main" val="0"/>
@@ -16623,13 +16011,7 @@
       </p:pic>
       <p:grpSp>
         <p:nvGrpSpPr>
-          <p:cNvPr id="3" name="组合 2">
-            <a:extLst>
-              <a:ext uri="{FF2B5EF4-FFF2-40B4-BE49-F238E27FC236}">
-                <a16:creationId xmlns:a16="http://schemas.microsoft.com/office/drawing/2014/main" id="{AF7AE955-DE42-475B-B51B-7A6400E87D38}"/>
-              </a:ext>
-            </a:extLst>
-          </p:cNvPr>
+          <p:cNvPr id="3" name="组合 2"/>
           <p:cNvGrpSpPr/>
           <p:nvPr/>
         </p:nvGrpSpPr>
@@ -16643,13 +16025,7 @@
         </p:grpSpPr>
         <p:sp>
           <p:nvSpPr>
-            <p:cNvPr id="4" name="矩形 3">
-              <a:extLst>
-                <a:ext uri="{FF2B5EF4-FFF2-40B4-BE49-F238E27FC236}">
-                  <a16:creationId xmlns:a16="http://schemas.microsoft.com/office/drawing/2014/main" id="{61F739AD-F3C0-4CAF-A82B-21D7FED1AF2A}"/>
-                </a:ext>
-              </a:extLst>
-            </p:cNvPr>
+            <p:cNvPr id="4" name="矩形 3"/>
             <p:cNvSpPr/>
             <p:nvPr/>
           </p:nvSpPr>
@@ -16699,13 +16075,7 @@
         </p:sp>
         <p:sp>
           <p:nvSpPr>
-            <p:cNvPr id="5" name="圆角矩形标注 3">
-              <a:extLst>
-                <a:ext uri="{FF2B5EF4-FFF2-40B4-BE49-F238E27FC236}">
-                  <a16:creationId xmlns:a16="http://schemas.microsoft.com/office/drawing/2014/main" id="{A1E46017-6EB7-479F-968C-5D1B0E59D7CB}"/>
-                </a:ext>
-              </a:extLst>
-            </p:cNvPr>
+            <p:cNvPr id="5" name="圆角矩形标注 3"/>
             <p:cNvSpPr/>
             <p:nvPr/>
           </p:nvSpPr>
@@ -16776,11 +16146,6 @@
         </p:sp>
       </p:grpSp>
     </p:spTree>
-    <p:extLst>
-      <p:ext uri="{BB962C8B-B14F-4D97-AF65-F5344CB8AC3E}">
-        <p14:creationId xmlns:p14="http://schemas.microsoft.com/office/powerpoint/2010/main" val="1763765507"/>
-      </p:ext>
-    </p:extLst>
   </p:cSld>
   <p:clrMapOvr>
     <a:masterClrMapping/>
@@ -16882,20 +16247,14 @@
       </p:grpSpPr>
       <p:pic>
         <p:nvPicPr>
-          <p:cNvPr id="8" name="图片 7">
-            <a:extLst>
-              <a:ext uri="{FF2B5EF4-FFF2-40B4-BE49-F238E27FC236}">
-                <a16:creationId xmlns:a16="http://schemas.microsoft.com/office/drawing/2014/main" id="{DE8E0EB3-B6C9-700D-620B-EEF2F20C0DC2}"/>
-              </a:ext>
-            </a:extLst>
-          </p:cNvPr>
+          <p:cNvPr id="8" name="图片 7"/>
           <p:cNvPicPr>
             <a:picLocks noChangeAspect="1"/>
           </p:cNvPicPr>
           <p:nvPr/>
         </p:nvPicPr>
         <p:blipFill>
-          <a:blip r:embed="rId2">
+          <a:blip r:embed="rId1">
             <a:extLst>
               <a:ext uri="{28A0092B-C50C-407E-A947-70E740481C1C}">
                 <a14:useLocalDpi xmlns:a14="http://schemas.microsoft.com/office/drawing/2010/main" val="0"/>
@@ -16918,13 +16277,7 @@
       </p:pic>
       <p:grpSp>
         <p:nvGrpSpPr>
-          <p:cNvPr id="3" name="组合 2">
-            <a:extLst>
-              <a:ext uri="{FF2B5EF4-FFF2-40B4-BE49-F238E27FC236}">
-                <a16:creationId xmlns:a16="http://schemas.microsoft.com/office/drawing/2014/main" id="{D2BCFC23-AE5E-4F54-A21A-64CCCEDB5247}"/>
-              </a:ext>
-            </a:extLst>
-          </p:cNvPr>
+          <p:cNvPr id="3" name="组合 2"/>
           <p:cNvGrpSpPr/>
           <p:nvPr/>
         </p:nvGrpSpPr>
@@ -16938,13 +16291,7 @@
         </p:grpSpPr>
         <p:sp>
           <p:nvSpPr>
-            <p:cNvPr id="4" name="矩形 3">
-              <a:extLst>
-                <a:ext uri="{FF2B5EF4-FFF2-40B4-BE49-F238E27FC236}">
-                  <a16:creationId xmlns:a16="http://schemas.microsoft.com/office/drawing/2014/main" id="{36BA15F0-29E2-43DF-BD10-ED7D835245A8}"/>
-                </a:ext>
-              </a:extLst>
-            </p:cNvPr>
+            <p:cNvPr id="4" name="矩形 3"/>
             <p:cNvSpPr/>
             <p:nvPr/>
           </p:nvSpPr>
@@ -16994,13 +16341,7 @@
         </p:sp>
         <p:sp>
           <p:nvSpPr>
-            <p:cNvPr id="5" name="圆角矩形标注 3">
-              <a:extLst>
-                <a:ext uri="{FF2B5EF4-FFF2-40B4-BE49-F238E27FC236}">
-                  <a16:creationId xmlns:a16="http://schemas.microsoft.com/office/drawing/2014/main" id="{345AAE00-B30F-4454-B091-BBF28FEE63AE}"/>
-                </a:ext>
-              </a:extLst>
-            </p:cNvPr>
+            <p:cNvPr id="5" name="圆角矩形标注 3"/>
             <p:cNvSpPr/>
             <p:nvPr/>
           </p:nvSpPr>
@@ -17056,13 +16397,7 @@
       </p:grpSp>
       <p:grpSp>
         <p:nvGrpSpPr>
-          <p:cNvPr id="9" name="组合 8">
-            <a:extLst>
-              <a:ext uri="{FF2B5EF4-FFF2-40B4-BE49-F238E27FC236}">
-                <a16:creationId xmlns:a16="http://schemas.microsoft.com/office/drawing/2014/main" id="{4695DDC3-D959-9A25-5E29-9953A0F5DBA3}"/>
-              </a:ext>
-            </a:extLst>
-          </p:cNvPr>
+          <p:cNvPr id="9" name="组合 8"/>
           <p:cNvGrpSpPr/>
           <p:nvPr/>
         </p:nvGrpSpPr>
@@ -17076,13 +16411,7 @@
         </p:grpSpPr>
         <p:sp>
           <p:nvSpPr>
-            <p:cNvPr id="10" name="矩形 9">
-              <a:extLst>
-                <a:ext uri="{FF2B5EF4-FFF2-40B4-BE49-F238E27FC236}">
-                  <a16:creationId xmlns:a16="http://schemas.microsoft.com/office/drawing/2014/main" id="{FC00E611-1949-9ECB-70AB-8EC09BA8CDCA}"/>
-                </a:ext>
-              </a:extLst>
-            </p:cNvPr>
+            <p:cNvPr id="10" name="矩形 9"/>
             <p:cNvSpPr/>
             <p:nvPr/>
           </p:nvSpPr>
@@ -17132,13 +16461,7 @@
         </p:sp>
         <p:sp>
           <p:nvSpPr>
-            <p:cNvPr id="11" name="圆角矩形标注 3">
-              <a:extLst>
-                <a:ext uri="{FF2B5EF4-FFF2-40B4-BE49-F238E27FC236}">
-                  <a16:creationId xmlns:a16="http://schemas.microsoft.com/office/drawing/2014/main" id="{B8DB565A-B5DF-71AA-9CA1-FB142D7BA651}"/>
-                </a:ext>
-              </a:extLst>
-            </p:cNvPr>
+            <p:cNvPr id="11" name="圆角矩形标注 3"/>
             <p:cNvSpPr/>
             <p:nvPr/>
           </p:nvSpPr>
@@ -17193,11 +16516,6 @@
         </p:sp>
       </p:grpSp>
     </p:spTree>
-    <p:extLst>
-      <p:ext uri="{BB962C8B-B14F-4D97-AF65-F5344CB8AC3E}">
-        <p14:creationId xmlns:p14="http://schemas.microsoft.com/office/powerpoint/2010/main" val="3472383040"/>
-      </p:ext>
-    </p:extLst>
   </p:cSld>
   <p:clrMapOvr>
     <a:masterClrMapping/>
@@ -17344,20 +16662,14 @@
       </p:grpSpPr>
       <p:pic>
         <p:nvPicPr>
-          <p:cNvPr id="6" name="图片 5">
-            <a:extLst>
-              <a:ext uri="{FF2B5EF4-FFF2-40B4-BE49-F238E27FC236}">
-                <a16:creationId xmlns:a16="http://schemas.microsoft.com/office/drawing/2014/main" id="{BA07A7E2-0472-D2D8-97D1-D9A67678655D}"/>
-              </a:ext>
-            </a:extLst>
-          </p:cNvPr>
+          <p:cNvPr id="6" name="图片 5"/>
           <p:cNvPicPr>
             <a:picLocks noChangeAspect="1"/>
           </p:cNvPicPr>
           <p:nvPr/>
         </p:nvPicPr>
         <p:blipFill>
-          <a:blip r:embed="rId2">
+          <a:blip r:embed="rId1">
             <a:extLst>
               <a:ext uri="{28A0092B-C50C-407E-A947-70E740481C1C}">
                 <a14:useLocalDpi xmlns:a14="http://schemas.microsoft.com/office/drawing/2010/main" val="0"/>
@@ -17380,13 +16692,7 @@
       </p:pic>
       <p:grpSp>
         <p:nvGrpSpPr>
-          <p:cNvPr id="36" name="组合 35">
-            <a:extLst>
-              <a:ext uri="{FF2B5EF4-FFF2-40B4-BE49-F238E27FC236}">
-                <a16:creationId xmlns:a16="http://schemas.microsoft.com/office/drawing/2014/main" id="{B147EFB7-849B-4310-AFD2-3D6FC4A0A208}"/>
-              </a:ext>
-            </a:extLst>
-          </p:cNvPr>
+          <p:cNvPr id="36" name="组合 35"/>
           <p:cNvGrpSpPr/>
           <p:nvPr/>
         </p:nvGrpSpPr>
@@ -17446,7 +16752,7 @@
                 <a:solidFill>
                   <a:prstClr val="white"/>
                 </a:solidFill>
-                <a:latin typeface="Calibri"/>
+                <a:latin typeface="Calibri" panose="020F0502020204030204"/>
                 <a:ea typeface="宋体" panose="02010600030101010101" pitchFamily="2" charset="-122"/>
               </a:endParaRPr>
             </a:p>
@@ -17482,7 +16788,7 @@
                   <a:solidFill>
                     <a:srgbClr val="FF0000"/>
                   </a:solidFill>
-                  <a:latin typeface="Calibri"/>
+                  <a:latin typeface="Calibri" panose="020F0502020204030204"/>
                   <a:ea typeface="宋体" panose="02010600030101010101" pitchFamily="2" charset="-122"/>
                 </a:rPr>
                 <a:t>run</a:t>
@@ -17491,7 +16797,7 @@
                 <a:solidFill>
                   <a:srgbClr val="FF0000"/>
                 </a:solidFill>
-                <a:latin typeface="Calibri"/>
+                <a:latin typeface="Calibri" panose="020F0502020204030204"/>
                 <a:ea typeface="宋体" panose="02010600030101010101" pitchFamily="2" charset="-122"/>
               </a:endParaRPr>
             </a:p>
@@ -17500,13 +16806,7 @@
       </p:grpSp>
       <p:grpSp>
         <p:nvGrpSpPr>
-          <p:cNvPr id="34" name="组合 33">
-            <a:extLst>
-              <a:ext uri="{FF2B5EF4-FFF2-40B4-BE49-F238E27FC236}">
-                <a16:creationId xmlns:a16="http://schemas.microsoft.com/office/drawing/2014/main" id="{68635824-B3C5-4A26-921A-A79C640AD93B}"/>
-              </a:ext>
-            </a:extLst>
-          </p:cNvPr>
+          <p:cNvPr id="34" name="组合 33"/>
           <p:cNvGrpSpPr/>
           <p:nvPr/>
         </p:nvGrpSpPr>
@@ -17566,7 +16866,7 @@
                 <a:solidFill>
                   <a:prstClr val="white"/>
                 </a:solidFill>
-                <a:latin typeface="Calibri"/>
+                <a:latin typeface="Calibri" panose="020F0502020204030204"/>
                 <a:ea typeface="宋体" panose="02010600030101010101" pitchFamily="2" charset="-122"/>
               </a:endParaRPr>
             </a:p>
@@ -17602,7 +16902,7 @@
                   <a:solidFill>
                     <a:srgbClr val="FF0000"/>
                   </a:solidFill>
-                  <a:latin typeface="Calibri"/>
+                  <a:latin typeface="Calibri" panose="020F0502020204030204"/>
                   <a:ea typeface="宋体" panose="02010600030101010101" pitchFamily="2" charset="-122"/>
                 </a:rPr>
                 <a:t>compile</a:t>
@@ -17611,7 +16911,7 @@
                 <a:solidFill>
                   <a:srgbClr val="FF0000"/>
                 </a:solidFill>
-                <a:latin typeface="Calibri"/>
+                <a:latin typeface="Calibri" panose="020F0502020204030204"/>
                 <a:ea typeface="宋体" panose="02010600030101010101" pitchFamily="2" charset="-122"/>
               </a:endParaRPr>
             </a:p>
@@ -17665,7 +16965,7 @@
                 <a:solidFill>
                   <a:prstClr val="white"/>
                 </a:solidFill>
-                <a:latin typeface="Calibri"/>
+                <a:latin typeface="Calibri" panose="020F0502020204030204"/>
                 <a:ea typeface="宋体" panose="02010600030101010101" pitchFamily="2" charset="-122"/>
               </a:endParaRPr>
             </a:p>
@@ -17675,7 +16975,6 @@
           <p:nvCxnSpPr>
             <p:cNvPr id="15" name="直接箭头连接符 14"/>
             <p:cNvCxnSpPr>
-              <a:cxnSpLocks/>
               <a:endCxn id="14" idx="3"/>
             </p:cNvCxnSpPr>
             <p:nvPr/>
@@ -17713,13 +17012,7 @@
       </p:grpSp>
       <p:grpSp>
         <p:nvGrpSpPr>
-          <p:cNvPr id="35" name="组合 34">
-            <a:extLst>
-              <a:ext uri="{FF2B5EF4-FFF2-40B4-BE49-F238E27FC236}">
-                <a16:creationId xmlns:a16="http://schemas.microsoft.com/office/drawing/2014/main" id="{BA9B9101-25E2-4C63-87A5-DBE6C51CFFFB}"/>
-              </a:ext>
-            </a:extLst>
-          </p:cNvPr>
+          <p:cNvPr id="35" name="组合 34"/>
           <p:cNvGrpSpPr/>
           <p:nvPr/>
         </p:nvGrpSpPr>
@@ -17779,7 +17072,7 @@
                 <a:solidFill>
                   <a:prstClr val="white"/>
                 </a:solidFill>
-                <a:latin typeface="Calibri"/>
+                <a:latin typeface="Calibri" panose="020F0502020204030204"/>
                 <a:ea typeface="宋体" panose="02010600030101010101" pitchFamily="2" charset="-122"/>
               </a:endParaRPr>
             </a:p>
@@ -17815,7 +17108,7 @@
                   <a:solidFill>
                     <a:srgbClr val="FF0000"/>
                   </a:solidFill>
-                  <a:latin typeface="Calibri"/>
+                  <a:latin typeface="Calibri" panose="020F0502020204030204"/>
                   <a:ea typeface="宋体" panose="02010600030101010101" pitchFamily="2" charset="-122"/>
                 </a:rPr>
                 <a:t>link</a:t>
@@ -17824,7 +17117,7 @@
                 <a:solidFill>
                   <a:srgbClr val="FF0000"/>
                 </a:solidFill>
-                <a:latin typeface="Calibri"/>
+                <a:latin typeface="Calibri" panose="020F0502020204030204"/>
                 <a:ea typeface="宋体" panose="02010600030101010101" pitchFamily="2" charset="-122"/>
               </a:endParaRPr>
             </a:p>
@@ -17878,7 +17171,7 @@
                 <a:solidFill>
                   <a:prstClr val="white"/>
                 </a:solidFill>
-                <a:latin typeface="Calibri"/>
+                <a:latin typeface="Calibri" panose="020F0502020204030204"/>
                 <a:ea typeface="宋体" panose="02010600030101010101" pitchFamily="2" charset="-122"/>
               </a:endParaRPr>
             </a:p>
@@ -17887,9 +17180,7 @@
         <p:cxnSp>
           <p:nvCxnSpPr>
             <p:cNvPr id="18" name="直接箭头连接符 17"/>
-            <p:cNvCxnSpPr>
-              <a:cxnSpLocks/>
-            </p:cNvCxnSpPr>
+            <p:cNvCxnSpPr/>
             <p:nvPr/>
           </p:nvCxnSpPr>
           <p:spPr>
@@ -17967,11 +17258,18 @@
                   <a:solidFill>
                     <a:srgbClr val="FF0000"/>
                   </a:solidFill>
-                  <a:latin typeface="Calibri"/>
+                  <a:latin typeface="Calibri" panose="020F0502020204030204"/>
                   <a:ea typeface="宋体" panose="02010600030101010101" pitchFamily="2" charset="-122"/>
                 </a:rPr>
                 <a:t>compile</a:t>
               </a:r>
+              <a:endParaRPr lang="en-US" altLang="zh-CN" b="1" dirty="0">
+                <a:solidFill>
+                  <a:srgbClr val="FF0000"/>
+                </a:solidFill>
+                <a:latin typeface="Calibri" panose="020F0502020204030204"/>
+                <a:ea typeface="宋体" panose="02010600030101010101" pitchFamily="2" charset="-122"/>
+              </a:endParaRPr>
             </a:p>
             <a:p>
               <a:pPr>
@@ -17982,7 +17280,7 @@
                   <a:solidFill>
                     <a:srgbClr val="FF0000"/>
                   </a:solidFill>
-                  <a:latin typeface="Calibri"/>
+                  <a:latin typeface="Calibri" panose="020F0502020204030204"/>
                   <a:ea typeface="宋体" panose="02010600030101010101" pitchFamily="2" charset="-122"/>
                 </a:rPr>
                 <a:t> and link</a:t>
@@ -17991,7 +17289,7 @@
                 <a:solidFill>
                   <a:srgbClr val="FF0000"/>
                 </a:solidFill>
-                <a:latin typeface="Calibri"/>
+                <a:latin typeface="Calibri" panose="020F0502020204030204"/>
                 <a:ea typeface="宋体" panose="02010600030101010101" pitchFamily="2" charset="-122"/>
               </a:endParaRPr>
             </a:p>
@@ -18027,7 +17325,7 @@
                   <a:solidFill>
                     <a:srgbClr val="FF0000"/>
                   </a:solidFill>
-                  <a:latin typeface="Calibri"/>
+                  <a:latin typeface="Calibri" panose="020F0502020204030204"/>
                   <a:ea typeface="宋体" panose="02010600030101010101" pitchFamily="2" charset="-122"/>
                 </a:rPr>
                 <a:t>run</a:t>
@@ -18036,7 +17334,7 @@
                 <a:solidFill>
                   <a:srgbClr val="FF0000"/>
                 </a:solidFill>
-                <a:latin typeface="Calibri"/>
+                <a:latin typeface="Calibri" panose="020F0502020204030204"/>
                 <a:ea typeface="宋体" panose="02010600030101010101" pitchFamily="2" charset="-122"/>
               </a:endParaRPr>
             </a:p>
@@ -18090,7 +17388,7 @@
                 <a:solidFill>
                   <a:prstClr val="white"/>
                 </a:solidFill>
-                <a:latin typeface="Calibri"/>
+                <a:latin typeface="Calibri" panose="020F0502020204030204"/>
                 <a:ea typeface="宋体" panose="02010600030101010101" pitchFamily="2" charset="-122"/>
               </a:endParaRPr>
             </a:p>
@@ -18144,7 +17442,7 @@
                 <a:solidFill>
                   <a:prstClr val="white"/>
                 </a:solidFill>
-                <a:latin typeface="Calibri"/>
+                <a:latin typeface="Calibri" panose="020F0502020204030204"/>
                 <a:ea typeface="宋体" panose="02010600030101010101" pitchFamily="2" charset="-122"/>
               </a:endParaRPr>
             </a:p>
@@ -18198,7 +17496,7 @@
                 <a:solidFill>
                   <a:prstClr val="white"/>
                 </a:solidFill>
-                <a:latin typeface="Calibri"/>
+                <a:latin typeface="Calibri" panose="020F0502020204030204"/>
                 <a:ea typeface="宋体" panose="02010600030101010101" pitchFamily="2" charset="-122"/>
               </a:endParaRPr>
             </a:p>
@@ -18207,9 +17505,7 @@
         <p:cxnSp>
           <p:nvCxnSpPr>
             <p:cNvPr id="21" name="直接箭头连接符 20"/>
-            <p:cNvCxnSpPr>
-              <a:cxnSpLocks/>
-            </p:cNvCxnSpPr>
+            <p:cNvCxnSpPr/>
             <p:nvPr/>
           </p:nvCxnSpPr>
           <p:spPr>
@@ -18245,13 +17541,7 @@
       </p:grpSp>
       <p:sp>
         <p:nvSpPr>
-          <p:cNvPr id="22" name="TextBox 8">
-            <a:extLst>
-              <a:ext uri="{FF2B5EF4-FFF2-40B4-BE49-F238E27FC236}">
-                <a16:creationId xmlns:a16="http://schemas.microsoft.com/office/drawing/2014/main" id="{8F98C656-5F9A-43ED-8CA2-F9BA12970997}"/>
-              </a:ext>
-            </a:extLst>
-          </p:cNvPr>
+          <p:cNvPr id="22" name="TextBox 8"/>
           <p:cNvSpPr txBox="1"/>
           <p:nvPr/>
         </p:nvSpPr>
@@ -18279,7 +17569,7 @@
                 <a:solidFill>
                   <a:prstClr val="black"/>
                 </a:solidFill>
-                <a:latin typeface="Calibri"/>
+                <a:latin typeface="Calibri" panose="020F0502020204030204"/>
                 <a:ea typeface="宋体" panose="02010600030101010101" pitchFamily="2" charset="-122"/>
               </a:rPr>
               <a:t>You need to use </a:t>
@@ -18289,7 +17579,7 @@
                 <a:solidFill>
                   <a:prstClr val="black"/>
                 </a:solidFill>
-                <a:latin typeface="Calibri"/>
+                <a:latin typeface="Calibri" panose="020F0502020204030204"/>
                 <a:ea typeface="宋体" panose="02010600030101010101" pitchFamily="2" charset="-122"/>
               </a:rPr>
               <a:t>g++ </a:t>
@@ -18299,7 +17589,7 @@
                 <a:solidFill>
                   <a:prstClr val="black"/>
                 </a:solidFill>
-                <a:latin typeface="Calibri"/>
+                <a:latin typeface="Calibri" panose="020F0502020204030204"/>
                 <a:ea typeface="宋体" panose="02010600030101010101" pitchFamily="2" charset="-122"/>
               </a:rPr>
               <a:t>to compile C++ program.</a:t>
@@ -18309,7 +17599,7 @@
                 <a:solidFill>
                   <a:prstClr val="black"/>
                 </a:solidFill>
-                <a:latin typeface="Calibri"/>
+                <a:latin typeface="Calibri" panose="020F0502020204030204"/>
                 <a:ea typeface="宋体" panose="02010600030101010101" pitchFamily="2" charset="-122"/>
               </a:rPr>
               <a:t> </a:t>
@@ -18319,7 +17609,7 @@
                 <a:solidFill>
                   <a:prstClr val="black"/>
                 </a:solidFill>
-                <a:latin typeface="Calibri"/>
+                <a:latin typeface="Calibri" panose="020F0502020204030204"/>
                 <a:ea typeface="宋体" panose="02010600030101010101" pitchFamily="2" charset="-122"/>
               </a:rPr>
               <a:t> The </a:t>
@@ -18329,7 +17619,7 @@
                 <a:solidFill>
                   <a:prstClr val="black"/>
                 </a:solidFill>
-                <a:latin typeface="Calibri"/>
+                <a:latin typeface="Calibri" panose="020F0502020204030204"/>
                 <a:ea typeface="宋体" panose="02010600030101010101" pitchFamily="2" charset="-122"/>
               </a:rPr>
               <a:t>-o</a:t>
@@ -18339,7 +17629,7 @@
                 <a:solidFill>
                   <a:prstClr val="black"/>
                 </a:solidFill>
-                <a:latin typeface="Calibri"/>
+                <a:latin typeface="Calibri" panose="020F0502020204030204"/>
                 <a:ea typeface="宋体" panose="02010600030101010101" pitchFamily="2" charset="-122"/>
               </a:rPr>
               <a:t> option is used to specify the output file name.</a:t>
@@ -18348,7 +17638,7 @@
               <a:solidFill>
                 <a:prstClr val="black"/>
               </a:solidFill>
-              <a:latin typeface="Calibri"/>
+              <a:latin typeface="Calibri" panose="020F0502020204030204"/>
               <a:ea typeface="宋体" panose="02010600030101010101" pitchFamily="2" charset="-122"/>
             </a:endParaRPr>
           </a:p>
@@ -18356,13 +17646,7 @@
       </p:sp>
       <p:grpSp>
         <p:nvGrpSpPr>
-          <p:cNvPr id="26" name="组合 25">
-            <a:extLst>
-              <a:ext uri="{FF2B5EF4-FFF2-40B4-BE49-F238E27FC236}">
-                <a16:creationId xmlns:a16="http://schemas.microsoft.com/office/drawing/2014/main" id="{25AC0335-D9FB-4A82-9200-A0BE07A2EE13}"/>
-              </a:ext>
-            </a:extLst>
-          </p:cNvPr>
+          <p:cNvPr id="26" name="组合 25"/>
           <p:cNvGrpSpPr/>
           <p:nvPr/>
         </p:nvGrpSpPr>
@@ -18376,13 +17660,7 @@
         </p:grpSpPr>
         <p:sp>
           <p:nvSpPr>
-            <p:cNvPr id="27" name="矩形 26">
-              <a:extLst>
-                <a:ext uri="{FF2B5EF4-FFF2-40B4-BE49-F238E27FC236}">
-                  <a16:creationId xmlns:a16="http://schemas.microsoft.com/office/drawing/2014/main" id="{B6A90292-FD6D-48C0-A4E5-15CCE26E45F4}"/>
-                </a:ext>
-              </a:extLst>
-            </p:cNvPr>
+            <p:cNvPr id="27" name="矩形 26"/>
             <p:cNvSpPr/>
             <p:nvPr/>
           </p:nvSpPr>
@@ -18432,13 +17710,7 @@
         </p:sp>
         <p:sp>
           <p:nvSpPr>
-            <p:cNvPr id="28" name="圆角矩形标注 3">
-              <a:extLst>
-                <a:ext uri="{FF2B5EF4-FFF2-40B4-BE49-F238E27FC236}">
-                  <a16:creationId xmlns:a16="http://schemas.microsoft.com/office/drawing/2014/main" id="{57AD0CBA-0BFE-4D25-8E1F-C0F9110DB84E}"/>
-                </a:ext>
-              </a:extLst>
-            </p:cNvPr>
+            <p:cNvPr id="28" name="圆角矩形标注 3"/>
             <p:cNvSpPr/>
             <p:nvPr/>
           </p:nvSpPr>
@@ -18510,13 +17782,7 @@
       </p:grpSp>
       <p:grpSp>
         <p:nvGrpSpPr>
-          <p:cNvPr id="31" name="组合 30">
-            <a:extLst>
-              <a:ext uri="{FF2B5EF4-FFF2-40B4-BE49-F238E27FC236}">
-                <a16:creationId xmlns:a16="http://schemas.microsoft.com/office/drawing/2014/main" id="{A7587819-EFBB-41A0-84DE-08AA6E6AAB4C}"/>
-              </a:ext>
-            </a:extLst>
-          </p:cNvPr>
+          <p:cNvPr id="31" name="组合 30"/>
           <p:cNvGrpSpPr/>
           <p:nvPr/>
         </p:nvGrpSpPr>
@@ -18530,13 +17796,7 @@
         </p:grpSpPr>
         <p:sp>
           <p:nvSpPr>
-            <p:cNvPr id="32" name="矩形 31">
-              <a:extLst>
-                <a:ext uri="{FF2B5EF4-FFF2-40B4-BE49-F238E27FC236}">
-                  <a16:creationId xmlns:a16="http://schemas.microsoft.com/office/drawing/2014/main" id="{77C38E8C-FEF2-44C3-B01F-DEE77DA2F786}"/>
-                </a:ext>
-              </a:extLst>
-            </p:cNvPr>
+            <p:cNvPr id="32" name="矩形 31"/>
             <p:cNvSpPr/>
             <p:nvPr/>
           </p:nvSpPr>
@@ -18586,13 +17846,7 @@
         </p:sp>
         <p:sp>
           <p:nvSpPr>
-            <p:cNvPr id="33" name="圆角矩形标注 3">
-              <a:extLst>
-                <a:ext uri="{FF2B5EF4-FFF2-40B4-BE49-F238E27FC236}">
-                  <a16:creationId xmlns:a16="http://schemas.microsoft.com/office/drawing/2014/main" id="{FF87641F-E08F-48D8-AFD6-DF92D27426EF}"/>
-                </a:ext>
-              </a:extLst>
-            </p:cNvPr>
+            <p:cNvPr id="33" name="圆角矩形标注 3"/>
             <p:cNvSpPr/>
             <p:nvPr/>
           </p:nvSpPr>
@@ -18664,13 +17918,7 @@
       </p:grpSp>
       <p:sp>
         <p:nvSpPr>
-          <p:cNvPr id="19" name="椭圆 18">
-            <a:extLst>
-              <a:ext uri="{FF2B5EF4-FFF2-40B4-BE49-F238E27FC236}">
-                <a16:creationId xmlns:a16="http://schemas.microsoft.com/office/drawing/2014/main" id="{D3A3C259-DE4B-1DDB-A538-5ED395BAF2CD}"/>
-              </a:ext>
-            </a:extLst>
-          </p:cNvPr>
+          <p:cNvPr id="19" name="椭圆 18"/>
           <p:cNvSpPr/>
           <p:nvPr/>
         </p:nvSpPr>
@@ -18716,13 +17964,7 @@
       </p:sp>
       <p:grpSp>
         <p:nvGrpSpPr>
-          <p:cNvPr id="38" name="组合 37">
-            <a:extLst>
-              <a:ext uri="{FF2B5EF4-FFF2-40B4-BE49-F238E27FC236}">
-                <a16:creationId xmlns:a16="http://schemas.microsoft.com/office/drawing/2014/main" id="{372A47A9-27DE-23B5-6978-43BC8472B7CB}"/>
-              </a:ext>
-            </a:extLst>
-          </p:cNvPr>
+          <p:cNvPr id="38" name="组合 37"/>
           <p:cNvGrpSpPr/>
           <p:nvPr/>
         </p:nvGrpSpPr>
@@ -18736,13 +17978,7 @@
         </p:grpSpPr>
         <p:sp>
           <p:nvSpPr>
-            <p:cNvPr id="39" name="TextBox 9">
-              <a:extLst>
-                <a:ext uri="{FF2B5EF4-FFF2-40B4-BE49-F238E27FC236}">
-                  <a16:creationId xmlns:a16="http://schemas.microsoft.com/office/drawing/2014/main" id="{53FF41F1-A5EB-A3A4-9D5E-0B36ECF465B7}"/>
-                </a:ext>
-              </a:extLst>
-            </p:cNvPr>
+            <p:cNvPr id="39" name="TextBox 9"/>
             <p:cNvSpPr txBox="1"/>
             <p:nvPr/>
           </p:nvSpPr>
@@ -18770,11 +18006,18 @@
                   <a:solidFill>
                     <a:srgbClr val="FF0000"/>
                   </a:solidFill>
-                  <a:latin typeface="Calibri"/>
+                  <a:latin typeface="Calibri" panose="020F0502020204030204"/>
                   <a:ea typeface="宋体" panose="02010600030101010101" pitchFamily="2" charset="-122"/>
                 </a:rPr>
                 <a:t>compile</a:t>
               </a:r>
+              <a:endParaRPr lang="en-US" altLang="zh-CN" b="1" dirty="0">
+                <a:solidFill>
+                  <a:srgbClr val="FF0000"/>
+                </a:solidFill>
+                <a:latin typeface="Calibri" panose="020F0502020204030204"/>
+                <a:ea typeface="宋体" panose="02010600030101010101" pitchFamily="2" charset="-122"/>
+              </a:endParaRPr>
             </a:p>
             <a:p>
               <a:pPr>
@@ -18785,7 +18028,7 @@
                   <a:solidFill>
                     <a:srgbClr val="FF0000"/>
                   </a:solidFill>
-                  <a:latin typeface="Calibri"/>
+                  <a:latin typeface="Calibri" panose="020F0502020204030204"/>
                   <a:ea typeface="宋体" panose="02010600030101010101" pitchFamily="2" charset="-122"/>
                 </a:rPr>
                 <a:t> and link</a:t>
@@ -18794,7 +18037,7 @@
                 <a:solidFill>
                   <a:srgbClr val="FF0000"/>
                 </a:solidFill>
-                <a:latin typeface="Calibri"/>
+                <a:latin typeface="Calibri" panose="020F0502020204030204"/>
                 <a:ea typeface="宋体" panose="02010600030101010101" pitchFamily="2" charset="-122"/>
               </a:endParaRPr>
             </a:p>
@@ -18802,13 +18045,7 @@
         </p:sp>
         <p:sp>
           <p:nvSpPr>
-            <p:cNvPr id="40" name="TextBox 10">
-              <a:extLst>
-                <a:ext uri="{FF2B5EF4-FFF2-40B4-BE49-F238E27FC236}">
-                  <a16:creationId xmlns:a16="http://schemas.microsoft.com/office/drawing/2014/main" id="{4C918444-6A14-43CD-9C68-ED2EED5C2E75}"/>
-                </a:ext>
-              </a:extLst>
-            </p:cNvPr>
+            <p:cNvPr id="40" name="TextBox 10"/>
             <p:cNvSpPr txBox="1"/>
             <p:nvPr/>
           </p:nvSpPr>
@@ -18836,7 +18073,7 @@
                   <a:solidFill>
                     <a:srgbClr val="FF0000"/>
                   </a:solidFill>
-                  <a:latin typeface="Calibri"/>
+                  <a:latin typeface="Calibri" panose="020F0502020204030204"/>
                   <a:ea typeface="宋体" panose="02010600030101010101" pitchFamily="2" charset="-122"/>
                 </a:rPr>
                 <a:t>run</a:t>
@@ -18845,7 +18082,7 @@
                 <a:solidFill>
                   <a:srgbClr val="FF0000"/>
                 </a:solidFill>
-                <a:latin typeface="Calibri"/>
+                <a:latin typeface="Calibri" panose="020F0502020204030204"/>
                 <a:ea typeface="宋体" panose="02010600030101010101" pitchFamily="2" charset="-122"/>
               </a:endParaRPr>
             </a:p>
@@ -18853,13 +18090,7 @@
         </p:sp>
         <p:sp>
           <p:nvSpPr>
-            <p:cNvPr id="41" name="矩形 40">
-              <a:extLst>
-                <a:ext uri="{FF2B5EF4-FFF2-40B4-BE49-F238E27FC236}">
-                  <a16:creationId xmlns:a16="http://schemas.microsoft.com/office/drawing/2014/main" id="{E2AA218E-B1A5-F816-F1CF-91137E1F2FE2}"/>
-                </a:ext>
-              </a:extLst>
-            </p:cNvPr>
+            <p:cNvPr id="41" name="矩形 40"/>
             <p:cNvSpPr/>
             <p:nvPr/>
           </p:nvSpPr>
@@ -18905,7 +18136,7 @@
                 <a:solidFill>
                   <a:prstClr val="white"/>
                 </a:solidFill>
-                <a:latin typeface="Calibri"/>
+                <a:latin typeface="Calibri" panose="020F0502020204030204"/>
                 <a:ea typeface="宋体" panose="02010600030101010101" pitchFamily="2" charset="-122"/>
               </a:endParaRPr>
             </a:p>
@@ -18913,13 +18144,7 @@
         </p:sp>
         <p:sp>
           <p:nvSpPr>
-            <p:cNvPr id="42" name="矩形 41">
-              <a:extLst>
-                <a:ext uri="{FF2B5EF4-FFF2-40B4-BE49-F238E27FC236}">
-                  <a16:creationId xmlns:a16="http://schemas.microsoft.com/office/drawing/2014/main" id="{1107E2B4-348B-5F0A-8BEB-7D3100199F8F}"/>
-                </a:ext>
-              </a:extLst>
-            </p:cNvPr>
+            <p:cNvPr id="42" name="矩形 41"/>
             <p:cNvSpPr/>
             <p:nvPr/>
           </p:nvSpPr>
@@ -18965,7 +18190,7 @@
                 <a:solidFill>
                   <a:prstClr val="white"/>
                 </a:solidFill>
-                <a:latin typeface="Calibri"/>
+                <a:latin typeface="Calibri" panose="020F0502020204030204"/>
                 <a:ea typeface="宋体" panose="02010600030101010101" pitchFamily="2" charset="-122"/>
               </a:endParaRPr>
             </a:p>
@@ -18973,13 +18198,7 @@
         </p:sp>
         <p:sp>
           <p:nvSpPr>
-            <p:cNvPr id="43" name="矩形 42">
-              <a:extLst>
-                <a:ext uri="{FF2B5EF4-FFF2-40B4-BE49-F238E27FC236}">
-                  <a16:creationId xmlns:a16="http://schemas.microsoft.com/office/drawing/2014/main" id="{942884E3-6165-3EAA-6F0D-2064EB1C7C6E}"/>
-                </a:ext>
-              </a:extLst>
-            </p:cNvPr>
+            <p:cNvPr id="43" name="矩形 42"/>
             <p:cNvSpPr/>
             <p:nvPr/>
           </p:nvSpPr>
@@ -19025,7 +18244,7 @@
                 <a:solidFill>
                   <a:prstClr val="white"/>
                 </a:solidFill>
-                <a:latin typeface="Calibri"/>
+                <a:latin typeface="Calibri" panose="020F0502020204030204"/>
                 <a:ea typeface="宋体" panose="02010600030101010101" pitchFamily="2" charset="-122"/>
               </a:endParaRPr>
             </a:p>
@@ -19033,16 +18252,8 @@
         </p:sp>
         <p:cxnSp>
           <p:nvCxnSpPr>
-            <p:cNvPr id="44" name="直接箭头连接符 43">
-              <a:extLst>
-                <a:ext uri="{FF2B5EF4-FFF2-40B4-BE49-F238E27FC236}">
-                  <a16:creationId xmlns:a16="http://schemas.microsoft.com/office/drawing/2014/main" id="{2EE3BEE8-6279-4B55-36DF-91C8F76E371B}"/>
-                </a:ext>
-              </a:extLst>
-            </p:cNvPr>
-            <p:cNvCxnSpPr>
-              <a:cxnSpLocks/>
-            </p:cNvCxnSpPr>
+            <p:cNvPr id="44" name="直接箭头连接符 43"/>
+            <p:cNvCxnSpPr/>
             <p:nvPr/>
           </p:nvCxnSpPr>
           <p:spPr>
@@ -19078,13 +18289,7 @@
       </p:grpSp>
       <p:grpSp>
         <p:nvGrpSpPr>
-          <p:cNvPr id="46" name="组合 45">
-            <a:extLst>
-              <a:ext uri="{FF2B5EF4-FFF2-40B4-BE49-F238E27FC236}">
-                <a16:creationId xmlns:a16="http://schemas.microsoft.com/office/drawing/2014/main" id="{3AEBF727-963C-E63E-3DB5-2A4C014ACB31}"/>
-              </a:ext>
-            </a:extLst>
-          </p:cNvPr>
+          <p:cNvPr id="46" name="组合 45"/>
           <p:cNvGrpSpPr/>
           <p:nvPr/>
         </p:nvGrpSpPr>
@@ -19098,13 +18303,7 @@
         </p:grpSpPr>
         <p:sp>
           <p:nvSpPr>
-            <p:cNvPr id="47" name="矩形 46">
-              <a:extLst>
-                <a:ext uri="{FF2B5EF4-FFF2-40B4-BE49-F238E27FC236}">
-                  <a16:creationId xmlns:a16="http://schemas.microsoft.com/office/drawing/2014/main" id="{E4D7CC29-C24B-5C43-7E64-9ADC702CFC53}"/>
-                </a:ext>
-              </a:extLst>
-            </p:cNvPr>
+            <p:cNvPr id="47" name="矩形 46"/>
             <p:cNvSpPr/>
             <p:nvPr/>
           </p:nvSpPr>
@@ -19154,13 +18353,7 @@
         </p:sp>
         <p:sp>
           <p:nvSpPr>
-            <p:cNvPr id="48" name="圆角矩形标注 3">
-              <a:extLst>
-                <a:ext uri="{FF2B5EF4-FFF2-40B4-BE49-F238E27FC236}">
-                  <a16:creationId xmlns:a16="http://schemas.microsoft.com/office/drawing/2014/main" id="{D137CA31-0179-929D-D5B2-1A18A2508A6F}"/>
-                </a:ext>
-              </a:extLst>
-            </p:cNvPr>
+            <p:cNvPr id="48" name="圆角矩形标注 3"/>
             <p:cNvSpPr/>
             <p:nvPr/>
           </p:nvSpPr>
@@ -19231,11 +18424,6 @@
         </p:sp>
       </p:grpSp>
     </p:spTree>
-    <p:extLst>
-      <p:ext uri="{BB962C8B-B14F-4D97-AF65-F5344CB8AC3E}">
-        <p14:creationId xmlns:p14="http://schemas.microsoft.com/office/powerpoint/2010/main" val="104829513"/>
-      </p:ext>
-    </p:extLst>
   </p:cSld>
   <p:clrMapOvr>
     <a:masterClrMapping/>
@@ -19884,7 +19072,7 @@
             <p:nvPr/>
           </p:nvPicPr>
           <p:blipFill>
-            <a:blip r:embed="rId3">
+            <a:blip r:embed="rId1">
               <a:extLst>
                 <a:ext uri="{28A0092B-C50C-407E-A947-70E740481C1C}">
                   <a14:useLocalDpi xmlns:a14="http://schemas.microsoft.com/office/drawing/2010/main" val="0"/>
@@ -19948,7 +19136,7 @@
             <p:nvPr/>
           </p:nvPicPr>
           <p:blipFill>
-            <a:blip r:embed="rId4">
+            <a:blip r:embed="rId2">
               <a:extLst>
                 <a:ext uri="{28A0092B-C50C-407E-A947-70E740481C1C}">
                   <a14:useLocalDpi xmlns:a14="http://schemas.microsoft.com/office/drawing/2010/main" val="0"/>
@@ -20159,16 +19347,8 @@
       </p:grpSp>
       <p:sp>
         <p:nvSpPr>
-          <p:cNvPr id="13" name="Title 1">
-            <a:extLst>
-              <a:ext uri="{FF2B5EF4-FFF2-40B4-BE49-F238E27FC236}">
-                <a16:creationId xmlns:a16="http://schemas.microsoft.com/office/drawing/2014/main" id="{FA4C1317-FD4F-4A8F-91F1-67BA687A11D9}"/>
-              </a:ext>
-            </a:extLst>
-          </p:cNvPr>
-          <p:cNvSpPr txBox="1">
-            <a:spLocks/>
-          </p:cNvSpPr>
+          <p:cNvPr id="13" name="Title 1"/>
+          <p:cNvSpPr txBox="1"/>
           <p:nvPr/>
         </p:nvSpPr>
         <p:spPr>
@@ -20208,6 +19388,7 @@
               <a:rPr lang="en-US" altLang="zh-CN" sz="4000" b="1" dirty="0"/>
               <a:t>5 Terminal Output</a:t>
             </a:r>
+            <a:endParaRPr lang="en-US" altLang="zh-CN" sz="4000" b="1" dirty="0"/>
           </a:p>
         </p:txBody>
       </p:sp>
@@ -20365,7 +19546,7 @@
           <p:nvPr/>
         </p:nvPicPr>
         <p:blipFill>
-          <a:blip r:embed="rId2">
+          <a:blip r:embed="rId1">
             <a:extLst>
               <a:ext uri="{28A0092B-C50C-407E-A947-70E740481C1C}">
                 <a14:useLocalDpi xmlns:a14="http://schemas.microsoft.com/office/drawing/2010/main" val="0"/>
@@ -20429,7 +19610,7 @@
           <p:nvPr/>
         </p:nvPicPr>
         <p:blipFill>
-          <a:blip r:embed="rId3">
+          <a:blip r:embed="rId2">
             <a:extLst>
               <a:ext uri="{28A0092B-C50C-407E-A947-70E740481C1C}">
                 <a14:useLocalDpi xmlns:a14="http://schemas.microsoft.com/office/drawing/2010/main" val="0"/>
@@ -20507,7 +19688,7 @@
             <p:nvPr/>
           </p:nvPicPr>
           <p:blipFill>
-            <a:blip r:embed="rId4">
+            <a:blip r:embed="rId3">
               <a:extLst>
                 <a:ext uri="{28A0092B-C50C-407E-A947-70E740481C1C}">
                   <a14:useLocalDpi xmlns:a14="http://schemas.microsoft.com/office/drawing/2010/main" val="0"/>
@@ -20616,7 +19797,7 @@
             <p:nvPr/>
           </p:nvPicPr>
           <p:blipFill>
-            <a:blip r:embed="rId5">
+            <a:blip r:embed="rId4">
               <a:extLst>
                 <a:ext uri="{28A0092B-C50C-407E-A947-70E740481C1C}">
                   <a14:useLocalDpi xmlns:a14="http://schemas.microsoft.com/office/drawing/2010/main" val="0"/>
@@ -20849,20 +20030,14 @@
       </p:grpSpPr>
       <p:pic>
         <p:nvPicPr>
-          <p:cNvPr id="4" name="图片 3">
-            <a:extLst>
-              <a:ext uri="{FF2B5EF4-FFF2-40B4-BE49-F238E27FC236}">
-                <a16:creationId xmlns:a16="http://schemas.microsoft.com/office/drawing/2014/main" id="{75414F68-495D-8A5C-4400-8C1591B11DFE}"/>
-              </a:ext>
-            </a:extLst>
-          </p:cNvPr>
+          <p:cNvPr id="4" name="图片 3"/>
           <p:cNvPicPr>
             <a:picLocks noChangeAspect="1"/>
           </p:cNvPicPr>
           <p:nvPr/>
         </p:nvPicPr>
         <p:blipFill>
-          <a:blip r:embed="rId3">
+          <a:blip r:embed="rId1">
             <a:extLst>
               <a:ext uri="{28A0092B-C50C-407E-A947-70E740481C1C}">
                 <a14:useLocalDpi xmlns:a14="http://schemas.microsoft.com/office/drawing/2010/main" val="0"/>
@@ -21043,13 +20218,7 @@
       </p:sp>
       <p:sp>
         <p:nvSpPr>
-          <p:cNvPr id="7" name="矩形 6">
-            <a:extLst>
-              <a:ext uri="{FF2B5EF4-FFF2-40B4-BE49-F238E27FC236}">
-                <a16:creationId xmlns:a16="http://schemas.microsoft.com/office/drawing/2014/main" id="{71355263-CBE4-FD7F-2721-3753D6E3B273}"/>
-              </a:ext>
-            </a:extLst>
-          </p:cNvPr>
+          <p:cNvPr id="7" name="矩形 6"/>
           <p:cNvSpPr/>
           <p:nvPr/>
         </p:nvSpPr>
@@ -21324,6 +20493,14 @@
               </a:rPr>
               <a:t>6.1 Exercises</a:t>
             </a:r>
+            <a:endParaRPr lang="en-US" altLang="zh-CN" sz="3600" b="1" dirty="0">
+              <a:solidFill>
+                <a:prstClr val="black"/>
+              </a:solidFill>
+              <a:latin typeface="+mn-lt"/>
+              <a:ea typeface="+mn-ea"/>
+              <a:cs typeface="+mn-cs"/>
+            </a:endParaRPr>
           </a:p>
         </p:txBody>
       </p:sp>
@@ -21353,6 +20530,7 @@
               <a:rPr lang="en-US" altLang="zh-CN" sz="2800" dirty="0"/>
               <a:t>Write a program to initialize three variables which equal to 0.1, 0.2, 0.3, then print them with two decimal points.</a:t>
             </a:r>
+            <a:endParaRPr lang="en-US" altLang="zh-CN" sz="2800" dirty="0"/>
           </a:p>
         </p:txBody>
       </p:sp>
@@ -21365,7 +20543,7 @@
           <p:nvPr/>
         </p:nvPicPr>
         <p:blipFill>
-          <a:blip r:embed="rId3"/>
+          <a:blip r:embed="rId1"/>
           <a:stretch>
             <a:fillRect/>
           </a:stretch>
@@ -21406,6 +20584,7 @@
               <a:rPr lang="en-US" altLang="zh-CN" sz="2800"/>
               <a:t>Your output should look like something above. You can use printf to achieve this, or you can explore the cout way.</a:t>
             </a:r>
+            <a:endParaRPr lang="en-US" altLang="zh-CN" sz="2800"/>
           </a:p>
         </p:txBody>
       </p:sp>
@@ -21467,6 +20646,14 @@
               </a:rPr>
               <a:t>6.2 Exercises</a:t>
             </a:r>
+            <a:endParaRPr lang="en-US" altLang="zh-CN" sz="3600" b="1" dirty="0">
+              <a:solidFill>
+                <a:prstClr val="black"/>
+              </a:solidFill>
+              <a:latin typeface="+mn-lt"/>
+              <a:ea typeface="+mn-ea"/>
+              <a:cs typeface="+mn-cs"/>
+            </a:endParaRPr>
           </a:p>
         </p:txBody>
       </p:sp>
@@ -21496,46 +20683,42 @@
               <a:rPr lang="en-US" altLang="zh-CN" sz="2400" dirty="0"/>
               <a:t>Copy the following code into 3 files, and compile them together to an executable file. Find the bugs if there are some.</a:t>
             </a:r>
-          </a:p>
-          <a:p>
-            <a:r>
-              <a:rPr lang="en-US" altLang="zh-CN" sz="2400" dirty="0"/>
-              <a:t>Step 1: Compile </a:t>
-            </a:r>
-            <a:r>
-              <a:rPr lang="en-US" altLang="zh-CN" sz="2400" dirty="0" err="1"/>
-              <a:t>main.cpp</a:t>
-            </a:r>
             <a:endParaRPr lang="en-US" altLang="zh-CN" sz="2400" dirty="0"/>
           </a:p>
           <a:p>
             <a:r>
               <a:rPr lang="en-US" altLang="zh-CN" sz="2400" dirty="0"/>
-              <a:t>Step 2: Compile </a:t>
+              <a:t>Step 1: Compile </a:t>
             </a:r>
             <a:r>
               <a:rPr lang="en-US" altLang="zh-CN" sz="2400" dirty="0" err="1"/>
-              <a:t>add.cpp</a:t>
+              <a:t>main.cpp</a:t>
             </a:r>
             <a:endParaRPr lang="en-US" altLang="zh-CN" sz="2400" dirty="0"/>
           </a:p>
           <a:p>
             <a:r>
               <a:rPr lang="en-US" altLang="zh-CN" sz="2400" dirty="0"/>
+              <a:t>Step 2: Compile </a:t>
+            </a:r>
+            <a:r>
+              <a:rPr lang="en-US" altLang="zh-CN" sz="2400" dirty="0" err="1"/>
+              <a:t>add.cpp</a:t>
+            </a:r>
+            <a:endParaRPr lang="en-US" altLang="zh-CN" sz="2400" dirty="0"/>
+          </a:p>
+          <a:p>
+            <a:r>
+              <a:rPr lang="en-US" altLang="zh-CN" sz="2400" dirty="0"/>
               <a:t>Step 3: Link the two object files.</a:t>
             </a:r>
+            <a:endParaRPr lang="en-US" altLang="zh-CN" sz="2400" dirty="0"/>
           </a:p>
         </p:txBody>
       </p:sp>
       <p:sp>
         <p:nvSpPr>
-          <p:cNvPr id="6" name="内容占位符 2">
-            <a:extLst>
-              <a:ext uri="{FF2B5EF4-FFF2-40B4-BE49-F238E27FC236}">
-                <a16:creationId xmlns:a16="http://schemas.microsoft.com/office/drawing/2014/main" id="{28B9388A-91F5-E140-AFCC-7D6812DE2EFB}"/>
-              </a:ext>
-            </a:extLst>
-          </p:cNvPr>
+          <p:cNvPr id="6" name="内容占位符 2"/>
           <p:cNvSpPr>
             <a:spLocks noGrp="1"/>
           </p:cNvSpPr>
@@ -21702,6 +20885,12 @@
               </a:rPr>
               <a:t>()</a:t>
             </a:r>
+            <a:endParaRPr lang="en-US" altLang="zh-CN" sz="1100" dirty="0">
+              <a:solidFill>
+                <a:srgbClr val="000000"/>
+              </a:solidFill>
+              <a:latin typeface="Menlo" panose="020B0609030804020204" pitchFamily="49" charset="0"/>
+            </a:endParaRPr>
           </a:p>
           <a:p>
             <a:pPr marL="0" indent="0">
@@ -21716,6 +20905,12 @@
               </a:rPr>
               <a:t>{</a:t>
             </a:r>
+            <a:endParaRPr lang="en-US" altLang="zh-CN" sz="1100" dirty="0">
+              <a:solidFill>
+                <a:srgbClr val="000000"/>
+              </a:solidFill>
+              <a:latin typeface="Menlo" panose="020B0609030804020204" pitchFamily="49" charset="0"/>
+            </a:endParaRPr>
           </a:p>
           <a:p>
             <a:pPr marL="0" indent="0">
@@ -21784,6 +20979,12 @@
               </a:rPr>
               <a:t>;</a:t>
             </a:r>
+            <a:endParaRPr lang="en-US" altLang="zh-CN" sz="1100" dirty="0">
+              <a:solidFill>
+                <a:srgbClr val="000000"/>
+              </a:solidFill>
+              <a:latin typeface="Menlo" panose="020B0609030804020204" pitchFamily="49" charset="0"/>
+            </a:endParaRPr>
           </a:p>
           <a:p>
             <a:pPr marL="0" indent="0">
@@ -21852,6 +21053,12 @@
               </a:rPr>
               <a:t>;</a:t>
             </a:r>
+            <a:endParaRPr lang="en-US" altLang="zh-CN" sz="1100" dirty="0">
+              <a:solidFill>
+                <a:srgbClr val="000000"/>
+              </a:solidFill>
+              <a:latin typeface="Menlo" panose="020B0609030804020204" pitchFamily="49" charset="0"/>
+            </a:endParaRPr>
           </a:p>
           <a:p>
             <a:pPr marL="0" indent="0">
@@ -21920,6 +21127,12 @@
               </a:rPr>
               <a:t>;</a:t>
             </a:r>
+            <a:endParaRPr lang="en-US" altLang="zh-CN" sz="1100" dirty="0">
+              <a:solidFill>
+                <a:srgbClr val="000000"/>
+              </a:solidFill>
+              <a:latin typeface="Menlo" panose="020B0609030804020204" pitchFamily="49" charset="0"/>
+            </a:endParaRPr>
           </a:p>
           <a:p>
             <a:pPr marL="0" indent="0">
@@ -22023,6 +21236,12 @@
               </a:rPr>
               <a:t>；</a:t>
             </a:r>
+            <a:endParaRPr lang="zh-CN" altLang="en-US" sz="1100" dirty="0">
+              <a:solidFill>
+                <a:srgbClr val="000000"/>
+              </a:solidFill>
+              <a:latin typeface="Menlo" panose="020B0609030804020204" pitchFamily="49" charset="0"/>
+            </a:endParaRPr>
           </a:p>
           <a:p>
             <a:pPr marL="0" indent="0">
@@ -22099,6 +21318,12 @@
               </a:rPr>
               <a:t>;</a:t>
             </a:r>
+            <a:endParaRPr lang="en-US" altLang="zh-CN" sz="1100" dirty="0">
+              <a:solidFill>
+                <a:srgbClr val="000000"/>
+              </a:solidFill>
+              <a:latin typeface="Menlo" panose="020B0609030804020204" pitchFamily="49" charset="0"/>
+            </a:endParaRPr>
           </a:p>
           <a:p>
             <a:pPr marL="0" indent="0">
@@ -22140,6 +21365,12 @@
               </a:rPr>
               <a:t>;</a:t>
             </a:r>
+            <a:endParaRPr lang="en-US" altLang="zh-CN" sz="1100" dirty="0">
+              <a:solidFill>
+                <a:srgbClr val="000000"/>
+              </a:solidFill>
+              <a:latin typeface="Menlo" panose="020B0609030804020204" pitchFamily="49" charset="0"/>
+            </a:endParaRPr>
           </a:p>
           <a:p>
             <a:pPr marL="0" indent="0">
@@ -22154,18 +21385,18 @@
               </a:rPr>
               <a:t>}</a:t>
             </a:r>
+            <a:endParaRPr lang="en-US" altLang="zh-CN" sz="1100" dirty="0">
+              <a:solidFill>
+                <a:srgbClr val="000000"/>
+              </a:solidFill>
+              <a:latin typeface="Menlo" panose="020B0609030804020204" pitchFamily="49" charset="0"/>
+            </a:endParaRPr>
           </a:p>
         </p:txBody>
       </p:sp>
       <p:sp>
         <p:nvSpPr>
-          <p:cNvPr id="7" name="矩形 6">
-            <a:extLst>
-              <a:ext uri="{FF2B5EF4-FFF2-40B4-BE49-F238E27FC236}">
-                <a16:creationId xmlns:a16="http://schemas.microsoft.com/office/drawing/2014/main" id="{3C7BA855-10FD-534E-8E52-A5F06D4A46A1}"/>
-              </a:ext>
-            </a:extLst>
-          </p:cNvPr>
+          <p:cNvPr id="7" name="矩形 6"/>
           <p:cNvSpPr/>
           <p:nvPr/>
         </p:nvSpPr>
@@ -22188,7 +21419,7 @@
           <a:lstStyle/>
           <a:p>
             <a:r>
-              <a:rPr lang="en" altLang="zh-CN" dirty="0" err="1">
+              <a:rPr lang="en-GB" altLang="zh-CN" dirty="0" err="1">
                 <a:solidFill>
                   <a:srgbClr val="0000CC"/>
                 </a:solidFill>
@@ -22212,16 +21443,8 @@
       </p:sp>
       <p:sp>
         <p:nvSpPr>
-          <p:cNvPr id="8" name="内容占位符 2">
-            <a:extLst>
-              <a:ext uri="{FF2B5EF4-FFF2-40B4-BE49-F238E27FC236}">
-                <a16:creationId xmlns:a16="http://schemas.microsoft.com/office/drawing/2014/main" id="{FBDF7EB4-5BFB-994F-84F0-CCED7D69F352}"/>
-              </a:ext>
-            </a:extLst>
-          </p:cNvPr>
-          <p:cNvSpPr txBox="1">
-            <a:spLocks/>
-          </p:cNvSpPr>
+          <p:cNvPr id="8" name="内容占位符 2"/>
+          <p:cNvSpPr txBox="1"/>
           <p:nvPr/>
         </p:nvSpPr>
         <p:spPr>
@@ -22584,13 +21807,7 @@
       </p:sp>
       <p:sp>
         <p:nvSpPr>
-          <p:cNvPr id="9" name="矩形 8">
-            <a:extLst>
-              <a:ext uri="{FF2B5EF4-FFF2-40B4-BE49-F238E27FC236}">
-                <a16:creationId xmlns:a16="http://schemas.microsoft.com/office/drawing/2014/main" id="{A9E42C64-5F38-3B4D-B7EB-746816285F17}"/>
-              </a:ext>
-            </a:extLst>
-          </p:cNvPr>
+          <p:cNvPr id="9" name="矩形 8"/>
           <p:cNvSpPr/>
           <p:nvPr/>
         </p:nvSpPr>
@@ -22613,7 +21830,7 @@
           <a:lstStyle/>
           <a:p>
             <a:r>
-              <a:rPr lang="en" altLang="zh-CN" dirty="0" err="1">
+              <a:rPr lang="en-GB" altLang="zh-CN" dirty="0" err="1">
                 <a:solidFill>
                   <a:srgbClr val="0000CC"/>
                 </a:solidFill>
@@ -22637,16 +21854,8 @@
       </p:sp>
       <p:sp>
         <p:nvSpPr>
-          <p:cNvPr id="10" name="内容占位符 2">
-            <a:extLst>
-              <a:ext uri="{FF2B5EF4-FFF2-40B4-BE49-F238E27FC236}">
-                <a16:creationId xmlns:a16="http://schemas.microsoft.com/office/drawing/2014/main" id="{73510EBD-4392-3743-A4AA-921B61A60F2B}"/>
-              </a:ext>
-            </a:extLst>
-          </p:cNvPr>
-          <p:cNvSpPr txBox="1">
-            <a:spLocks/>
-          </p:cNvSpPr>
+          <p:cNvPr id="10" name="内容占位符 2"/>
+          <p:cNvSpPr txBox="1"/>
           <p:nvPr/>
         </p:nvSpPr>
         <p:spPr>
@@ -23008,6 +22217,12 @@
               </a:rPr>
               <a:t>);</a:t>
             </a:r>
+            <a:endParaRPr lang="en-US" altLang="zh-CN" sz="1100" dirty="0">
+              <a:solidFill>
+                <a:srgbClr val="000000"/>
+              </a:solidFill>
+              <a:latin typeface="Menlo" panose="020B0609030804020204" pitchFamily="49" charset="0"/>
+            </a:endParaRPr>
           </a:p>
           <a:p>
             <a:pPr marL="0" indent="0">
@@ -23022,6 +22237,12 @@
               </a:rPr>
               <a:t>{</a:t>
             </a:r>
+            <a:endParaRPr lang="en-US" altLang="zh-CN" sz="1100" dirty="0">
+              <a:solidFill>
+                <a:srgbClr val="000000"/>
+              </a:solidFill>
+              <a:latin typeface="Menlo" panose="020B0609030804020204" pitchFamily="49" charset="0"/>
+            </a:endParaRPr>
           </a:p>
           <a:p>
             <a:pPr marL="0" indent="0">
@@ -23045,6 +22266,12 @@
               </a:rPr>
               <a:t> n1 + n2;</a:t>
             </a:r>
+            <a:endParaRPr lang="en-US" altLang="zh-CN" sz="1100" dirty="0">
+              <a:solidFill>
+                <a:srgbClr val="000000"/>
+              </a:solidFill>
+              <a:latin typeface="Menlo" panose="020B0609030804020204" pitchFamily="49" charset="0"/>
+            </a:endParaRPr>
           </a:p>
           <a:p>
             <a:pPr marL="0" indent="0">
@@ -23059,6 +22286,12 @@
               </a:rPr>
               <a:t>}</a:t>
             </a:r>
+            <a:endParaRPr lang="en-US" altLang="zh-CN" sz="1100" dirty="0">
+              <a:solidFill>
+                <a:srgbClr val="000000"/>
+              </a:solidFill>
+              <a:latin typeface="Menlo" panose="020B0609030804020204" pitchFamily="49" charset="0"/>
+            </a:endParaRPr>
           </a:p>
           <a:p>
             <a:pPr marL="0" indent="0">
@@ -23083,13 +22316,7 @@
       </p:sp>
       <p:sp>
         <p:nvSpPr>
-          <p:cNvPr id="11" name="矩形 10">
-            <a:extLst>
-              <a:ext uri="{FF2B5EF4-FFF2-40B4-BE49-F238E27FC236}">
-                <a16:creationId xmlns:a16="http://schemas.microsoft.com/office/drawing/2014/main" id="{FF2A2542-E812-4242-BF6E-792156F4A80A}"/>
-              </a:ext>
-            </a:extLst>
-          </p:cNvPr>
+          <p:cNvPr id="11" name="矩形 10"/>
           <p:cNvSpPr/>
           <p:nvPr/>
         </p:nvSpPr>
@@ -23112,7 +22339,7 @@
           <a:lstStyle/>
           <a:p>
             <a:r>
-              <a:rPr lang="en" altLang="zh-CN" dirty="0" err="1">
+              <a:rPr lang="en-GB" altLang="zh-CN" dirty="0" err="1">
                 <a:solidFill>
                   <a:srgbClr val="0000CC"/>
                 </a:solidFill>
@@ -23161,20 +22388,14 @@
       </p:grpSpPr>
       <p:pic>
         <p:nvPicPr>
-          <p:cNvPr id="7" name="图片 6">
-            <a:extLst>
-              <a:ext uri="{FF2B5EF4-FFF2-40B4-BE49-F238E27FC236}">
-                <a16:creationId xmlns:a16="http://schemas.microsoft.com/office/drawing/2014/main" id="{D0B697F9-6475-44D2-B4C0-4DEE1AB461F5}"/>
-              </a:ext>
-            </a:extLst>
-          </p:cNvPr>
+          <p:cNvPr id="7" name="图片 6"/>
           <p:cNvPicPr>
             <a:picLocks noChangeAspect="1"/>
           </p:cNvPicPr>
           <p:nvPr/>
         </p:nvPicPr>
         <p:blipFill>
-          <a:blip r:embed="rId2"/>
+          <a:blip r:embed="rId1"/>
           <a:stretch>
             <a:fillRect/>
           </a:stretch>
@@ -23191,20 +22412,14 @@
       </p:pic>
       <p:pic>
         <p:nvPicPr>
-          <p:cNvPr id="9" name="图片 8">
-            <a:extLst>
-              <a:ext uri="{FF2B5EF4-FFF2-40B4-BE49-F238E27FC236}">
-                <a16:creationId xmlns:a16="http://schemas.microsoft.com/office/drawing/2014/main" id="{3E9E9760-18C2-4A73-934D-D956B76737EA}"/>
-              </a:ext>
-            </a:extLst>
-          </p:cNvPr>
+          <p:cNvPr id="9" name="图片 8"/>
           <p:cNvPicPr>
             <a:picLocks noChangeAspect="1"/>
           </p:cNvPicPr>
           <p:nvPr/>
         </p:nvPicPr>
         <p:blipFill>
-          <a:blip r:embed="rId3"/>
+          <a:blip r:embed="rId2"/>
           <a:stretch>
             <a:fillRect/>
           </a:stretch>
@@ -23221,13 +22436,7 @@
       </p:pic>
       <p:sp>
         <p:nvSpPr>
-          <p:cNvPr id="10" name="矩形 9">
-            <a:extLst>
-              <a:ext uri="{FF2B5EF4-FFF2-40B4-BE49-F238E27FC236}">
-                <a16:creationId xmlns:a16="http://schemas.microsoft.com/office/drawing/2014/main" id="{F88D1D95-72C0-4DB2-9BB9-C2A99BD34683}"/>
-              </a:ext>
-            </a:extLst>
-          </p:cNvPr>
+          <p:cNvPr id="10" name="矩形 9"/>
           <p:cNvSpPr/>
           <p:nvPr/>
         </p:nvSpPr>
@@ -23273,13 +22482,7 @@
       </p:sp>
       <p:sp>
         <p:nvSpPr>
-          <p:cNvPr id="11" name="矩形 10">
-            <a:extLst>
-              <a:ext uri="{FF2B5EF4-FFF2-40B4-BE49-F238E27FC236}">
-                <a16:creationId xmlns:a16="http://schemas.microsoft.com/office/drawing/2014/main" id="{64B90FD7-F79F-4008-B5CB-FC91E4A77238}"/>
-              </a:ext>
-            </a:extLst>
-          </p:cNvPr>
+          <p:cNvPr id="11" name="矩形 10"/>
           <p:cNvSpPr/>
           <p:nvPr/>
         </p:nvSpPr>
@@ -23325,13 +22528,7 @@
       </p:sp>
       <p:sp>
         <p:nvSpPr>
-          <p:cNvPr id="12" name="矩形 11">
-            <a:extLst>
-              <a:ext uri="{FF2B5EF4-FFF2-40B4-BE49-F238E27FC236}">
-                <a16:creationId xmlns:a16="http://schemas.microsoft.com/office/drawing/2014/main" id="{2A3F6161-3407-4601-8738-EED5058257F7}"/>
-              </a:ext>
-            </a:extLst>
-          </p:cNvPr>
+          <p:cNvPr id="12" name="矩形 11"/>
           <p:cNvSpPr/>
           <p:nvPr/>
         </p:nvSpPr>
@@ -23377,13 +22574,7 @@
       </p:sp>
       <p:sp>
         <p:nvSpPr>
-          <p:cNvPr id="13" name="矩形 12">
-            <a:extLst>
-              <a:ext uri="{FF2B5EF4-FFF2-40B4-BE49-F238E27FC236}">
-                <a16:creationId xmlns:a16="http://schemas.microsoft.com/office/drawing/2014/main" id="{7338CE77-330D-4BA0-99EB-75B7F89EA80D}"/>
-              </a:ext>
-            </a:extLst>
-          </p:cNvPr>
+          <p:cNvPr id="13" name="矩形 12"/>
           <p:cNvSpPr/>
           <p:nvPr/>
         </p:nvSpPr>
@@ -23429,16 +22620,8 @@
       </p:sp>
       <p:sp>
         <p:nvSpPr>
-          <p:cNvPr id="5" name="内容占位符 5">
-            <a:extLst>
-              <a:ext uri="{FF2B5EF4-FFF2-40B4-BE49-F238E27FC236}">
-                <a16:creationId xmlns:a16="http://schemas.microsoft.com/office/drawing/2014/main" id="{96E88ED1-69F0-C80C-9419-0B050B3A3DBA}"/>
-              </a:ext>
-            </a:extLst>
-          </p:cNvPr>
-          <p:cNvSpPr txBox="1">
-            <a:spLocks/>
-          </p:cNvSpPr>
+          <p:cNvPr id="5" name="内容占位符 5"/>
+          <p:cNvSpPr txBox="1"/>
           <p:nvPr/>
         </p:nvSpPr>
         <p:spPr>
@@ -23631,6 +22814,7 @@
               <a:rPr lang="en-US" altLang="zh-CN" dirty="0"/>
               <a:t>: enable the Windows Subsystem for Linux</a:t>
             </a:r>
+            <a:endParaRPr lang="en-US" altLang="zh-CN" dirty="0"/>
           </a:p>
           <a:p>
             <a:pPr lvl="1"/>
@@ -23638,6 +22822,7 @@
               <a:rPr lang="en-US" altLang="zh-CN" dirty="0"/>
               <a:t>Check Prerequisites: You must be running Windows 10 version 2004 and higher (Build 19041 and higher) or Windows 11.</a:t>
             </a:r>
+            <a:endParaRPr lang="en-US" altLang="zh-CN" dirty="0"/>
           </a:p>
           <a:p>
             <a:pPr lvl="1"/>
@@ -23677,6 +22862,7 @@
               <a:rPr lang="en-US" altLang="zh-CN" dirty="0"/>
               <a:t>.</a:t>
             </a:r>
+            <a:endParaRPr lang="en-US" altLang="zh-CN" dirty="0"/>
           </a:p>
           <a:p>
             <a:pPr lvl="1"/>
@@ -23693,13 +22879,7 @@
       </p:sp>
       <p:sp>
         <p:nvSpPr>
-          <p:cNvPr id="15" name="文本框 14">
-            <a:extLst>
-              <a:ext uri="{FF2B5EF4-FFF2-40B4-BE49-F238E27FC236}">
-                <a16:creationId xmlns:a16="http://schemas.microsoft.com/office/drawing/2014/main" id="{9B2D512F-EBE9-EE38-4305-19D6F3D84BD6}"/>
-              </a:ext>
-            </a:extLst>
-          </p:cNvPr>
+          <p:cNvPr id="15" name="文本框 14"/>
           <p:cNvSpPr txBox="1"/>
           <p:nvPr/>
         </p:nvSpPr>
@@ -23728,11 +22908,6 @@
         </p:txBody>
       </p:sp>
     </p:spTree>
-    <p:extLst>
-      <p:ext uri="{BB962C8B-B14F-4D97-AF65-F5344CB8AC3E}">
-        <p14:creationId xmlns:p14="http://schemas.microsoft.com/office/powerpoint/2010/main" val="3885121994"/>
-      </p:ext>
-    </p:extLst>
   </p:cSld>
   <p:clrMapOvr>
     <a:masterClrMapping/>
@@ -24111,13 +23286,7 @@
       </p:grpSpPr>
       <p:graphicFrame>
         <p:nvGraphicFramePr>
-          <p:cNvPr id="2" name="对象 1">
-            <a:extLst>
-              <a:ext uri="{FF2B5EF4-FFF2-40B4-BE49-F238E27FC236}">
-                <a16:creationId xmlns:a16="http://schemas.microsoft.com/office/drawing/2014/main" id="{828E2E71-312E-4C0F-9A29-0E2FE0560DEA}"/>
-              </a:ext>
-            </a:extLst>
-          </p:cNvPr>
+          <p:cNvPr id="2" name="对象 1"/>
           <p:cNvGraphicFramePr>
             <a:graphicFrameLocks noChangeAspect="1"/>
           </p:cNvGraphicFramePr>
@@ -24131,27 +23300,21 @@
           <a:graphicData uri="http://schemas.openxmlformats.org/presentationml/2006/ole">
             <mc:AlternateContent xmlns:mc="http://schemas.openxmlformats.org/markup-compatibility/2006">
               <mc:Choice xmlns:v="urn:schemas-microsoft-com:vml" Requires="v">
-                <p:oleObj name="Image" r:id="rId2" imgW="12558600" imgH="10831680" progId="Photoshop.Image.13">
+                <p:oleObj spid="_x0000_s0" name="Image" r:id="rId1" imgW="9420225" imgH="8124825" progId="Photoshop.Image.13">
                   <p:embed/>
                 </p:oleObj>
               </mc:Choice>
               <mc:Fallback>
-                <p:oleObj name="Image" r:id="rId2" imgW="12558600" imgH="10831680" progId="Photoshop.Image.13">
+                <p:oleObj name="Image" r:id="rId1" imgW="9420225" imgH="8124825" progId="Photoshop.Image.13">
                   <p:embed/>
                   <p:pic>
                     <p:nvPicPr>
-                      <p:cNvPr id="2" name="对象 1">
-                        <a:extLst>
-                          <a:ext uri="{FF2B5EF4-FFF2-40B4-BE49-F238E27FC236}">
-                            <a16:creationId xmlns:a16="http://schemas.microsoft.com/office/drawing/2014/main" id="{828E2E71-312E-4C0F-9A29-0E2FE0560DEA}"/>
-                          </a:ext>
-                        </a:extLst>
-                      </p:cNvPr>
+                      <p:cNvPr id="0" name="对象 1"/>
                       <p:cNvPicPr/>
                       <p:nvPr/>
                     </p:nvPicPr>
                     <p:blipFill>
-                      <a:blip r:embed="rId3"/>
+                      <a:blip r:embed="rId2"/>
                       <a:stretch>
                         <a:fillRect/>
                       </a:stretch>
@@ -24174,13 +23337,7 @@
       </p:graphicFrame>
       <p:sp>
         <p:nvSpPr>
-          <p:cNvPr id="3" name="矩形 2">
-            <a:extLst>
-              <a:ext uri="{FF2B5EF4-FFF2-40B4-BE49-F238E27FC236}">
-                <a16:creationId xmlns:a16="http://schemas.microsoft.com/office/drawing/2014/main" id="{1FF5D69A-C45E-4A31-A3BC-3E561F2B8FCE}"/>
-              </a:ext>
-            </a:extLst>
-          </p:cNvPr>
+          <p:cNvPr id="3" name="矩形 2"/>
           <p:cNvSpPr/>
           <p:nvPr/>
         </p:nvSpPr>
@@ -24226,13 +23383,7 @@
       </p:sp>
       <p:sp>
         <p:nvSpPr>
-          <p:cNvPr id="4" name="对话气泡: 圆角矩形 3">
-            <a:extLst>
-              <a:ext uri="{FF2B5EF4-FFF2-40B4-BE49-F238E27FC236}">
-                <a16:creationId xmlns:a16="http://schemas.microsoft.com/office/drawing/2014/main" id="{1E441558-3279-4ABF-94E5-2B42B8472D66}"/>
-              </a:ext>
-            </a:extLst>
-          </p:cNvPr>
+          <p:cNvPr id="4" name="对话气泡: 圆角矩形 3"/>
           <p:cNvSpPr/>
           <p:nvPr/>
         </p:nvSpPr>
@@ -24288,16 +23439,8 @@
       </p:sp>
       <p:sp>
         <p:nvSpPr>
-          <p:cNvPr id="5" name="内容占位符 5">
-            <a:extLst>
-              <a:ext uri="{FF2B5EF4-FFF2-40B4-BE49-F238E27FC236}">
-                <a16:creationId xmlns:a16="http://schemas.microsoft.com/office/drawing/2014/main" id="{28FD80AE-4555-450E-A8CE-3C65B5E5ED9C}"/>
-              </a:ext>
-            </a:extLst>
-          </p:cNvPr>
-          <p:cNvSpPr txBox="1">
-            <a:spLocks/>
-          </p:cNvSpPr>
+          <p:cNvPr id="5" name="内容占位符 5"/>
+          <p:cNvSpPr txBox="1"/>
           <p:nvPr/>
         </p:nvSpPr>
         <p:spPr>
@@ -24490,6 +23633,7 @@
               <a:rPr lang="en-US" altLang="zh-CN" dirty="0"/>
               <a:t>: enable the Windows Subsystem for Linux</a:t>
             </a:r>
+            <a:endParaRPr lang="en-US" altLang="zh-CN" dirty="0"/>
           </a:p>
           <a:p>
             <a:pPr lvl="1"/>
@@ -24559,11 +23703,6 @@
         </p:txBody>
       </p:sp>
     </p:spTree>
-    <p:extLst>
-      <p:ext uri="{BB962C8B-B14F-4D97-AF65-F5344CB8AC3E}">
-        <p14:creationId xmlns:p14="http://schemas.microsoft.com/office/powerpoint/2010/main" val="501083648"/>
-      </p:ext>
-    </p:extLst>
   </p:cSld>
   <p:clrMapOvr>
     <a:masterClrMapping/>
@@ -24759,20 +23898,14 @@
       </p:grpSpPr>
       <p:pic>
         <p:nvPicPr>
-          <p:cNvPr id="9" name="图片 8">
-            <a:extLst>
-              <a:ext uri="{FF2B5EF4-FFF2-40B4-BE49-F238E27FC236}">
-                <a16:creationId xmlns:a16="http://schemas.microsoft.com/office/drawing/2014/main" id="{DC1D9120-F6C0-5B2A-B559-558F63D220F1}"/>
-              </a:ext>
-            </a:extLst>
-          </p:cNvPr>
+          <p:cNvPr id="9" name="图片 8"/>
           <p:cNvPicPr>
             <a:picLocks noChangeAspect="1"/>
           </p:cNvPicPr>
           <p:nvPr/>
         </p:nvPicPr>
         <p:blipFill>
-          <a:blip r:embed="rId2"/>
+          <a:blip r:embed="rId1"/>
           <a:stretch>
             <a:fillRect/>
           </a:stretch>
@@ -24789,20 +23922,14 @@
       </p:pic>
       <p:pic>
         <p:nvPicPr>
-          <p:cNvPr id="11" name="图片 10">
-            <a:extLst>
-              <a:ext uri="{FF2B5EF4-FFF2-40B4-BE49-F238E27FC236}">
-                <a16:creationId xmlns:a16="http://schemas.microsoft.com/office/drawing/2014/main" id="{3C44C1E6-2636-B92D-E4EF-C74A820E7988}"/>
-              </a:ext>
-            </a:extLst>
-          </p:cNvPr>
+          <p:cNvPr id="11" name="图片 10"/>
           <p:cNvPicPr>
             <a:picLocks noChangeAspect="1"/>
           </p:cNvPicPr>
           <p:nvPr/>
         </p:nvPicPr>
         <p:blipFill>
-          <a:blip r:embed="rId3"/>
+          <a:blip r:embed="rId2"/>
           <a:stretch>
             <a:fillRect/>
           </a:stretch>
@@ -24819,13 +23946,7 @@
       </p:pic>
       <p:sp>
         <p:nvSpPr>
-          <p:cNvPr id="12" name="矩形 11">
-            <a:extLst>
-              <a:ext uri="{FF2B5EF4-FFF2-40B4-BE49-F238E27FC236}">
-                <a16:creationId xmlns:a16="http://schemas.microsoft.com/office/drawing/2014/main" id="{7B6AB44A-C81F-F3B5-19E9-30CDCDD93A7C}"/>
-              </a:ext>
-            </a:extLst>
-          </p:cNvPr>
+          <p:cNvPr id="12" name="矩形 11"/>
           <p:cNvSpPr/>
           <p:nvPr/>
         </p:nvSpPr>
@@ -24871,13 +23992,7 @@
       </p:sp>
       <p:grpSp>
         <p:nvGrpSpPr>
-          <p:cNvPr id="15" name="组合 14">
-            <a:extLst>
-              <a:ext uri="{FF2B5EF4-FFF2-40B4-BE49-F238E27FC236}">
-                <a16:creationId xmlns:a16="http://schemas.microsoft.com/office/drawing/2014/main" id="{B66E58B4-0591-716B-D6FC-9457CE8C1B66}"/>
-              </a:ext>
-            </a:extLst>
-          </p:cNvPr>
+          <p:cNvPr id="15" name="组合 14"/>
           <p:cNvGrpSpPr/>
           <p:nvPr/>
         </p:nvGrpSpPr>
@@ -24891,13 +24006,7 @@
         </p:grpSpPr>
         <p:sp>
           <p:nvSpPr>
-            <p:cNvPr id="13" name="矩形 12">
-              <a:extLst>
-                <a:ext uri="{FF2B5EF4-FFF2-40B4-BE49-F238E27FC236}">
-                  <a16:creationId xmlns:a16="http://schemas.microsoft.com/office/drawing/2014/main" id="{9BC49773-DA0A-2557-F5DB-1BA0FC901AD7}"/>
-                </a:ext>
-              </a:extLst>
-            </p:cNvPr>
+            <p:cNvPr id="13" name="矩形 12"/>
             <p:cNvSpPr/>
             <p:nvPr/>
           </p:nvSpPr>
@@ -24943,13 +24052,7 @@
         </p:sp>
         <p:sp>
           <p:nvSpPr>
-            <p:cNvPr id="14" name="对话气泡: 圆角矩形 13">
-              <a:extLst>
-                <a:ext uri="{FF2B5EF4-FFF2-40B4-BE49-F238E27FC236}">
-                  <a16:creationId xmlns:a16="http://schemas.microsoft.com/office/drawing/2014/main" id="{AB6E2FF2-16F4-D133-098F-0EF0ED96606D}"/>
-                </a:ext>
-              </a:extLst>
-            </p:cNvPr>
+            <p:cNvPr id="14" name="对话气泡: 圆角矩形 13"/>
             <p:cNvSpPr/>
             <p:nvPr/>
           </p:nvSpPr>
@@ -24998,13 +24101,7 @@
       </p:grpSp>
       <p:grpSp>
         <p:nvGrpSpPr>
-          <p:cNvPr id="16" name="组合 15">
-            <a:extLst>
-              <a:ext uri="{FF2B5EF4-FFF2-40B4-BE49-F238E27FC236}">
-                <a16:creationId xmlns:a16="http://schemas.microsoft.com/office/drawing/2014/main" id="{B7E5E5F8-4807-7144-85C1-D79B9F061929}"/>
-              </a:ext>
-            </a:extLst>
-          </p:cNvPr>
+          <p:cNvPr id="16" name="组合 15"/>
           <p:cNvGrpSpPr/>
           <p:nvPr/>
         </p:nvGrpSpPr>
@@ -25018,13 +24115,7 @@
         </p:grpSpPr>
         <p:sp>
           <p:nvSpPr>
-            <p:cNvPr id="17" name="矩形 16">
-              <a:extLst>
-                <a:ext uri="{FF2B5EF4-FFF2-40B4-BE49-F238E27FC236}">
-                  <a16:creationId xmlns:a16="http://schemas.microsoft.com/office/drawing/2014/main" id="{A1495E43-4A83-3872-4B27-ED91E98D594B}"/>
-                </a:ext>
-              </a:extLst>
-            </p:cNvPr>
+            <p:cNvPr id="17" name="矩形 16"/>
             <p:cNvSpPr/>
             <p:nvPr/>
           </p:nvSpPr>
@@ -25070,13 +24161,7 @@
         </p:sp>
         <p:sp>
           <p:nvSpPr>
-            <p:cNvPr id="18" name="对话气泡: 圆角矩形 17">
-              <a:extLst>
-                <a:ext uri="{FF2B5EF4-FFF2-40B4-BE49-F238E27FC236}">
-                  <a16:creationId xmlns:a16="http://schemas.microsoft.com/office/drawing/2014/main" id="{A78C6CBB-ED54-6B17-1B8F-FCAAF3BDA68F}"/>
-                </a:ext>
-              </a:extLst>
-            </p:cNvPr>
+            <p:cNvPr id="18" name="对话气泡: 圆角矩形 17"/>
             <p:cNvSpPr/>
             <p:nvPr/>
           </p:nvSpPr>
@@ -25136,11 +24221,6 @@
         </p:sp>
       </p:grpSp>
     </p:spTree>
-    <p:extLst>
-      <p:ext uri="{BB962C8B-B14F-4D97-AF65-F5344CB8AC3E}">
-        <p14:creationId xmlns:p14="http://schemas.microsoft.com/office/powerpoint/2010/main" val="2342187930"/>
-      </p:ext>
-    </p:extLst>
   </p:cSld>
   <p:clrMapOvr>
     <a:masterClrMapping/>
@@ -25380,20 +24460,14 @@
       </p:grpSpPr>
       <p:pic>
         <p:nvPicPr>
-          <p:cNvPr id="2" name="图片 1">
-            <a:extLst>
-              <a:ext uri="{FF2B5EF4-FFF2-40B4-BE49-F238E27FC236}">
-                <a16:creationId xmlns:a16="http://schemas.microsoft.com/office/drawing/2014/main" id="{AB0E9639-0940-A818-9C1A-BF172342C5D6}"/>
-              </a:ext>
-            </a:extLst>
-          </p:cNvPr>
+          <p:cNvPr id="2" name="图片 1"/>
           <p:cNvPicPr>
             <a:picLocks noChangeAspect="1"/>
           </p:cNvPicPr>
           <p:nvPr/>
         </p:nvPicPr>
         <p:blipFill>
-          <a:blip r:embed="rId2">
+          <a:blip r:embed="rId1">
             <a:extLst>
               <a:ext uri="{28A0092B-C50C-407E-A947-70E740481C1C}">
                 <a14:useLocalDpi xmlns:a14="http://schemas.microsoft.com/office/drawing/2010/main" val="0"/>
@@ -25675,13 +24749,7 @@
       </p:sp>
       <p:grpSp>
         <p:nvGrpSpPr>
-          <p:cNvPr id="4" name="组合 3">
-            <a:extLst>
-              <a:ext uri="{FF2B5EF4-FFF2-40B4-BE49-F238E27FC236}">
-                <a16:creationId xmlns:a16="http://schemas.microsoft.com/office/drawing/2014/main" id="{63B0C048-684F-C168-25E0-157607DC4072}"/>
-              </a:ext>
-            </a:extLst>
-          </p:cNvPr>
+          <p:cNvPr id="4" name="组合 3"/>
           <p:cNvGrpSpPr/>
           <p:nvPr/>
         </p:nvGrpSpPr>
@@ -25695,13 +24763,7 @@
         </p:grpSpPr>
         <p:sp>
           <p:nvSpPr>
-            <p:cNvPr id="5" name="矩形 4">
-              <a:extLst>
-                <a:ext uri="{FF2B5EF4-FFF2-40B4-BE49-F238E27FC236}">
-                  <a16:creationId xmlns:a16="http://schemas.microsoft.com/office/drawing/2014/main" id="{D62D07C8-B377-22ED-A9AF-DF95AFF7F081}"/>
-                </a:ext>
-              </a:extLst>
-            </p:cNvPr>
+            <p:cNvPr id="5" name="矩形 4"/>
             <p:cNvSpPr/>
             <p:nvPr/>
           </p:nvSpPr>
@@ -25747,13 +24809,7 @@
         </p:sp>
         <p:sp>
           <p:nvSpPr>
-            <p:cNvPr id="6" name="对话气泡: 圆角矩形 2">
-              <a:extLst>
-                <a:ext uri="{FF2B5EF4-FFF2-40B4-BE49-F238E27FC236}">
-                  <a16:creationId xmlns:a16="http://schemas.microsoft.com/office/drawing/2014/main" id="{078396FB-645C-3504-873C-57D87A9E277A}"/>
-                </a:ext>
-              </a:extLst>
-            </p:cNvPr>
+            <p:cNvPr id="6" name="对话气泡: 圆角矩形 2"/>
             <p:cNvSpPr/>
             <p:nvPr/>
           </p:nvSpPr>
@@ -25802,13 +24858,7 @@
       </p:grpSp>
       <p:grpSp>
         <p:nvGrpSpPr>
-          <p:cNvPr id="8" name="组合 7">
-            <a:extLst>
-              <a:ext uri="{FF2B5EF4-FFF2-40B4-BE49-F238E27FC236}">
-                <a16:creationId xmlns:a16="http://schemas.microsoft.com/office/drawing/2014/main" id="{E72C6E69-48CE-E9F0-0C73-D98F3A0DEA24}"/>
-              </a:ext>
-            </a:extLst>
-          </p:cNvPr>
+          <p:cNvPr id="8" name="组合 7"/>
           <p:cNvGrpSpPr/>
           <p:nvPr/>
         </p:nvGrpSpPr>
@@ -25822,13 +24872,7 @@
         </p:grpSpPr>
         <p:sp>
           <p:nvSpPr>
-            <p:cNvPr id="9" name="矩形 8">
-              <a:extLst>
-                <a:ext uri="{FF2B5EF4-FFF2-40B4-BE49-F238E27FC236}">
-                  <a16:creationId xmlns:a16="http://schemas.microsoft.com/office/drawing/2014/main" id="{742AC1E8-B750-1545-0C5C-A89A3F2A981A}"/>
-                </a:ext>
-              </a:extLst>
-            </p:cNvPr>
+            <p:cNvPr id="9" name="矩形 8"/>
             <p:cNvSpPr/>
             <p:nvPr/>
           </p:nvSpPr>
@@ -25874,13 +24918,7 @@
         </p:sp>
         <p:sp>
           <p:nvSpPr>
-            <p:cNvPr id="11" name="对话气泡: 圆角矩形 2">
-              <a:extLst>
-                <a:ext uri="{FF2B5EF4-FFF2-40B4-BE49-F238E27FC236}">
-                  <a16:creationId xmlns:a16="http://schemas.microsoft.com/office/drawing/2014/main" id="{45AF015E-D4CF-C6B9-AA60-500797038B6F}"/>
-                </a:ext>
-              </a:extLst>
-            </p:cNvPr>
+            <p:cNvPr id="11" name="对话气泡: 圆角矩形 2"/>
             <p:cNvSpPr/>
             <p:nvPr/>
           </p:nvSpPr>
@@ -25928,11 +24966,6 @@
         </p:sp>
       </p:grpSp>
     </p:spTree>
-    <p:extLst>
-      <p:ext uri="{BB962C8B-B14F-4D97-AF65-F5344CB8AC3E}">
-        <p14:creationId xmlns:p14="http://schemas.microsoft.com/office/powerpoint/2010/main" val="573283841"/>
-      </p:ext>
-    </p:extLst>
   </p:cSld>
   <p:clrMapOvr>
     <a:masterClrMapping/>
@@ -26218,20 +25251,14 @@
       </p:grpSpPr>
       <p:pic>
         <p:nvPicPr>
-          <p:cNvPr id="3" name="图片 2">
-            <a:extLst>
-              <a:ext uri="{FF2B5EF4-FFF2-40B4-BE49-F238E27FC236}">
-                <a16:creationId xmlns:a16="http://schemas.microsoft.com/office/drawing/2014/main" id="{F495FC5D-AE53-097F-4384-722FF6065572}"/>
-              </a:ext>
-            </a:extLst>
-          </p:cNvPr>
+          <p:cNvPr id="3" name="图片 2"/>
           <p:cNvPicPr>
             <a:picLocks noChangeAspect="1"/>
           </p:cNvPicPr>
           <p:nvPr/>
         </p:nvPicPr>
         <p:blipFill>
-          <a:blip r:embed="rId2"/>
+          <a:blip r:embed="rId1"/>
           <a:stretch>
             <a:fillRect/>
           </a:stretch>
@@ -26352,18 +25379,26 @@
               </a:rPr>
               <a:t>and return the command instruction, it means that the default Ubuntu is not fit to your system(If you input the wrong command, it shows you the same window).</a:t>
             </a:r>
+            <a:endParaRPr kumimoji="0" lang="en-US" altLang="zh-CN" sz="2000" b="0" i="0" u="none" strike="noStrike" kern="1200" cap="none" spc="0" normalizeH="0" baseline="0" noProof="0" dirty="0">
+              <a:ln>
+                <a:noFill/>
+              </a:ln>
+              <a:solidFill>
+                <a:prstClr val="black"/>
+              </a:solidFill>
+              <a:effectLst/>
+              <a:uLnTx/>
+              <a:uFillTx/>
+              <a:latin typeface="Calibri" panose="020F0502020204030204"/>
+              <a:ea typeface="等线" panose="02010600030101010101" charset="-122"/>
+              <a:cs typeface="+mn-cs"/>
+            </a:endParaRPr>
           </a:p>
         </p:txBody>
       </p:sp>
       <p:sp>
         <p:nvSpPr>
-          <p:cNvPr id="2" name="内容占位符 5">
-            <a:extLst>
-              <a:ext uri="{FF2B5EF4-FFF2-40B4-BE49-F238E27FC236}">
-                <a16:creationId xmlns:a16="http://schemas.microsoft.com/office/drawing/2014/main" id="{A023A1CB-5979-BD97-D810-5791F305FBA7}"/>
-              </a:ext>
-            </a:extLst>
-          </p:cNvPr>
+          <p:cNvPr id="2" name="内容占位符 5"/>
           <p:cNvSpPr>
             <a:spLocks noGrp="1"/>
           </p:cNvSpPr>
@@ -26390,6 +25425,7 @@
               <a:rPr lang="en-US" altLang="zh-CN" sz="2000" dirty="0"/>
               <a:t>At this time, you need open PowerShell as administrator and run:</a:t>
             </a:r>
+            <a:endParaRPr lang="en-US" altLang="zh-CN" sz="2000" dirty="0"/>
           </a:p>
           <a:p>
             <a:pPr marL="0" indent="0">
@@ -26445,20 +25481,14 @@
       </p:sp>
       <p:pic>
         <p:nvPicPr>
-          <p:cNvPr id="4" name="图片 3">
-            <a:extLst>
-              <a:ext uri="{FF2B5EF4-FFF2-40B4-BE49-F238E27FC236}">
-                <a16:creationId xmlns:a16="http://schemas.microsoft.com/office/drawing/2014/main" id="{FD409D8A-3C78-2D24-4BFB-CEDB7BE758FE}"/>
-              </a:ext>
-            </a:extLst>
-          </p:cNvPr>
+          <p:cNvPr id="4" name="图片 3"/>
           <p:cNvPicPr>
             <a:picLocks noChangeAspect="1"/>
           </p:cNvPicPr>
           <p:nvPr/>
         </p:nvPicPr>
         <p:blipFill>
-          <a:blip r:embed="rId3"/>
+          <a:blip r:embed="rId2"/>
           <a:stretch>
             <a:fillRect/>
           </a:stretch>
@@ -26475,13 +25505,7 @@
       </p:pic>
       <p:grpSp>
         <p:nvGrpSpPr>
-          <p:cNvPr id="5" name="组合 4">
-            <a:extLst>
-              <a:ext uri="{FF2B5EF4-FFF2-40B4-BE49-F238E27FC236}">
-                <a16:creationId xmlns:a16="http://schemas.microsoft.com/office/drawing/2014/main" id="{913F8EFB-3961-D4CE-A364-975851C5A310}"/>
-              </a:ext>
-            </a:extLst>
-          </p:cNvPr>
+          <p:cNvPr id="5" name="组合 4"/>
           <p:cNvGrpSpPr/>
           <p:nvPr/>
         </p:nvGrpSpPr>
@@ -26495,13 +25519,7 @@
         </p:grpSpPr>
         <p:sp>
           <p:nvSpPr>
-            <p:cNvPr id="6" name="矩形 5">
-              <a:extLst>
-                <a:ext uri="{FF2B5EF4-FFF2-40B4-BE49-F238E27FC236}">
-                  <a16:creationId xmlns:a16="http://schemas.microsoft.com/office/drawing/2014/main" id="{1C34D64A-B55E-F019-402E-88C3190B28A5}"/>
-                </a:ext>
-              </a:extLst>
-            </p:cNvPr>
+            <p:cNvPr id="6" name="矩形 5"/>
             <p:cNvSpPr/>
             <p:nvPr/>
           </p:nvSpPr>
@@ -26547,13 +25565,7 @@
         </p:sp>
         <p:sp>
           <p:nvSpPr>
-            <p:cNvPr id="8" name="对话气泡: 圆角矩形 2">
-              <a:extLst>
-                <a:ext uri="{FF2B5EF4-FFF2-40B4-BE49-F238E27FC236}">
-                  <a16:creationId xmlns:a16="http://schemas.microsoft.com/office/drawing/2014/main" id="{9EA88813-3525-B364-0032-4C6B9D6FD321}"/>
-                </a:ext>
-              </a:extLst>
-            </p:cNvPr>
+            <p:cNvPr id="8" name="对话气泡: 圆角矩形 2"/>
             <p:cNvSpPr/>
             <p:nvPr/>
           </p:nvSpPr>
@@ -26602,13 +25614,7 @@
       </p:grpSp>
       <p:sp>
         <p:nvSpPr>
-          <p:cNvPr id="9" name="文本框 8">
-            <a:extLst>
-              <a:ext uri="{FF2B5EF4-FFF2-40B4-BE49-F238E27FC236}">
-                <a16:creationId xmlns:a16="http://schemas.microsoft.com/office/drawing/2014/main" id="{1DB06A25-B753-E600-AD64-DE0448B24C61}"/>
-              </a:ext>
-            </a:extLst>
-          </p:cNvPr>
+          <p:cNvPr id="9" name="文本框 8"/>
           <p:cNvSpPr txBox="1"/>
           <p:nvPr/>
         </p:nvSpPr>
@@ -26660,6 +25666,7 @@
               <a:rPr lang="en-US" altLang="zh-CN" dirty="0"/>
               <a:t>, search for your preferred Linux distribution (Ubuntu), get and install it in your computer according to the guidance.</a:t>
             </a:r>
+            <a:endParaRPr lang="en-US" altLang="zh-CN" dirty="0"/>
           </a:p>
           <a:p>
             <a:endParaRPr lang="zh-CN" altLang="en-US" dirty="0"/>
@@ -26667,11 +25674,6 @@
         </p:txBody>
       </p:sp>
     </p:spTree>
-    <p:extLst>
-      <p:ext uri="{BB962C8B-B14F-4D97-AF65-F5344CB8AC3E}">
-        <p14:creationId xmlns:p14="http://schemas.microsoft.com/office/powerpoint/2010/main" val="4101318333"/>
-      </p:ext>
-    </p:extLst>
   </p:cSld>
   <p:clrMapOvr>
     <a:masterClrMapping/>
@@ -27010,20 +26012,14 @@
       </p:grpSpPr>
       <p:pic>
         <p:nvPicPr>
-          <p:cNvPr id="5" name="图片 4">
-            <a:extLst>
-              <a:ext uri="{FF2B5EF4-FFF2-40B4-BE49-F238E27FC236}">
-                <a16:creationId xmlns:a16="http://schemas.microsoft.com/office/drawing/2014/main" id="{A31528CF-0BC1-6F97-1E4C-586E1705CB0C}"/>
-              </a:ext>
-            </a:extLst>
-          </p:cNvPr>
+          <p:cNvPr id="5" name="图片 4"/>
           <p:cNvPicPr>
             <a:picLocks noChangeAspect="1"/>
           </p:cNvPicPr>
           <p:nvPr/>
         </p:nvPicPr>
         <p:blipFill>
-          <a:blip r:embed="rId2">
+          <a:blip r:embed="rId1">
             <a:extLst>
               <a:ext uri="{28A0092B-C50C-407E-A947-70E740481C1C}">
                 <a14:useLocalDpi xmlns:a14="http://schemas.microsoft.com/office/drawing/2010/main" val="0"/>
@@ -27046,13 +26042,7 @@
       </p:pic>
       <p:grpSp>
         <p:nvGrpSpPr>
-          <p:cNvPr id="6" name="组合 5">
-            <a:extLst>
-              <a:ext uri="{FF2B5EF4-FFF2-40B4-BE49-F238E27FC236}">
-                <a16:creationId xmlns:a16="http://schemas.microsoft.com/office/drawing/2014/main" id="{FFFA3CA5-D7CE-D405-456F-2FA849F64788}"/>
-              </a:ext>
-            </a:extLst>
-          </p:cNvPr>
+          <p:cNvPr id="6" name="组合 5"/>
           <p:cNvGrpSpPr/>
           <p:nvPr/>
         </p:nvGrpSpPr>
@@ -27066,13 +26056,7 @@
         </p:grpSpPr>
         <p:sp>
           <p:nvSpPr>
-            <p:cNvPr id="7" name="矩形 6">
-              <a:extLst>
-                <a:ext uri="{FF2B5EF4-FFF2-40B4-BE49-F238E27FC236}">
-                  <a16:creationId xmlns:a16="http://schemas.microsoft.com/office/drawing/2014/main" id="{25DFFA1D-3902-5DF2-E0BC-DDF437D986A2}"/>
-                </a:ext>
-              </a:extLst>
-            </p:cNvPr>
+            <p:cNvPr id="7" name="矩形 6"/>
             <p:cNvSpPr/>
             <p:nvPr/>
           </p:nvSpPr>
@@ -27118,13 +26102,7 @@
         </p:sp>
         <p:sp>
           <p:nvSpPr>
-            <p:cNvPr id="8" name="对话气泡: 圆角矩形 2">
-              <a:extLst>
-                <a:ext uri="{FF2B5EF4-FFF2-40B4-BE49-F238E27FC236}">
-                  <a16:creationId xmlns:a16="http://schemas.microsoft.com/office/drawing/2014/main" id="{871233EA-B737-F494-74EB-96D563B9F7DD}"/>
-                </a:ext>
-              </a:extLst>
-            </p:cNvPr>
+            <p:cNvPr id="8" name="对话气泡: 圆角矩形 2"/>
             <p:cNvSpPr/>
             <p:nvPr/>
           </p:nvSpPr>
@@ -27174,6 +26152,7 @@
                 <a:rPr lang="en-US" altLang="zh-CN" dirty="0"/>
                 <a:t>new UNIX username and new password.</a:t>
               </a:r>
+              <a:endParaRPr lang="en-US" altLang="zh-CN" dirty="0"/>
             </a:p>
             <a:p>
               <a:pPr algn="ctr"/>
@@ -27181,6 +26160,7 @@
                 <a:rPr lang="en-US" altLang="zh-CN" dirty="0"/>
                 <a:t>Remember your username and password. </a:t>
               </a:r>
+              <a:endParaRPr lang="en-US" altLang="zh-CN" dirty="0"/>
             </a:p>
             <a:p>
               <a:pPr algn="ctr"/>
@@ -27227,13 +26207,7 @@
       </p:grpSp>
       <p:grpSp>
         <p:nvGrpSpPr>
-          <p:cNvPr id="9" name="组合 8">
-            <a:extLst>
-              <a:ext uri="{FF2B5EF4-FFF2-40B4-BE49-F238E27FC236}">
-                <a16:creationId xmlns:a16="http://schemas.microsoft.com/office/drawing/2014/main" id="{449A346D-CD08-EEF1-4A36-69B60F03F076}"/>
-              </a:ext>
-            </a:extLst>
-          </p:cNvPr>
+          <p:cNvPr id="9" name="组合 8"/>
           <p:cNvGrpSpPr/>
           <p:nvPr/>
         </p:nvGrpSpPr>
@@ -27247,13 +26221,7 @@
         </p:grpSpPr>
         <p:sp>
           <p:nvSpPr>
-            <p:cNvPr id="10" name="矩形 9">
-              <a:extLst>
-                <a:ext uri="{FF2B5EF4-FFF2-40B4-BE49-F238E27FC236}">
-                  <a16:creationId xmlns:a16="http://schemas.microsoft.com/office/drawing/2014/main" id="{E70B8ACA-5E70-ED06-C5BE-A855FF79B96B}"/>
-                </a:ext>
-              </a:extLst>
-            </p:cNvPr>
+            <p:cNvPr id="10" name="矩形 9"/>
             <p:cNvSpPr/>
             <p:nvPr/>
           </p:nvSpPr>
@@ -27299,13 +26267,7 @@
         </p:sp>
         <p:sp>
           <p:nvSpPr>
-            <p:cNvPr id="11" name="对话气泡: 圆角矩形 2">
-              <a:extLst>
-                <a:ext uri="{FF2B5EF4-FFF2-40B4-BE49-F238E27FC236}">
-                  <a16:creationId xmlns:a16="http://schemas.microsoft.com/office/drawing/2014/main" id="{281BD249-E438-DCCF-E666-43794A5B983F}"/>
-                </a:ext>
-              </a:extLst>
-            </p:cNvPr>
+            <p:cNvPr id="11" name="对话气泡: 圆角矩形 2"/>
             <p:cNvSpPr/>
             <p:nvPr/>
           </p:nvSpPr>
@@ -27353,11 +26315,6 @@
         </p:sp>
       </p:grpSp>
     </p:spTree>
-    <p:extLst>
-      <p:ext uri="{BB962C8B-B14F-4D97-AF65-F5344CB8AC3E}">
-        <p14:creationId xmlns:p14="http://schemas.microsoft.com/office/powerpoint/2010/main" val="2391190429"/>
-      </p:ext>
-    </p:extLst>
   </p:cSld>
   <p:clrMapOvr>
     <a:masterClrMapping/>
@@ -27736,8 +26693,6 @@
       </a:bgFillStyleLst>
     </a:fmtScheme>
   </a:themeElements>
-  <a:objectDefaults/>
-  <a:extraClrSchemeLst/>
   <a:extLst>
     <a:ext uri="{05A4C25C-085E-4340-85A3-A5531E510DB2}">
       <thm15:themeFamily xmlns:thm15="http://schemas.microsoft.com/office/thememl/2012/main" name="Office Theme" id="{62F939B6-93AF-4DB8-9C6B-D6C7DFDC589F}" vid="{4A3C46E8-61CC-4603-A589-7422A47A8E4A}"/>
@@ -27997,8 +26952,6 @@
       </a:bgFillStyleLst>
     </a:fmtScheme>
   </a:themeElements>
-  <a:objectDefaults/>
-  <a:extraClrSchemeLst/>
   <a:extLst>
     <a:ext uri="{05A4C25C-085E-4340-85A3-A5531E510DB2}">
       <thm15:themeFamily xmlns:thm15="http://schemas.microsoft.com/office/thememl/2012/main" name="Office Theme" id="{62F939B6-93AF-4DB8-9C6B-D6C7DFDC589F}" vid="{4A3C46E8-61CC-4603-A589-7422A47A8E4A}"/>
